--- a/Deep_Research_Template.pptx
+++ b/Deep_Research_Template.pptx
@@ -5,10 +5,29 @@
     <p:sldMasterId id="2147483672" r:id="rId4"/>
   </p:sldMasterIdLst>
   <p:notesMasterIdLst>
-    <p:notesMasterId r:id="rId6"/>
+    <p:notesMasterId r:id="rId25"/>
   </p:notesMasterIdLst>
   <p:sldIdLst>
     <p:sldId id="2147483169" r:id="rId5"/>
+    <p:sldId id="2147483170" r:id="rId6"/>
+    <p:sldId id="2147483171" r:id="rId7"/>
+    <p:sldId id="2147483172" r:id="rId8"/>
+    <p:sldId id="2147483173" r:id="rId9"/>
+    <p:sldId id="2147483174" r:id="rId10"/>
+    <p:sldId id="2147483175" r:id="rId11"/>
+    <p:sldId id="2147483176" r:id="rId12"/>
+    <p:sldId id="2147483177" r:id="rId13"/>
+    <p:sldId id="2147483178" r:id="rId14"/>
+    <p:sldId id="2147483179" r:id="rId15"/>
+    <p:sldId id="2147483180" r:id="rId16"/>
+    <p:sldId id="2147483181" r:id="rId17"/>
+    <p:sldId id="2147483182" r:id="rId18"/>
+    <p:sldId id="2147483183" r:id="rId19"/>
+    <p:sldId id="2147483184" r:id="rId20"/>
+    <p:sldId id="2147483185" r:id="rId21"/>
+    <p:sldId id="2147483186" r:id="rId22"/>
+    <p:sldId id="2147483187" r:id="rId23"/>
+    <p:sldId id="2147483188" r:id="rId24"/>
   </p:sldIdLst>
   <p:sldSz cx="9144000" cy="5148263"/>
   <p:notesSz cx="6858000" cy="9144000"/>
@@ -1564,6 +1583,2286 @@
     <p:extLst>
       <p:ext uri="{BB962C8B-B14F-4D97-AF65-F5344CB8AC3E}">
         <p14:creationId xmlns:p14="http://schemas.microsoft.com/office/powerpoint/2010/main" val="483433247"/>
+      </p:ext>
+    </p:extLst>
+  </p:cSld>
+  <p:clrMapOvr>
+    <a:masterClrMapping/>
+  </p:clrMapOvr>
+</p:sld>
+</file>
+
+<file path=ppt/slides/slide10.xml><?xml version="1.0" encoding="utf-8"?>
+<p:sld xmlns:a="http://schemas.openxmlformats.org/drawingml/2006/main" xmlns:r="http://schemas.openxmlformats.org/officeDocument/2006/relationships" xmlns:p="http://schemas.openxmlformats.org/presentationml/2006/main">
+  <p:cSld>
+    <p:spTree>
+      <p:nvGrpSpPr>
+        <p:cNvPr id="1" name="">
+          <a:extLst>
+            <a:ext uri="{FF2B5EF4-FFF2-40B4-BE49-F238E27FC236}">
+              <a16:creationId xmlns:a16="http://schemas.microsoft.com/office/drawing/2014/main" id="{EDCE5A89-B14A-1DAD-661A-0E9AB843E7A4}"/>
+            </a:ext>
+          </a:extLst>
+        </p:cNvPr>
+        <p:cNvGrpSpPr/>
+        <p:nvPr/>
+      </p:nvGrpSpPr>
+      <p:grpSpPr>
+        <a:xfrm>
+          <a:off x="0" y="0"/>
+          <a:ext cx="0" cy="0"/>
+          <a:chOff x="0" y="0"/>
+          <a:chExt cx="0" cy="0"/>
+        </a:xfrm>
+      </p:grpSpPr>
+      <p:sp>
+        <p:nvSpPr>
+          <p:cNvPr id="2" name="Title 1">
+            <a:extLst>
+              <a:ext uri="{FF2B5EF4-FFF2-40B4-BE49-F238E27FC236}">
+                <a16:creationId xmlns:a16="http://schemas.microsoft.com/office/drawing/2014/main" id="{B14064BA-F614-E273-C5F1-BDE2BD404774}"/>
+              </a:ext>
+            </a:extLst>
+          </p:cNvPr>
+          <p:cNvSpPr>
+            <a:spLocks noGrp="1"/>
+          </p:cNvSpPr>
+          <p:nvPr>
+            <p:ph type="title"/>
+          </p:nvPr>
+        </p:nvSpPr>
+        <p:spPr/>
+        <p:txBody>
+          <a:bodyPr/>
+          <a:lstStyle/>
+          <a:p>
+            <a:r>
+              <a:rPr lang="en-US" dirty="0"/>
+              <a:t>Title</a:t>
+            </a:r>
+          </a:p>
+        </p:txBody>
+      </p:sp>
+      <p:sp>
+        <p:nvSpPr>
+          <p:cNvPr id="3" name="Content Placeholder 2">
+            <a:extLst>
+              <a:ext uri="{FF2B5EF4-FFF2-40B4-BE49-F238E27FC236}">
+                <a16:creationId xmlns:a16="http://schemas.microsoft.com/office/drawing/2014/main" id="{750B5DE9-7717-777C-46B9-EE212F51BFB5}"/>
+              </a:ext>
+            </a:extLst>
+          </p:cNvPr>
+          <p:cNvSpPr>
+            <a:spLocks noGrp="1"/>
+          </p:cNvSpPr>
+          <p:nvPr>
+            <p:ph sz="quarter" idx="10"/>
+          </p:nvPr>
+        </p:nvSpPr>
+        <p:spPr/>
+        <p:txBody>
+          <a:bodyPr/>
+          <a:lstStyle/>
+          <a:p>
+            <a:r>
+              <a:rPr lang="en-US" dirty="0"/>
+              <a:t>Bullets</a:t>
+            </a:r>
+          </a:p>
+        </p:txBody>
+      </p:sp>
+      <p:sp>
+        <p:nvSpPr>
+          <p:cNvPr id="4" name="Text Placeholder 3">
+            <a:extLst>
+              <a:ext uri="{FF2B5EF4-FFF2-40B4-BE49-F238E27FC236}">
+                <a16:creationId xmlns:a16="http://schemas.microsoft.com/office/drawing/2014/main" id="{76998CAE-4AFE-2F92-F728-4E7C3AB565F3}"/>
+              </a:ext>
+            </a:extLst>
+          </p:cNvPr>
+          <p:cNvSpPr>
+            <a:spLocks noGrp="1"/>
+          </p:cNvSpPr>
+          <p:nvPr>
+            <p:ph type="body" sz="quarter" idx="11"/>
+          </p:nvPr>
+        </p:nvSpPr>
+        <p:spPr/>
+        <p:txBody>
+          <a:bodyPr/>
+          <a:lstStyle/>
+          <a:p>
+            <a:r>
+              <a:rPr lang="en-US" dirty="0"/>
+              <a:t>Subtitle</a:t>
+            </a:r>
+          </a:p>
+        </p:txBody>
+      </p:sp>
+    </p:spTree>
+    <p:extLst>
+      <p:ext uri="{BB962C8B-B14F-4D97-AF65-F5344CB8AC3E}">
+        <p14:creationId xmlns:p14="http://schemas.microsoft.com/office/powerpoint/2010/main" val="3741155885"/>
+      </p:ext>
+    </p:extLst>
+  </p:cSld>
+  <p:clrMapOvr>
+    <a:masterClrMapping/>
+  </p:clrMapOvr>
+</p:sld>
+</file>
+
+<file path=ppt/slides/slide11.xml><?xml version="1.0" encoding="utf-8"?>
+<p:sld xmlns:a="http://schemas.openxmlformats.org/drawingml/2006/main" xmlns:r="http://schemas.openxmlformats.org/officeDocument/2006/relationships" xmlns:p="http://schemas.openxmlformats.org/presentationml/2006/main">
+  <p:cSld>
+    <p:spTree>
+      <p:nvGrpSpPr>
+        <p:cNvPr id="1" name="">
+          <a:extLst>
+            <a:ext uri="{FF2B5EF4-FFF2-40B4-BE49-F238E27FC236}">
+              <a16:creationId xmlns:a16="http://schemas.microsoft.com/office/drawing/2014/main" id="{2D90B333-E4CA-4DA0-FD33-C6DF1F599DF5}"/>
+            </a:ext>
+          </a:extLst>
+        </p:cNvPr>
+        <p:cNvGrpSpPr/>
+        <p:nvPr/>
+      </p:nvGrpSpPr>
+      <p:grpSpPr>
+        <a:xfrm>
+          <a:off x="0" y="0"/>
+          <a:ext cx="0" cy="0"/>
+          <a:chOff x="0" y="0"/>
+          <a:chExt cx="0" cy="0"/>
+        </a:xfrm>
+      </p:grpSpPr>
+      <p:sp>
+        <p:nvSpPr>
+          <p:cNvPr id="2" name="Title 1">
+            <a:extLst>
+              <a:ext uri="{FF2B5EF4-FFF2-40B4-BE49-F238E27FC236}">
+                <a16:creationId xmlns:a16="http://schemas.microsoft.com/office/drawing/2014/main" id="{E25B2982-7F07-6280-9DEA-39ED31D9EC47}"/>
+              </a:ext>
+            </a:extLst>
+          </p:cNvPr>
+          <p:cNvSpPr>
+            <a:spLocks noGrp="1"/>
+          </p:cNvSpPr>
+          <p:nvPr>
+            <p:ph type="title"/>
+          </p:nvPr>
+        </p:nvSpPr>
+        <p:spPr/>
+        <p:txBody>
+          <a:bodyPr/>
+          <a:lstStyle/>
+          <a:p>
+            <a:r>
+              <a:rPr lang="en-US" dirty="0"/>
+              <a:t>Title</a:t>
+            </a:r>
+          </a:p>
+        </p:txBody>
+      </p:sp>
+      <p:sp>
+        <p:nvSpPr>
+          <p:cNvPr id="3" name="Content Placeholder 2">
+            <a:extLst>
+              <a:ext uri="{FF2B5EF4-FFF2-40B4-BE49-F238E27FC236}">
+                <a16:creationId xmlns:a16="http://schemas.microsoft.com/office/drawing/2014/main" id="{25BCEB10-3C3F-C0A5-7463-F2EF0F89542B}"/>
+              </a:ext>
+            </a:extLst>
+          </p:cNvPr>
+          <p:cNvSpPr>
+            <a:spLocks noGrp="1"/>
+          </p:cNvSpPr>
+          <p:nvPr>
+            <p:ph sz="quarter" idx="10"/>
+          </p:nvPr>
+        </p:nvSpPr>
+        <p:spPr/>
+        <p:txBody>
+          <a:bodyPr/>
+          <a:lstStyle/>
+          <a:p>
+            <a:r>
+              <a:rPr lang="en-US" dirty="0"/>
+              <a:t>Bullets</a:t>
+            </a:r>
+          </a:p>
+        </p:txBody>
+      </p:sp>
+      <p:sp>
+        <p:nvSpPr>
+          <p:cNvPr id="4" name="Text Placeholder 3">
+            <a:extLst>
+              <a:ext uri="{FF2B5EF4-FFF2-40B4-BE49-F238E27FC236}">
+                <a16:creationId xmlns:a16="http://schemas.microsoft.com/office/drawing/2014/main" id="{D9878FD4-48E4-18DE-6093-C08F76CE8519}"/>
+              </a:ext>
+            </a:extLst>
+          </p:cNvPr>
+          <p:cNvSpPr>
+            <a:spLocks noGrp="1"/>
+          </p:cNvSpPr>
+          <p:nvPr>
+            <p:ph type="body" sz="quarter" idx="11"/>
+          </p:nvPr>
+        </p:nvSpPr>
+        <p:spPr/>
+        <p:txBody>
+          <a:bodyPr/>
+          <a:lstStyle/>
+          <a:p>
+            <a:r>
+              <a:rPr lang="en-US" dirty="0"/>
+              <a:t>Subtitle</a:t>
+            </a:r>
+          </a:p>
+        </p:txBody>
+      </p:sp>
+    </p:spTree>
+    <p:extLst>
+      <p:ext uri="{BB962C8B-B14F-4D97-AF65-F5344CB8AC3E}">
+        <p14:creationId xmlns:p14="http://schemas.microsoft.com/office/powerpoint/2010/main" val="2657862173"/>
+      </p:ext>
+    </p:extLst>
+  </p:cSld>
+  <p:clrMapOvr>
+    <a:masterClrMapping/>
+  </p:clrMapOvr>
+</p:sld>
+</file>
+
+<file path=ppt/slides/slide12.xml><?xml version="1.0" encoding="utf-8"?>
+<p:sld xmlns:a="http://schemas.openxmlformats.org/drawingml/2006/main" xmlns:r="http://schemas.openxmlformats.org/officeDocument/2006/relationships" xmlns:p="http://schemas.openxmlformats.org/presentationml/2006/main">
+  <p:cSld>
+    <p:spTree>
+      <p:nvGrpSpPr>
+        <p:cNvPr id="1" name="">
+          <a:extLst>
+            <a:ext uri="{FF2B5EF4-FFF2-40B4-BE49-F238E27FC236}">
+              <a16:creationId xmlns:a16="http://schemas.microsoft.com/office/drawing/2014/main" id="{BDB3579E-3C15-7210-62A8-EBF9E696947A}"/>
+            </a:ext>
+          </a:extLst>
+        </p:cNvPr>
+        <p:cNvGrpSpPr/>
+        <p:nvPr/>
+      </p:nvGrpSpPr>
+      <p:grpSpPr>
+        <a:xfrm>
+          <a:off x="0" y="0"/>
+          <a:ext cx="0" cy="0"/>
+          <a:chOff x="0" y="0"/>
+          <a:chExt cx="0" cy="0"/>
+        </a:xfrm>
+      </p:grpSpPr>
+      <p:sp>
+        <p:nvSpPr>
+          <p:cNvPr id="2" name="Title 1">
+            <a:extLst>
+              <a:ext uri="{FF2B5EF4-FFF2-40B4-BE49-F238E27FC236}">
+                <a16:creationId xmlns:a16="http://schemas.microsoft.com/office/drawing/2014/main" id="{E64058BF-9EEC-4A7E-E8FF-7A0B3FB04D9C}"/>
+              </a:ext>
+            </a:extLst>
+          </p:cNvPr>
+          <p:cNvSpPr>
+            <a:spLocks noGrp="1"/>
+          </p:cNvSpPr>
+          <p:nvPr>
+            <p:ph type="title"/>
+          </p:nvPr>
+        </p:nvSpPr>
+        <p:spPr/>
+        <p:txBody>
+          <a:bodyPr/>
+          <a:lstStyle/>
+          <a:p>
+            <a:r>
+              <a:rPr lang="en-US" dirty="0"/>
+              <a:t>Title</a:t>
+            </a:r>
+          </a:p>
+        </p:txBody>
+      </p:sp>
+      <p:sp>
+        <p:nvSpPr>
+          <p:cNvPr id="3" name="Content Placeholder 2">
+            <a:extLst>
+              <a:ext uri="{FF2B5EF4-FFF2-40B4-BE49-F238E27FC236}">
+                <a16:creationId xmlns:a16="http://schemas.microsoft.com/office/drawing/2014/main" id="{0F399F24-9321-F7FC-7664-63692BD88AD5}"/>
+              </a:ext>
+            </a:extLst>
+          </p:cNvPr>
+          <p:cNvSpPr>
+            <a:spLocks noGrp="1"/>
+          </p:cNvSpPr>
+          <p:nvPr>
+            <p:ph sz="quarter" idx="10"/>
+          </p:nvPr>
+        </p:nvSpPr>
+        <p:spPr/>
+        <p:txBody>
+          <a:bodyPr/>
+          <a:lstStyle/>
+          <a:p>
+            <a:r>
+              <a:rPr lang="en-US" dirty="0"/>
+              <a:t>Bullets</a:t>
+            </a:r>
+          </a:p>
+        </p:txBody>
+      </p:sp>
+      <p:sp>
+        <p:nvSpPr>
+          <p:cNvPr id="4" name="Text Placeholder 3">
+            <a:extLst>
+              <a:ext uri="{FF2B5EF4-FFF2-40B4-BE49-F238E27FC236}">
+                <a16:creationId xmlns:a16="http://schemas.microsoft.com/office/drawing/2014/main" id="{C5B71E6D-7E1D-C1E7-CDD4-AF8C577B7AF8}"/>
+              </a:ext>
+            </a:extLst>
+          </p:cNvPr>
+          <p:cNvSpPr>
+            <a:spLocks noGrp="1"/>
+          </p:cNvSpPr>
+          <p:nvPr>
+            <p:ph type="body" sz="quarter" idx="11"/>
+          </p:nvPr>
+        </p:nvSpPr>
+        <p:spPr/>
+        <p:txBody>
+          <a:bodyPr/>
+          <a:lstStyle/>
+          <a:p>
+            <a:r>
+              <a:rPr lang="en-US" dirty="0"/>
+              <a:t>Subtitle</a:t>
+            </a:r>
+          </a:p>
+        </p:txBody>
+      </p:sp>
+    </p:spTree>
+    <p:extLst>
+      <p:ext uri="{BB962C8B-B14F-4D97-AF65-F5344CB8AC3E}">
+        <p14:creationId xmlns:p14="http://schemas.microsoft.com/office/powerpoint/2010/main" val="1563336542"/>
+      </p:ext>
+    </p:extLst>
+  </p:cSld>
+  <p:clrMapOvr>
+    <a:masterClrMapping/>
+  </p:clrMapOvr>
+</p:sld>
+</file>
+
+<file path=ppt/slides/slide13.xml><?xml version="1.0" encoding="utf-8"?>
+<p:sld xmlns:a="http://schemas.openxmlformats.org/drawingml/2006/main" xmlns:r="http://schemas.openxmlformats.org/officeDocument/2006/relationships" xmlns:p="http://schemas.openxmlformats.org/presentationml/2006/main">
+  <p:cSld>
+    <p:spTree>
+      <p:nvGrpSpPr>
+        <p:cNvPr id="1" name="">
+          <a:extLst>
+            <a:ext uri="{FF2B5EF4-FFF2-40B4-BE49-F238E27FC236}">
+              <a16:creationId xmlns:a16="http://schemas.microsoft.com/office/drawing/2014/main" id="{06E5CF96-19B7-BCE5-F633-A137F56A12E3}"/>
+            </a:ext>
+          </a:extLst>
+        </p:cNvPr>
+        <p:cNvGrpSpPr/>
+        <p:nvPr/>
+      </p:nvGrpSpPr>
+      <p:grpSpPr>
+        <a:xfrm>
+          <a:off x="0" y="0"/>
+          <a:ext cx="0" cy="0"/>
+          <a:chOff x="0" y="0"/>
+          <a:chExt cx="0" cy="0"/>
+        </a:xfrm>
+      </p:grpSpPr>
+      <p:sp>
+        <p:nvSpPr>
+          <p:cNvPr id="2" name="Title 1">
+            <a:extLst>
+              <a:ext uri="{FF2B5EF4-FFF2-40B4-BE49-F238E27FC236}">
+                <a16:creationId xmlns:a16="http://schemas.microsoft.com/office/drawing/2014/main" id="{52F67E50-8BDC-B3E5-6DF1-F5CD16A9D36C}"/>
+              </a:ext>
+            </a:extLst>
+          </p:cNvPr>
+          <p:cNvSpPr>
+            <a:spLocks noGrp="1"/>
+          </p:cNvSpPr>
+          <p:nvPr>
+            <p:ph type="title"/>
+          </p:nvPr>
+        </p:nvSpPr>
+        <p:spPr/>
+        <p:txBody>
+          <a:bodyPr/>
+          <a:lstStyle/>
+          <a:p>
+            <a:r>
+              <a:rPr lang="en-US" dirty="0"/>
+              <a:t>Title</a:t>
+            </a:r>
+          </a:p>
+        </p:txBody>
+      </p:sp>
+      <p:sp>
+        <p:nvSpPr>
+          <p:cNvPr id="3" name="Content Placeholder 2">
+            <a:extLst>
+              <a:ext uri="{FF2B5EF4-FFF2-40B4-BE49-F238E27FC236}">
+                <a16:creationId xmlns:a16="http://schemas.microsoft.com/office/drawing/2014/main" id="{38AA06D9-DE27-EC76-F5EC-C3AEE34B7E40}"/>
+              </a:ext>
+            </a:extLst>
+          </p:cNvPr>
+          <p:cNvSpPr>
+            <a:spLocks noGrp="1"/>
+          </p:cNvSpPr>
+          <p:nvPr>
+            <p:ph sz="quarter" idx="10"/>
+          </p:nvPr>
+        </p:nvSpPr>
+        <p:spPr/>
+        <p:txBody>
+          <a:bodyPr/>
+          <a:lstStyle/>
+          <a:p>
+            <a:r>
+              <a:rPr lang="en-US" dirty="0"/>
+              <a:t>Bullets</a:t>
+            </a:r>
+          </a:p>
+        </p:txBody>
+      </p:sp>
+      <p:sp>
+        <p:nvSpPr>
+          <p:cNvPr id="4" name="Text Placeholder 3">
+            <a:extLst>
+              <a:ext uri="{FF2B5EF4-FFF2-40B4-BE49-F238E27FC236}">
+                <a16:creationId xmlns:a16="http://schemas.microsoft.com/office/drawing/2014/main" id="{F12415EC-B2DE-20C4-71EC-DA3357344008}"/>
+              </a:ext>
+            </a:extLst>
+          </p:cNvPr>
+          <p:cNvSpPr>
+            <a:spLocks noGrp="1"/>
+          </p:cNvSpPr>
+          <p:nvPr>
+            <p:ph type="body" sz="quarter" idx="11"/>
+          </p:nvPr>
+        </p:nvSpPr>
+        <p:spPr/>
+        <p:txBody>
+          <a:bodyPr/>
+          <a:lstStyle/>
+          <a:p>
+            <a:r>
+              <a:rPr lang="en-US" dirty="0"/>
+              <a:t>Subtitle</a:t>
+            </a:r>
+          </a:p>
+        </p:txBody>
+      </p:sp>
+    </p:spTree>
+    <p:extLst>
+      <p:ext uri="{BB962C8B-B14F-4D97-AF65-F5344CB8AC3E}">
+        <p14:creationId xmlns:p14="http://schemas.microsoft.com/office/powerpoint/2010/main" val="730834240"/>
+      </p:ext>
+    </p:extLst>
+  </p:cSld>
+  <p:clrMapOvr>
+    <a:masterClrMapping/>
+  </p:clrMapOvr>
+</p:sld>
+</file>
+
+<file path=ppt/slides/slide14.xml><?xml version="1.0" encoding="utf-8"?>
+<p:sld xmlns:a="http://schemas.openxmlformats.org/drawingml/2006/main" xmlns:r="http://schemas.openxmlformats.org/officeDocument/2006/relationships" xmlns:p="http://schemas.openxmlformats.org/presentationml/2006/main">
+  <p:cSld>
+    <p:spTree>
+      <p:nvGrpSpPr>
+        <p:cNvPr id="1" name="">
+          <a:extLst>
+            <a:ext uri="{FF2B5EF4-FFF2-40B4-BE49-F238E27FC236}">
+              <a16:creationId xmlns:a16="http://schemas.microsoft.com/office/drawing/2014/main" id="{E991660E-8E63-C9E9-0CEB-64B42A68D3A4}"/>
+            </a:ext>
+          </a:extLst>
+        </p:cNvPr>
+        <p:cNvGrpSpPr/>
+        <p:nvPr/>
+      </p:nvGrpSpPr>
+      <p:grpSpPr>
+        <a:xfrm>
+          <a:off x="0" y="0"/>
+          <a:ext cx="0" cy="0"/>
+          <a:chOff x="0" y="0"/>
+          <a:chExt cx="0" cy="0"/>
+        </a:xfrm>
+      </p:grpSpPr>
+      <p:sp>
+        <p:nvSpPr>
+          <p:cNvPr id="2" name="Title 1">
+            <a:extLst>
+              <a:ext uri="{FF2B5EF4-FFF2-40B4-BE49-F238E27FC236}">
+                <a16:creationId xmlns:a16="http://schemas.microsoft.com/office/drawing/2014/main" id="{AA049A64-F24F-D391-90C7-C962E02448FB}"/>
+              </a:ext>
+            </a:extLst>
+          </p:cNvPr>
+          <p:cNvSpPr>
+            <a:spLocks noGrp="1"/>
+          </p:cNvSpPr>
+          <p:nvPr>
+            <p:ph type="title"/>
+          </p:nvPr>
+        </p:nvSpPr>
+        <p:spPr/>
+        <p:txBody>
+          <a:bodyPr/>
+          <a:lstStyle/>
+          <a:p>
+            <a:r>
+              <a:rPr lang="en-US" dirty="0"/>
+              <a:t>Title</a:t>
+            </a:r>
+          </a:p>
+        </p:txBody>
+      </p:sp>
+      <p:sp>
+        <p:nvSpPr>
+          <p:cNvPr id="3" name="Content Placeholder 2">
+            <a:extLst>
+              <a:ext uri="{FF2B5EF4-FFF2-40B4-BE49-F238E27FC236}">
+                <a16:creationId xmlns:a16="http://schemas.microsoft.com/office/drawing/2014/main" id="{F5568EBD-4007-021C-0384-7C2A1638160C}"/>
+              </a:ext>
+            </a:extLst>
+          </p:cNvPr>
+          <p:cNvSpPr>
+            <a:spLocks noGrp="1"/>
+          </p:cNvSpPr>
+          <p:nvPr>
+            <p:ph sz="quarter" idx="10"/>
+          </p:nvPr>
+        </p:nvSpPr>
+        <p:spPr/>
+        <p:txBody>
+          <a:bodyPr/>
+          <a:lstStyle/>
+          <a:p>
+            <a:r>
+              <a:rPr lang="en-US" dirty="0"/>
+              <a:t>Bullets</a:t>
+            </a:r>
+          </a:p>
+        </p:txBody>
+      </p:sp>
+      <p:sp>
+        <p:nvSpPr>
+          <p:cNvPr id="4" name="Text Placeholder 3">
+            <a:extLst>
+              <a:ext uri="{FF2B5EF4-FFF2-40B4-BE49-F238E27FC236}">
+                <a16:creationId xmlns:a16="http://schemas.microsoft.com/office/drawing/2014/main" id="{1A335455-4433-6119-CEF5-BE5756F57A70}"/>
+              </a:ext>
+            </a:extLst>
+          </p:cNvPr>
+          <p:cNvSpPr>
+            <a:spLocks noGrp="1"/>
+          </p:cNvSpPr>
+          <p:nvPr>
+            <p:ph type="body" sz="quarter" idx="11"/>
+          </p:nvPr>
+        </p:nvSpPr>
+        <p:spPr/>
+        <p:txBody>
+          <a:bodyPr/>
+          <a:lstStyle/>
+          <a:p>
+            <a:r>
+              <a:rPr lang="en-US" dirty="0"/>
+              <a:t>Subtitle</a:t>
+            </a:r>
+          </a:p>
+        </p:txBody>
+      </p:sp>
+    </p:spTree>
+    <p:extLst>
+      <p:ext uri="{BB962C8B-B14F-4D97-AF65-F5344CB8AC3E}">
+        <p14:creationId xmlns:p14="http://schemas.microsoft.com/office/powerpoint/2010/main" val="1523998889"/>
+      </p:ext>
+    </p:extLst>
+  </p:cSld>
+  <p:clrMapOvr>
+    <a:masterClrMapping/>
+  </p:clrMapOvr>
+</p:sld>
+</file>
+
+<file path=ppt/slides/slide15.xml><?xml version="1.0" encoding="utf-8"?>
+<p:sld xmlns:a="http://schemas.openxmlformats.org/drawingml/2006/main" xmlns:r="http://schemas.openxmlformats.org/officeDocument/2006/relationships" xmlns:p="http://schemas.openxmlformats.org/presentationml/2006/main">
+  <p:cSld>
+    <p:spTree>
+      <p:nvGrpSpPr>
+        <p:cNvPr id="1" name="">
+          <a:extLst>
+            <a:ext uri="{FF2B5EF4-FFF2-40B4-BE49-F238E27FC236}">
+              <a16:creationId xmlns:a16="http://schemas.microsoft.com/office/drawing/2014/main" id="{536D7204-2279-0657-19B9-64B636F9E51F}"/>
+            </a:ext>
+          </a:extLst>
+        </p:cNvPr>
+        <p:cNvGrpSpPr/>
+        <p:nvPr/>
+      </p:nvGrpSpPr>
+      <p:grpSpPr>
+        <a:xfrm>
+          <a:off x="0" y="0"/>
+          <a:ext cx="0" cy="0"/>
+          <a:chOff x="0" y="0"/>
+          <a:chExt cx="0" cy="0"/>
+        </a:xfrm>
+      </p:grpSpPr>
+      <p:sp>
+        <p:nvSpPr>
+          <p:cNvPr id="2" name="Title 1">
+            <a:extLst>
+              <a:ext uri="{FF2B5EF4-FFF2-40B4-BE49-F238E27FC236}">
+                <a16:creationId xmlns:a16="http://schemas.microsoft.com/office/drawing/2014/main" id="{0AD4514A-D2A4-7DE9-F8BA-A8B8545C884B}"/>
+              </a:ext>
+            </a:extLst>
+          </p:cNvPr>
+          <p:cNvSpPr>
+            <a:spLocks noGrp="1"/>
+          </p:cNvSpPr>
+          <p:nvPr>
+            <p:ph type="title"/>
+          </p:nvPr>
+        </p:nvSpPr>
+        <p:spPr/>
+        <p:txBody>
+          <a:bodyPr/>
+          <a:lstStyle/>
+          <a:p>
+            <a:r>
+              <a:rPr lang="en-US" dirty="0"/>
+              <a:t>Title</a:t>
+            </a:r>
+          </a:p>
+        </p:txBody>
+      </p:sp>
+      <p:sp>
+        <p:nvSpPr>
+          <p:cNvPr id="3" name="Content Placeholder 2">
+            <a:extLst>
+              <a:ext uri="{FF2B5EF4-FFF2-40B4-BE49-F238E27FC236}">
+                <a16:creationId xmlns:a16="http://schemas.microsoft.com/office/drawing/2014/main" id="{FEE96785-0926-35E1-515F-2467ECD15959}"/>
+              </a:ext>
+            </a:extLst>
+          </p:cNvPr>
+          <p:cNvSpPr>
+            <a:spLocks noGrp="1"/>
+          </p:cNvSpPr>
+          <p:nvPr>
+            <p:ph sz="quarter" idx="10"/>
+          </p:nvPr>
+        </p:nvSpPr>
+        <p:spPr/>
+        <p:txBody>
+          <a:bodyPr/>
+          <a:lstStyle/>
+          <a:p>
+            <a:r>
+              <a:rPr lang="en-US" dirty="0"/>
+              <a:t>Bullets</a:t>
+            </a:r>
+          </a:p>
+        </p:txBody>
+      </p:sp>
+      <p:sp>
+        <p:nvSpPr>
+          <p:cNvPr id="4" name="Text Placeholder 3">
+            <a:extLst>
+              <a:ext uri="{FF2B5EF4-FFF2-40B4-BE49-F238E27FC236}">
+                <a16:creationId xmlns:a16="http://schemas.microsoft.com/office/drawing/2014/main" id="{0A282647-730D-D971-88B7-24986DC3C66F}"/>
+              </a:ext>
+            </a:extLst>
+          </p:cNvPr>
+          <p:cNvSpPr>
+            <a:spLocks noGrp="1"/>
+          </p:cNvSpPr>
+          <p:nvPr>
+            <p:ph type="body" sz="quarter" idx="11"/>
+          </p:nvPr>
+        </p:nvSpPr>
+        <p:spPr/>
+        <p:txBody>
+          <a:bodyPr/>
+          <a:lstStyle/>
+          <a:p>
+            <a:r>
+              <a:rPr lang="en-US" dirty="0"/>
+              <a:t>Subtitle</a:t>
+            </a:r>
+          </a:p>
+        </p:txBody>
+      </p:sp>
+    </p:spTree>
+    <p:extLst>
+      <p:ext uri="{BB962C8B-B14F-4D97-AF65-F5344CB8AC3E}">
+        <p14:creationId xmlns:p14="http://schemas.microsoft.com/office/powerpoint/2010/main" val="836792125"/>
+      </p:ext>
+    </p:extLst>
+  </p:cSld>
+  <p:clrMapOvr>
+    <a:masterClrMapping/>
+  </p:clrMapOvr>
+</p:sld>
+</file>
+
+<file path=ppt/slides/slide16.xml><?xml version="1.0" encoding="utf-8"?>
+<p:sld xmlns:a="http://schemas.openxmlformats.org/drawingml/2006/main" xmlns:r="http://schemas.openxmlformats.org/officeDocument/2006/relationships" xmlns:p="http://schemas.openxmlformats.org/presentationml/2006/main">
+  <p:cSld>
+    <p:spTree>
+      <p:nvGrpSpPr>
+        <p:cNvPr id="1" name="">
+          <a:extLst>
+            <a:ext uri="{FF2B5EF4-FFF2-40B4-BE49-F238E27FC236}">
+              <a16:creationId xmlns:a16="http://schemas.microsoft.com/office/drawing/2014/main" id="{D2D6BF79-59FA-83B2-B3F2-8C354F8014D5}"/>
+            </a:ext>
+          </a:extLst>
+        </p:cNvPr>
+        <p:cNvGrpSpPr/>
+        <p:nvPr/>
+      </p:nvGrpSpPr>
+      <p:grpSpPr>
+        <a:xfrm>
+          <a:off x="0" y="0"/>
+          <a:ext cx="0" cy="0"/>
+          <a:chOff x="0" y="0"/>
+          <a:chExt cx="0" cy="0"/>
+        </a:xfrm>
+      </p:grpSpPr>
+      <p:sp>
+        <p:nvSpPr>
+          <p:cNvPr id="2" name="Title 1">
+            <a:extLst>
+              <a:ext uri="{FF2B5EF4-FFF2-40B4-BE49-F238E27FC236}">
+                <a16:creationId xmlns:a16="http://schemas.microsoft.com/office/drawing/2014/main" id="{57693BAE-9F91-646B-AAD8-8D83E03CAF09}"/>
+              </a:ext>
+            </a:extLst>
+          </p:cNvPr>
+          <p:cNvSpPr>
+            <a:spLocks noGrp="1"/>
+          </p:cNvSpPr>
+          <p:nvPr>
+            <p:ph type="title"/>
+          </p:nvPr>
+        </p:nvSpPr>
+        <p:spPr/>
+        <p:txBody>
+          <a:bodyPr/>
+          <a:lstStyle/>
+          <a:p>
+            <a:r>
+              <a:rPr lang="en-US" dirty="0"/>
+              <a:t>Title</a:t>
+            </a:r>
+          </a:p>
+        </p:txBody>
+      </p:sp>
+      <p:sp>
+        <p:nvSpPr>
+          <p:cNvPr id="3" name="Content Placeholder 2">
+            <a:extLst>
+              <a:ext uri="{FF2B5EF4-FFF2-40B4-BE49-F238E27FC236}">
+                <a16:creationId xmlns:a16="http://schemas.microsoft.com/office/drawing/2014/main" id="{3185D82E-C399-81B0-F86D-A8D07D57FB3F}"/>
+              </a:ext>
+            </a:extLst>
+          </p:cNvPr>
+          <p:cNvSpPr>
+            <a:spLocks noGrp="1"/>
+          </p:cNvSpPr>
+          <p:nvPr>
+            <p:ph sz="quarter" idx="10"/>
+          </p:nvPr>
+        </p:nvSpPr>
+        <p:spPr/>
+        <p:txBody>
+          <a:bodyPr/>
+          <a:lstStyle/>
+          <a:p>
+            <a:r>
+              <a:rPr lang="en-US" dirty="0"/>
+              <a:t>Bullets</a:t>
+            </a:r>
+          </a:p>
+        </p:txBody>
+      </p:sp>
+      <p:sp>
+        <p:nvSpPr>
+          <p:cNvPr id="4" name="Text Placeholder 3">
+            <a:extLst>
+              <a:ext uri="{FF2B5EF4-FFF2-40B4-BE49-F238E27FC236}">
+                <a16:creationId xmlns:a16="http://schemas.microsoft.com/office/drawing/2014/main" id="{C82DBEC5-F9BE-060A-4E5D-7F50AA04C76F}"/>
+              </a:ext>
+            </a:extLst>
+          </p:cNvPr>
+          <p:cNvSpPr>
+            <a:spLocks noGrp="1"/>
+          </p:cNvSpPr>
+          <p:nvPr>
+            <p:ph type="body" sz="quarter" idx="11"/>
+          </p:nvPr>
+        </p:nvSpPr>
+        <p:spPr/>
+        <p:txBody>
+          <a:bodyPr/>
+          <a:lstStyle/>
+          <a:p>
+            <a:r>
+              <a:rPr lang="en-US" dirty="0"/>
+              <a:t>Subtitle</a:t>
+            </a:r>
+          </a:p>
+        </p:txBody>
+      </p:sp>
+    </p:spTree>
+    <p:extLst>
+      <p:ext uri="{BB962C8B-B14F-4D97-AF65-F5344CB8AC3E}">
+        <p14:creationId xmlns:p14="http://schemas.microsoft.com/office/powerpoint/2010/main" val="744378931"/>
+      </p:ext>
+    </p:extLst>
+  </p:cSld>
+  <p:clrMapOvr>
+    <a:masterClrMapping/>
+  </p:clrMapOvr>
+</p:sld>
+</file>
+
+<file path=ppt/slides/slide17.xml><?xml version="1.0" encoding="utf-8"?>
+<p:sld xmlns:a="http://schemas.openxmlformats.org/drawingml/2006/main" xmlns:r="http://schemas.openxmlformats.org/officeDocument/2006/relationships" xmlns:p="http://schemas.openxmlformats.org/presentationml/2006/main">
+  <p:cSld>
+    <p:spTree>
+      <p:nvGrpSpPr>
+        <p:cNvPr id="1" name="">
+          <a:extLst>
+            <a:ext uri="{FF2B5EF4-FFF2-40B4-BE49-F238E27FC236}">
+              <a16:creationId xmlns:a16="http://schemas.microsoft.com/office/drawing/2014/main" id="{C29A5463-6288-4E75-36DA-854E9D98DD2A}"/>
+            </a:ext>
+          </a:extLst>
+        </p:cNvPr>
+        <p:cNvGrpSpPr/>
+        <p:nvPr/>
+      </p:nvGrpSpPr>
+      <p:grpSpPr>
+        <a:xfrm>
+          <a:off x="0" y="0"/>
+          <a:ext cx="0" cy="0"/>
+          <a:chOff x="0" y="0"/>
+          <a:chExt cx="0" cy="0"/>
+        </a:xfrm>
+      </p:grpSpPr>
+      <p:sp>
+        <p:nvSpPr>
+          <p:cNvPr id="2" name="Title 1">
+            <a:extLst>
+              <a:ext uri="{FF2B5EF4-FFF2-40B4-BE49-F238E27FC236}">
+                <a16:creationId xmlns:a16="http://schemas.microsoft.com/office/drawing/2014/main" id="{EE036BF1-1E32-9D6C-E464-47FDEF82B4BA}"/>
+              </a:ext>
+            </a:extLst>
+          </p:cNvPr>
+          <p:cNvSpPr>
+            <a:spLocks noGrp="1"/>
+          </p:cNvSpPr>
+          <p:nvPr>
+            <p:ph type="title"/>
+          </p:nvPr>
+        </p:nvSpPr>
+        <p:spPr/>
+        <p:txBody>
+          <a:bodyPr/>
+          <a:lstStyle/>
+          <a:p>
+            <a:r>
+              <a:rPr lang="en-US" dirty="0"/>
+              <a:t>Title</a:t>
+            </a:r>
+          </a:p>
+        </p:txBody>
+      </p:sp>
+      <p:sp>
+        <p:nvSpPr>
+          <p:cNvPr id="3" name="Content Placeholder 2">
+            <a:extLst>
+              <a:ext uri="{FF2B5EF4-FFF2-40B4-BE49-F238E27FC236}">
+                <a16:creationId xmlns:a16="http://schemas.microsoft.com/office/drawing/2014/main" id="{D80DD870-5D11-7C2B-B5AC-AAACF74B65F1}"/>
+              </a:ext>
+            </a:extLst>
+          </p:cNvPr>
+          <p:cNvSpPr>
+            <a:spLocks noGrp="1"/>
+          </p:cNvSpPr>
+          <p:nvPr>
+            <p:ph sz="quarter" idx="10"/>
+          </p:nvPr>
+        </p:nvSpPr>
+        <p:spPr/>
+        <p:txBody>
+          <a:bodyPr/>
+          <a:lstStyle/>
+          <a:p>
+            <a:r>
+              <a:rPr lang="en-US" dirty="0"/>
+              <a:t>Bullets</a:t>
+            </a:r>
+          </a:p>
+        </p:txBody>
+      </p:sp>
+      <p:sp>
+        <p:nvSpPr>
+          <p:cNvPr id="4" name="Text Placeholder 3">
+            <a:extLst>
+              <a:ext uri="{FF2B5EF4-FFF2-40B4-BE49-F238E27FC236}">
+                <a16:creationId xmlns:a16="http://schemas.microsoft.com/office/drawing/2014/main" id="{505EBDD5-9DB7-F599-9711-0866827F3453}"/>
+              </a:ext>
+            </a:extLst>
+          </p:cNvPr>
+          <p:cNvSpPr>
+            <a:spLocks noGrp="1"/>
+          </p:cNvSpPr>
+          <p:nvPr>
+            <p:ph type="body" sz="quarter" idx="11"/>
+          </p:nvPr>
+        </p:nvSpPr>
+        <p:spPr/>
+        <p:txBody>
+          <a:bodyPr/>
+          <a:lstStyle/>
+          <a:p>
+            <a:r>
+              <a:rPr lang="en-US" dirty="0"/>
+              <a:t>Subtitle</a:t>
+            </a:r>
+          </a:p>
+        </p:txBody>
+      </p:sp>
+    </p:spTree>
+    <p:extLst>
+      <p:ext uri="{BB962C8B-B14F-4D97-AF65-F5344CB8AC3E}">
+        <p14:creationId xmlns:p14="http://schemas.microsoft.com/office/powerpoint/2010/main" val="3636042660"/>
+      </p:ext>
+    </p:extLst>
+  </p:cSld>
+  <p:clrMapOvr>
+    <a:masterClrMapping/>
+  </p:clrMapOvr>
+</p:sld>
+</file>
+
+<file path=ppt/slides/slide18.xml><?xml version="1.0" encoding="utf-8"?>
+<p:sld xmlns:a="http://schemas.openxmlformats.org/drawingml/2006/main" xmlns:r="http://schemas.openxmlformats.org/officeDocument/2006/relationships" xmlns:p="http://schemas.openxmlformats.org/presentationml/2006/main">
+  <p:cSld>
+    <p:spTree>
+      <p:nvGrpSpPr>
+        <p:cNvPr id="1" name="">
+          <a:extLst>
+            <a:ext uri="{FF2B5EF4-FFF2-40B4-BE49-F238E27FC236}">
+              <a16:creationId xmlns:a16="http://schemas.microsoft.com/office/drawing/2014/main" id="{D36CB6CC-3362-F1F0-E695-F677C4956791}"/>
+            </a:ext>
+          </a:extLst>
+        </p:cNvPr>
+        <p:cNvGrpSpPr/>
+        <p:nvPr/>
+      </p:nvGrpSpPr>
+      <p:grpSpPr>
+        <a:xfrm>
+          <a:off x="0" y="0"/>
+          <a:ext cx="0" cy="0"/>
+          <a:chOff x="0" y="0"/>
+          <a:chExt cx="0" cy="0"/>
+        </a:xfrm>
+      </p:grpSpPr>
+      <p:sp>
+        <p:nvSpPr>
+          <p:cNvPr id="2" name="Title 1">
+            <a:extLst>
+              <a:ext uri="{FF2B5EF4-FFF2-40B4-BE49-F238E27FC236}">
+                <a16:creationId xmlns:a16="http://schemas.microsoft.com/office/drawing/2014/main" id="{E3C1B7E1-5CFA-80CD-26F2-717931570086}"/>
+              </a:ext>
+            </a:extLst>
+          </p:cNvPr>
+          <p:cNvSpPr>
+            <a:spLocks noGrp="1"/>
+          </p:cNvSpPr>
+          <p:nvPr>
+            <p:ph type="title"/>
+          </p:nvPr>
+        </p:nvSpPr>
+        <p:spPr/>
+        <p:txBody>
+          <a:bodyPr/>
+          <a:lstStyle/>
+          <a:p>
+            <a:r>
+              <a:rPr lang="en-US" dirty="0"/>
+              <a:t>Title</a:t>
+            </a:r>
+          </a:p>
+        </p:txBody>
+      </p:sp>
+      <p:sp>
+        <p:nvSpPr>
+          <p:cNvPr id="3" name="Content Placeholder 2">
+            <a:extLst>
+              <a:ext uri="{FF2B5EF4-FFF2-40B4-BE49-F238E27FC236}">
+                <a16:creationId xmlns:a16="http://schemas.microsoft.com/office/drawing/2014/main" id="{63B9227A-7187-CA0A-0911-5029F300EE3D}"/>
+              </a:ext>
+            </a:extLst>
+          </p:cNvPr>
+          <p:cNvSpPr>
+            <a:spLocks noGrp="1"/>
+          </p:cNvSpPr>
+          <p:nvPr>
+            <p:ph sz="quarter" idx="10"/>
+          </p:nvPr>
+        </p:nvSpPr>
+        <p:spPr/>
+        <p:txBody>
+          <a:bodyPr/>
+          <a:lstStyle/>
+          <a:p>
+            <a:r>
+              <a:rPr lang="en-US" dirty="0"/>
+              <a:t>Bullets</a:t>
+            </a:r>
+          </a:p>
+        </p:txBody>
+      </p:sp>
+      <p:sp>
+        <p:nvSpPr>
+          <p:cNvPr id="4" name="Text Placeholder 3">
+            <a:extLst>
+              <a:ext uri="{FF2B5EF4-FFF2-40B4-BE49-F238E27FC236}">
+                <a16:creationId xmlns:a16="http://schemas.microsoft.com/office/drawing/2014/main" id="{484E08EE-5906-940A-E175-1D605085530C}"/>
+              </a:ext>
+            </a:extLst>
+          </p:cNvPr>
+          <p:cNvSpPr>
+            <a:spLocks noGrp="1"/>
+          </p:cNvSpPr>
+          <p:nvPr>
+            <p:ph type="body" sz="quarter" idx="11"/>
+          </p:nvPr>
+        </p:nvSpPr>
+        <p:spPr/>
+        <p:txBody>
+          <a:bodyPr/>
+          <a:lstStyle/>
+          <a:p>
+            <a:r>
+              <a:rPr lang="en-US" dirty="0"/>
+              <a:t>Subtitle</a:t>
+            </a:r>
+          </a:p>
+        </p:txBody>
+      </p:sp>
+    </p:spTree>
+    <p:extLst>
+      <p:ext uri="{BB962C8B-B14F-4D97-AF65-F5344CB8AC3E}">
+        <p14:creationId xmlns:p14="http://schemas.microsoft.com/office/powerpoint/2010/main" val="3059024873"/>
+      </p:ext>
+    </p:extLst>
+  </p:cSld>
+  <p:clrMapOvr>
+    <a:masterClrMapping/>
+  </p:clrMapOvr>
+</p:sld>
+</file>
+
+<file path=ppt/slides/slide19.xml><?xml version="1.0" encoding="utf-8"?>
+<p:sld xmlns:a="http://schemas.openxmlformats.org/drawingml/2006/main" xmlns:r="http://schemas.openxmlformats.org/officeDocument/2006/relationships" xmlns:p="http://schemas.openxmlformats.org/presentationml/2006/main">
+  <p:cSld>
+    <p:spTree>
+      <p:nvGrpSpPr>
+        <p:cNvPr id="1" name="">
+          <a:extLst>
+            <a:ext uri="{FF2B5EF4-FFF2-40B4-BE49-F238E27FC236}">
+              <a16:creationId xmlns:a16="http://schemas.microsoft.com/office/drawing/2014/main" id="{587D8ACC-B59F-0166-5A94-AEDCEF434EEB}"/>
+            </a:ext>
+          </a:extLst>
+        </p:cNvPr>
+        <p:cNvGrpSpPr/>
+        <p:nvPr/>
+      </p:nvGrpSpPr>
+      <p:grpSpPr>
+        <a:xfrm>
+          <a:off x="0" y="0"/>
+          <a:ext cx="0" cy="0"/>
+          <a:chOff x="0" y="0"/>
+          <a:chExt cx="0" cy="0"/>
+        </a:xfrm>
+      </p:grpSpPr>
+      <p:sp>
+        <p:nvSpPr>
+          <p:cNvPr id="2" name="Title 1">
+            <a:extLst>
+              <a:ext uri="{FF2B5EF4-FFF2-40B4-BE49-F238E27FC236}">
+                <a16:creationId xmlns:a16="http://schemas.microsoft.com/office/drawing/2014/main" id="{B2C5629B-D1E3-C42F-1742-3A546C9CA610}"/>
+              </a:ext>
+            </a:extLst>
+          </p:cNvPr>
+          <p:cNvSpPr>
+            <a:spLocks noGrp="1"/>
+          </p:cNvSpPr>
+          <p:nvPr>
+            <p:ph type="title"/>
+          </p:nvPr>
+        </p:nvSpPr>
+        <p:spPr/>
+        <p:txBody>
+          <a:bodyPr/>
+          <a:lstStyle/>
+          <a:p>
+            <a:r>
+              <a:rPr lang="en-US" dirty="0"/>
+              <a:t>Title</a:t>
+            </a:r>
+          </a:p>
+        </p:txBody>
+      </p:sp>
+      <p:sp>
+        <p:nvSpPr>
+          <p:cNvPr id="3" name="Content Placeholder 2">
+            <a:extLst>
+              <a:ext uri="{FF2B5EF4-FFF2-40B4-BE49-F238E27FC236}">
+                <a16:creationId xmlns:a16="http://schemas.microsoft.com/office/drawing/2014/main" id="{711BA1EE-72FD-8336-F38A-CA459DB61E43}"/>
+              </a:ext>
+            </a:extLst>
+          </p:cNvPr>
+          <p:cNvSpPr>
+            <a:spLocks noGrp="1"/>
+          </p:cNvSpPr>
+          <p:nvPr>
+            <p:ph sz="quarter" idx="10"/>
+          </p:nvPr>
+        </p:nvSpPr>
+        <p:spPr/>
+        <p:txBody>
+          <a:bodyPr/>
+          <a:lstStyle/>
+          <a:p>
+            <a:r>
+              <a:rPr lang="en-US" dirty="0"/>
+              <a:t>Bullets</a:t>
+            </a:r>
+          </a:p>
+        </p:txBody>
+      </p:sp>
+      <p:sp>
+        <p:nvSpPr>
+          <p:cNvPr id="4" name="Text Placeholder 3">
+            <a:extLst>
+              <a:ext uri="{FF2B5EF4-FFF2-40B4-BE49-F238E27FC236}">
+                <a16:creationId xmlns:a16="http://schemas.microsoft.com/office/drawing/2014/main" id="{FBB3A2FF-8EC5-64D1-488C-D507F0D13141}"/>
+              </a:ext>
+            </a:extLst>
+          </p:cNvPr>
+          <p:cNvSpPr>
+            <a:spLocks noGrp="1"/>
+          </p:cNvSpPr>
+          <p:nvPr>
+            <p:ph type="body" sz="quarter" idx="11"/>
+          </p:nvPr>
+        </p:nvSpPr>
+        <p:spPr/>
+        <p:txBody>
+          <a:bodyPr/>
+          <a:lstStyle/>
+          <a:p>
+            <a:r>
+              <a:rPr lang="en-US" dirty="0"/>
+              <a:t>Subtitle</a:t>
+            </a:r>
+          </a:p>
+        </p:txBody>
+      </p:sp>
+    </p:spTree>
+    <p:extLst>
+      <p:ext uri="{BB962C8B-B14F-4D97-AF65-F5344CB8AC3E}">
+        <p14:creationId xmlns:p14="http://schemas.microsoft.com/office/powerpoint/2010/main" val="3919627737"/>
+      </p:ext>
+    </p:extLst>
+  </p:cSld>
+  <p:clrMapOvr>
+    <a:masterClrMapping/>
+  </p:clrMapOvr>
+</p:sld>
+</file>
+
+<file path=ppt/slides/slide2.xml><?xml version="1.0" encoding="utf-8"?>
+<p:sld xmlns:a="http://schemas.openxmlformats.org/drawingml/2006/main" xmlns:r="http://schemas.openxmlformats.org/officeDocument/2006/relationships" xmlns:p="http://schemas.openxmlformats.org/presentationml/2006/main">
+  <p:cSld>
+    <p:spTree>
+      <p:nvGrpSpPr>
+        <p:cNvPr id="1" name="">
+          <a:extLst>
+            <a:ext uri="{FF2B5EF4-FFF2-40B4-BE49-F238E27FC236}">
+              <a16:creationId xmlns:a16="http://schemas.microsoft.com/office/drawing/2014/main" id="{6CF013B5-3181-9872-3195-96903AC3DF7A}"/>
+            </a:ext>
+          </a:extLst>
+        </p:cNvPr>
+        <p:cNvGrpSpPr/>
+        <p:nvPr/>
+      </p:nvGrpSpPr>
+      <p:grpSpPr>
+        <a:xfrm>
+          <a:off x="0" y="0"/>
+          <a:ext cx="0" cy="0"/>
+          <a:chOff x="0" y="0"/>
+          <a:chExt cx="0" cy="0"/>
+        </a:xfrm>
+      </p:grpSpPr>
+      <p:sp>
+        <p:nvSpPr>
+          <p:cNvPr id="2" name="Title 1">
+            <a:extLst>
+              <a:ext uri="{FF2B5EF4-FFF2-40B4-BE49-F238E27FC236}">
+                <a16:creationId xmlns:a16="http://schemas.microsoft.com/office/drawing/2014/main" id="{F467651A-BCD2-1425-55F7-24F02BFB8721}"/>
+              </a:ext>
+            </a:extLst>
+          </p:cNvPr>
+          <p:cNvSpPr>
+            <a:spLocks noGrp="1"/>
+          </p:cNvSpPr>
+          <p:nvPr>
+            <p:ph type="title"/>
+          </p:nvPr>
+        </p:nvSpPr>
+        <p:spPr/>
+        <p:txBody>
+          <a:bodyPr/>
+          <a:lstStyle/>
+          <a:p>
+            <a:r>
+              <a:rPr lang="en-US" dirty="0"/>
+              <a:t>Title</a:t>
+            </a:r>
+          </a:p>
+        </p:txBody>
+      </p:sp>
+      <p:sp>
+        <p:nvSpPr>
+          <p:cNvPr id="3" name="Content Placeholder 2">
+            <a:extLst>
+              <a:ext uri="{FF2B5EF4-FFF2-40B4-BE49-F238E27FC236}">
+                <a16:creationId xmlns:a16="http://schemas.microsoft.com/office/drawing/2014/main" id="{9261BDDE-8F83-1FD5-737F-F727FED74026}"/>
+              </a:ext>
+            </a:extLst>
+          </p:cNvPr>
+          <p:cNvSpPr>
+            <a:spLocks noGrp="1"/>
+          </p:cNvSpPr>
+          <p:nvPr>
+            <p:ph sz="quarter" idx="10"/>
+          </p:nvPr>
+        </p:nvSpPr>
+        <p:spPr/>
+        <p:txBody>
+          <a:bodyPr/>
+          <a:lstStyle/>
+          <a:p>
+            <a:r>
+              <a:rPr lang="en-US" dirty="0"/>
+              <a:t>Bullets</a:t>
+            </a:r>
+          </a:p>
+        </p:txBody>
+      </p:sp>
+      <p:sp>
+        <p:nvSpPr>
+          <p:cNvPr id="4" name="Text Placeholder 3">
+            <a:extLst>
+              <a:ext uri="{FF2B5EF4-FFF2-40B4-BE49-F238E27FC236}">
+                <a16:creationId xmlns:a16="http://schemas.microsoft.com/office/drawing/2014/main" id="{A5E9800E-4490-C5F4-C8DD-68755CFF88FC}"/>
+              </a:ext>
+            </a:extLst>
+          </p:cNvPr>
+          <p:cNvSpPr>
+            <a:spLocks noGrp="1"/>
+          </p:cNvSpPr>
+          <p:nvPr>
+            <p:ph type="body" sz="quarter" idx="11"/>
+          </p:nvPr>
+        </p:nvSpPr>
+        <p:spPr/>
+        <p:txBody>
+          <a:bodyPr/>
+          <a:lstStyle/>
+          <a:p>
+            <a:r>
+              <a:rPr lang="en-US" dirty="0"/>
+              <a:t>Subtitle</a:t>
+            </a:r>
+          </a:p>
+        </p:txBody>
+      </p:sp>
+    </p:spTree>
+    <p:extLst>
+      <p:ext uri="{BB962C8B-B14F-4D97-AF65-F5344CB8AC3E}">
+        <p14:creationId xmlns:p14="http://schemas.microsoft.com/office/powerpoint/2010/main" val="443663591"/>
+      </p:ext>
+    </p:extLst>
+  </p:cSld>
+  <p:clrMapOvr>
+    <a:masterClrMapping/>
+  </p:clrMapOvr>
+</p:sld>
+</file>
+
+<file path=ppt/slides/slide20.xml><?xml version="1.0" encoding="utf-8"?>
+<p:sld xmlns:a="http://schemas.openxmlformats.org/drawingml/2006/main" xmlns:r="http://schemas.openxmlformats.org/officeDocument/2006/relationships" xmlns:p="http://schemas.openxmlformats.org/presentationml/2006/main">
+  <p:cSld>
+    <p:spTree>
+      <p:nvGrpSpPr>
+        <p:cNvPr id="1" name="">
+          <a:extLst>
+            <a:ext uri="{FF2B5EF4-FFF2-40B4-BE49-F238E27FC236}">
+              <a16:creationId xmlns:a16="http://schemas.microsoft.com/office/drawing/2014/main" id="{9B10E46C-4BB7-BD6E-3F7C-0C2D526D4C84}"/>
+            </a:ext>
+          </a:extLst>
+        </p:cNvPr>
+        <p:cNvGrpSpPr/>
+        <p:nvPr/>
+      </p:nvGrpSpPr>
+      <p:grpSpPr>
+        <a:xfrm>
+          <a:off x="0" y="0"/>
+          <a:ext cx="0" cy="0"/>
+          <a:chOff x="0" y="0"/>
+          <a:chExt cx="0" cy="0"/>
+        </a:xfrm>
+      </p:grpSpPr>
+      <p:sp>
+        <p:nvSpPr>
+          <p:cNvPr id="2" name="Title 1">
+            <a:extLst>
+              <a:ext uri="{FF2B5EF4-FFF2-40B4-BE49-F238E27FC236}">
+                <a16:creationId xmlns:a16="http://schemas.microsoft.com/office/drawing/2014/main" id="{5EE7170F-544D-1F10-1062-D263155DA74E}"/>
+              </a:ext>
+            </a:extLst>
+          </p:cNvPr>
+          <p:cNvSpPr>
+            <a:spLocks noGrp="1"/>
+          </p:cNvSpPr>
+          <p:nvPr>
+            <p:ph type="title"/>
+          </p:nvPr>
+        </p:nvSpPr>
+        <p:spPr/>
+        <p:txBody>
+          <a:bodyPr/>
+          <a:lstStyle/>
+          <a:p>
+            <a:r>
+              <a:rPr lang="en-US" dirty="0"/>
+              <a:t>Title</a:t>
+            </a:r>
+          </a:p>
+        </p:txBody>
+      </p:sp>
+      <p:sp>
+        <p:nvSpPr>
+          <p:cNvPr id="3" name="Content Placeholder 2">
+            <a:extLst>
+              <a:ext uri="{FF2B5EF4-FFF2-40B4-BE49-F238E27FC236}">
+                <a16:creationId xmlns:a16="http://schemas.microsoft.com/office/drawing/2014/main" id="{076B53B2-DB40-3B35-AD6C-6063152CFAF1}"/>
+              </a:ext>
+            </a:extLst>
+          </p:cNvPr>
+          <p:cNvSpPr>
+            <a:spLocks noGrp="1"/>
+          </p:cNvSpPr>
+          <p:nvPr>
+            <p:ph sz="quarter" idx="10"/>
+          </p:nvPr>
+        </p:nvSpPr>
+        <p:spPr/>
+        <p:txBody>
+          <a:bodyPr/>
+          <a:lstStyle/>
+          <a:p>
+            <a:r>
+              <a:rPr lang="en-US" dirty="0"/>
+              <a:t>Bullets</a:t>
+            </a:r>
+          </a:p>
+        </p:txBody>
+      </p:sp>
+      <p:sp>
+        <p:nvSpPr>
+          <p:cNvPr id="4" name="Text Placeholder 3">
+            <a:extLst>
+              <a:ext uri="{FF2B5EF4-FFF2-40B4-BE49-F238E27FC236}">
+                <a16:creationId xmlns:a16="http://schemas.microsoft.com/office/drawing/2014/main" id="{AC5E4161-3A6E-60CD-AC26-F565646DB9DF}"/>
+              </a:ext>
+            </a:extLst>
+          </p:cNvPr>
+          <p:cNvSpPr>
+            <a:spLocks noGrp="1"/>
+          </p:cNvSpPr>
+          <p:nvPr>
+            <p:ph type="body" sz="quarter" idx="11"/>
+          </p:nvPr>
+        </p:nvSpPr>
+        <p:spPr/>
+        <p:txBody>
+          <a:bodyPr/>
+          <a:lstStyle/>
+          <a:p>
+            <a:r>
+              <a:rPr lang="en-US" dirty="0"/>
+              <a:t>Subtitle</a:t>
+            </a:r>
+          </a:p>
+        </p:txBody>
+      </p:sp>
+    </p:spTree>
+    <p:extLst>
+      <p:ext uri="{BB962C8B-B14F-4D97-AF65-F5344CB8AC3E}">
+        <p14:creationId xmlns:p14="http://schemas.microsoft.com/office/powerpoint/2010/main" val="779254163"/>
+      </p:ext>
+    </p:extLst>
+  </p:cSld>
+  <p:clrMapOvr>
+    <a:masterClrMapping/>
+  </p:clrMapOvr>
+</p:sld>
+</file>
+
+<file path=ppt/slides/slide3.xml><?xml version="1.0" encoding="utf-8"?>
+<p:sld xmlns:a="http://schemas.openxmlformats.org/drawingml/2006/main" xmlns:r="http://schemas.openxmlformats.org/officeDocument/2006/relationships" xmlns:p="http://schemas.openxmlformats.org/presentationml/2006/main">
+  <p:cSld>
+    <p:spTree>
+      <p:nvGrpSpPr>
+        <p:cNvPr id="1" name="">
+          <a:extLst>
+            <a:ext uri="{FF2B5EF4-FFF2-40B4-BE49-F238E27FC236}">
+              <a16:creationId xmlns:a16="http://schemas.microsoft.com/office/drawing/2014/main" id="{C47E401D-CB31-FB38-DDC8-69EB1BBAE91A}"/>
+            </a:ext>
+          </a:extLst>
+        </p:cNvPr>
+        <p:cNvGrpSpPr/>
+        <p:nvPr/>
+      </p:nvGrpSpPr>
+      <p:grpSpPr>
+        <a:xfrm>
+          <a:off x="0" y="0"/>
+          <a:ext cx="0" cy="0"/>
+          <a:chOff x="0" y="0"/>
+          <a:chExt cx="0" cy="0"/>
+        </a:xfrm>
+      </p:grpSpPr>
+      <p:sp>
+        <p:nvSpPr>
+          <p:cNvPr id="2" name="Title 1">
+            <a:extLst>
+              <a:ext uri="{FF2B5EF4-FFF2-40B4-BE49-F238E27FC236}">
+                <a16:creationId xmlns:a16="http://schemas.microsoft.com/office/drawing/2014/main" id="{B87F3812-6230-DC72-985B-2C9D476B7F0B}"/>
+              </a:ext>
+            </a:extLst>
+          </p:cNvPr>
+          <p:cNvSpPr>
+            <a:spLocks noGrp="1"/>
+          </p:cNvSpPr>
+          <p:nvPr>
+            <p:ph type="title"/>
+          </p:nvPr>
+        </p:nvSpPr>
+        <p:spPr/>
+        <p:txBody>
+          <a:bodyPr/>
+          <a:lstStyle/>
+          <a:p>
+            <a:r>
+              <a:rPr lang="en-US" dirty="0"/>
+              <a:t>Title</a:t>
+            </a:r>
+          </a:p>
+        </p:txBody>
+      </p:sp>
+      <p:sp>
+        <p:nvSpPr>
+          <p:cNvPr id="3" name="Content Placeholder 2">
+            <a:extLst>
+              <a:ext uri="{FF2B5EF4-FFF2-40B4-BE49-F238E27FC236}">
+                <a16:creationId xmlns:a16="http://schemas.microsoft.com/office/drawing/2014/main" id="{3BF68E73-55A1-40B4-B531-6D440653D161}"/>
+              </a:ext>
+            </a:extLst>
+          </p:cNvPr>
+          <p:cNvSpPr>
+            <a:spLocks noGrp="1"/>
+          </p:cNvSpPr>
+          <p:nvPr>
+            <p:ph sz="quarter" idx="10"/>
+          </p:nvPr>
+        </p:nvSpPr>
+        <p:spPr/>
+        <p:txBody>
+          <a:bodyPr/>
+          <a:lstStyle/>
+          <a:p>
+            <a:r>
+              <a:rPr lang="en-US" dirty="0"/>
+              <a:t>Bullets</a:t>
+            </a:r>
+          </a:p>
+        </p:txBody>
+      </p:sp>
+      <p:sp>
+        <p:nvSpPr>
+          <p:cNvPr id="4" name="Text Placeholder 3">
+            <a:extLst>
+              <a:ext uri="{FF2B5EF4-FFF2-40B4-BE49-F238E27FC236}">
+                <a16:creationId xmlns:a16="http://schemas.microsoft.com/office/drawing/2014/main" id="{AAF550D2-3000-9D34-39F6-12AFED7CFE15}"/>
+              </a:ext>
+            </a:extLst>
+          </p:cNvPr>
+          <p:cNvSpPr>
+            <a:spLocks noGrp="1"/>
+          </p:cNvSpPr>
+          <p:nvPr>
+            <p:ph type="body" sz="quarter" idx="11"/>
+          </p:nvPr>
+        </p:nvSpPr>
+        <p:spPr/>
+        <p:txBody>
+          <a:bodyPr/>
+          <a:lstStyle/>
+          <a:p>
+            <a:r>
+              <a:rPr lang="en-US" dirty="0"/>
+              <a:t>Subtitle</a:t>
+            </a:r>
+          </a:p>
+        </p:txBody>
+      </p:sp>
+    </p:spTree>
+    <p:extLst>
+      <p:ext uri="{BB962C8B-B14F-4D97-AF65-F5344CB8AC3E}">
+        <p14:creationId xmlns:p14="http://schemas.microsoft.com/office/powerpoint/2010/main" val="239850567"/>
+      </p:ext>
+    </p:extLst>
+  </p:cSld>
+  <p:clrMapOvr>
+    <a:masterClrMapping/>
+  </p:clrMapOvr>
+</p:sld>
+</file>
+
+<file path=ppt/slides/slide4.xml><?xml version="1.0" encoding="utf-8"?>
+<p:sld xmlns:a="http://schemas.openxmlformats.org/drawingml/2006/main" xmlns:r="http://schemas.openxmlformats.org/officeDocument/2006/relationships" xmlns:p="http://schemas.openxmlformats.org/presentationml/2006/main">
+  <p:cSld>
+    <p:spTree>
+      <p:nvGrpSpPr>
+        <p:cNvPr id="1" name="">
+          <a:extLst>
+            <a:ext uri="{FF2B5EF4-FFF2-40B4-BE49-F238E27FC236}">
+              <a16:creationId xmlns:a16="http://schemas.microsoft.com/office/drawing/2014/main" id="{C1867908-4DEB-B47D-859B-99A1E9493093}"/>
+            </a:ext>
+          </a:extLst>
+        </p:cNvPr>
+        <p:cNvGrpSpPr/>
+        <p:nvPr/>
+      </p:nvGrpSpPr>
+      <p:grpSpPr>
+        <a:xfrm>
+          <a:off x="0" y="0"/>
+          <a:ext cx="0" cy="0"/>
+          <a:chOff x="0" y="0"/>
+          <a:chExt cx="0" cy="0"/>
+        </a:xfrm>
+      </p:grpSpPr>
+      <p:sp>
+        <p:nvSpPr>
+          <p:cNvPr id="2" name="Title 1">
+            <a:extLst>
+              <a:ext uri="{FF2B5EF4-FFF2-40B4-BE49-F238E27FC236}">
+                <a16:creationId xmlns:a16="http://schemas.microsoft.com/office/drawing/2014/main" id="{585F6B19-4AFF-1355-7CF0-C0A49B7C712F}"/>
+              </a:ext>
+            </a:extLst>
+          </p:cNvPr>
+          <p:cNvSpPr>
+            <a:spLocks noGrp="1"/>
+          </p:cNvSpPr>
+          <p:nvPr>
+            <p:ph type="title"/>
+          </p:nvPr>
+        </p:nvSpPr>
+        <p:spPr/>
+        <p:txBody>
+          <a:bodyPr/>
+          <a:lstStyle/>
+          <a:p>
+            <a:r>
+              <a:rPr lang="en-US" dirty="0"/>
+              <a:t>Title</a:t>
+            </a:r>
+          </a:p>
+        </p:txBody>
+      </p:sp>
+      <p:sp>
+        <p:nvSpPr>
+          <p:cNvPr id="3" name="Content Placeholder 2">
+            <a:extLst>
+              <a:ext uri="{FF2B5EF4-FFF2-40B4-BE49-F238E27FC236}">
+                <a16:creationId xmlns:a16="http://schemas.microsoft.com/office/drawing/2014/main" id="{196A9A4F-1BA5-FFD9-54E9-A5B5DF1531A0}"/>
+              </a:ext>
+            </a:extLst>
+          </p:cNvPr>
+          <p:cNvSpPr>
+            <a:spLocks noGrp="1"/>
+          </p:cNvSpPr>
+          <p:nvPr>
+            <p:ph sz="quarter" idx="10"/>
+          </p:nvPr>
+        </p:nvSpPr>
+        <p:spPr/>
+        <p:txBody>
+          <a:bodyPr/>
+          <a:lstStyle/>
+          <a:p>
+            <a:r>
+              <a:rPr lang="en-US" dirty="0"/>
+              <a:t>Bullets</a:t>
+            </a:r>
+          </a:p>
+        </p:txBody>
+      </p:sp>
+      <p:sp>
+        <p:nvSpPr>
+          <p:cNvPr id="4" name="Text Placeholder 3">
+            <a:extLst>
+              <a:ext uri="{FF2B5EF4-FFF2-40B4-BE49-F238E27FC236}">
+                <a16:creationId xmlns:a16="http://schemas.microsoft.com/office/drawing/2014/main" id="{4B402D88-951E-D69A-2E77-5FBB14791C8D}"/>
+              </a:ext>
+            </a:extLst>
+          </p:cNvPr>
+          <p:cNvSpPr>
+            <a:spLocks noGrp="1"/>
+          </p:cNvSpPr>
+          <p:nvPr>
+            <p:ph type="body" sz="quarter" idx="11"/>
+          </p:nvPr>
+        </p:nvSpPr>
+        <p:spPr/>
+        <p:txBody>
+          <a:bodyPr/>
+          <a:lstStyle/>
+          <a:p>
+            <a:r>
+              <a:rPr lang="en-US" dirty="0"/>
+              <a:t>Subtitle</a:t>
+            </a:r>
+          </a:p>
+        </p:txBody>
+      </p:sp>
+    </p:spTree>
+    <p:extLst>
+      <p:ext uri="{BB962C8B-B14F-4D97-AF65-F5344CB8AC3E}">
+        <p14:creationId xmlns:p14="http://schemas.microsoft.com/office/powerpoint/2010/main" val="2742716956"/>
+      </p:ext>
+    </p:extLst>
+  </p:cSld>
+  <p:clrMapOvr>
+    <a:masterClrMapping/>
+  </p:clrMapOvr>
+</p:sld>
+</file>
+
+<file path=ppt/slides/slide5.xml><?xml version="1.0" encoding="utf-8"?>
+<p:sld xmlns:a="http://schemas.openxmlformats.org/drawingml/2006/main" xmlns:r="http://schemas.openxmlformats.org/officeDocument/2006/relationships" xmlns:p="http://schemas.openxmlformats.org/presentationml/2006/main">
+  <p:cSld>
+    <p:spTree>
+      <p:nvGrpSpPr>
+        <p:cNvPr id="1" name="">
+          <a:extLst>
+            <a:ext uri="{FF2B5EF4-FFF2-40B4-BE49-F238E27FC236}">
+              <a16:creationId xmlns:a16="http://schemas.microsoft.com/office/drawing/2014/main" id="{8757B733-B224-6808-3598-31C61FE62B00}"/>
+            </a:ext>
+          </a:extLst>
+        </p:cNvPr>
+        <p:cNvGrpSpPr/>
+        <p:nvPr/>
+      </p:nvGrpSpPr>
+      <p:grpSpPr>
+        <a:xfrm>
+          <a:off x="0" y="0"/>
+          <a:ext cx="0" cy="0"/>
+          <a:chOff x="0" y="0"/>
+          <a:chExt cx="0" cy="0"/>
+        </a:xfrm>
+      </p:grpSpPr>
+      <p:sp>
+        <p:nvSpPr>
+          <p:cNvPr id="2" name="Title 1">
+            <a:extLst>
+              <a:ext uri="{FF2B5EF4-FFF2-40B4-BE49-F238E27FC236}">
+                <a16:creationId xmlns:a16="http://schemas.microsoft.com/office/drawing/2014/main" id="{C9D9A515-7933-C586-5606-0078DA476CE4}"/>
+              </a:ext>
+            </a:extLst>
+          </p:cNvPr>
+          <p:cNvSpPr>
+            <a:spLocks noGrp="1"/>
+          </p:cNvSpPr>
+          <p:nvPr>
+            <p:ph type="title"/>
+          </p:nvPr>
+        </p:nvSpPr>
+        <p:spPr/>
+        <p:txBody>
+          <a:bodyPr/>
+          <a:lstStyle/>
+          <a:p>
+            <a:r>
+              <a:rPr lang="en-US" dirty="0"/>
+              <a:t>Title</a:t>
+            </a:r>
+          </a:p>
+        </p:txBody>
+      </p:sp>
+      <p:sp>
+        <p:nvSpPr>
+          <p:cNvPr id="3" name="Content Placeholder 2">
+            <a:extLst>
+              <a:ext uri="{FF2B5EF4-FFF2-40B4-BE49-F238E27FC236}">
+                <a16:creationId xmlns:a16="http://schemas.microsoft.com/office/drawing/2014/main" id="{65260BC9-5000-29E2-A2DB-D68339DACCBB}"/>
+              </a:ext>
+            </a:extLst>
+          </p:cNvPr>
+          <p:cNvSpPr>
+            <a:spLocks noGrp="1"/>
+          </p:cNvSpPr>
+          <p:nvPr>
+            <p:ph sz="quarter" idx="10"/>
+          </p:nvPr>
+        </p:nvSpPr>
+        <p:spPr/>
+        <p:txBody>
+          <a:bodyPr/>
+          <a:lstStyle/>
+          <a:p>
+            <a:r>
+              <a:rPr lang="en-US" dirty="0"/>
+              <a:t>Bullets</a:t>
+            </a:r>
+          </a:p>
+        </p:txBody>
+      </p:sp>
+      <p:sp>
+        <p:nvSpPr>
+          <p:cNvPr id="4" name="Text Placeholder 3">
+            <a:extLst>
+              <a:ext uri="{FF2B5EF4-FFF2-40B4-BE49-F238E27FC236}">
+                <a16:creationId xmlns:a16="http://schemas.microsoft.com/office/drawing/2014/main" id="{E561C1F6-AC5F-6620-196C-86F8F4DE10A2}"/>
+              </a:ext>
+            </a:extLst>
+          </p:cNvPr>
+          <p:cNvSpPr>
+            <a:spLocks noGrp="1"/>
+          </p:cNvSpPr>
+          <p:nvPr>
+            <p:ph type="body" sz="quarter" idx="11"/>
+          </p:nvPr>
+        </p:nvSpPr>
+        <p:spPr/>
+        <p:txBody>
+          <a:bodyPr/>
+          <a:lstStyle/>
+          <a:p>
+            <a:r>
+              <a:rPr lang="en-US" dirty="0"/>
+              <a:t>Subtitle</a:t>
+            </a:r>
+          </a:p>
+        </p:txBody>
+      </p:sp>
+    </p:spTree>
+    <p:extLst>
+      <p:ext uri="{BB962C8B-B14F-4D97-AF65-F5344CB8AC3E}">
+        <p14:creationId xmlns:p14="http://schemas.microsoft.com/office/powerpoint/2010/main" val="3619232156"/>
+      </p:ext>
+    </p:extLst>
+  </p:cSld>
+  <p:clrMapOvr>
+    <a:masterClrMapping/>
+  </p:clrMapOvr>
+</p:sld>
+</file>
+
+<file path=ppt/slides/slide6.xml><?xml version="1.0" encoding="utf-8"?>
+<p:sld xmlns:a="http://schemas.openxmlformats.org/drawingml/2006/main" xmlns:r="http://schemas.openxmlformats.org/officeDocument/2006/relationships" xmlns:p="http://schemas.openxmlformats.org/presentationml/2006/main">
+  <p:cSld>
+    <p:spTree>
+      <p:nvGrpSpPr>
+        <p:cNvPr id="1" name="">
+          <a:extLst>
+            <a:ext uri="{FF2B5EF4-FFF2-40B4-BE49-F238E27FC236}">
+              <a16:creationId xmlns:a16="http://schemas.microsoft.com/office/drawing/2014/main" id="{2B0B1152-3DC8-317C-AB20-7A605A39ADC5}"/>
+            </a:ext>
+          </a:extLst>
+        </p:cNvPr>
+        <p:cNvGrpSpPr/>
+        <p:nvPr/>
+      </p:nvGrpSpPr>
+      <p:grpSpPr>
+        <a:xfrm>
+          <a:off x="0" y="0"/>
+          <a:ext cx="0" cy="0"/>
+          <a:chOff x="0" y="0"/>
+          <a:chExt cx="0" cy="0"/>
+        </a:xfrm>
+      </p:grpSpPr>
+      <p:sp>
+        <p:nvSpPr>
+          <p:cNvPr id="2" name="Title 1">
+            <a:extLst>
+              <a:ext uri="{FF2B5EF4-FFF2-40B4-BE49-F238E27FC236}">
+                <a16:creationId xmlns:a16="http://schemas.microsoft.com/office/drawing/2014/main" id="{DAEDF2C7-5E97-946F-3C58-94F948D06CD7}"/>
+              </a:ext>
+            </a:extLst>
+          </p:cNvPr>
+          <p:cNvSpPr>
+            <a:spLocks noGrp="1"/>
+          </p:cNvSpPr>
+          <p:nvPr>
+            <p:ph type="title"/>
+          </p:nvPr>
+        </p:nvSpPr>
+        <p:spPr/>
+        <p:txBody>
+          <a:bodyPr/>
+          <a:lstStyle/>
+          <a:p>
+            <a:r>
+              <a:rPr lang="en-US" dirty="0"/>
+              <a:t>Title</a:t>
+            </a:r>
+          </a:p>
+        </p:txBody>
+      </p:sp>
+      <p:sp>
+        <p:nvSpPr>
+          <p:cNvPr id="3" name="Content Placeholder 2">
+            <a:extLst>
+              <a:ext uri="{FF2B5EF4-FFF2-40B4-BE49-F238E27FC236}">
+                <a16:creationId xmlns:a16="http://schemas.microsoft.com/office/drawing/2014/main" id="{B322C85F-C087-CB27-43E9-491852D3F96C}"/>
+              </a:ext>
+            </a:extLst>
+          </p:cNvPr>
+          <p:cNvSpPr>
+            <a:spLocks noGrp="1"/>
+          </p:cNvSpPr>
+          <p:nvPr>
+            <p:ph sz="quarter" idx="10"/>
+          </p:nvPr>
+        </p:nvSpPr>
+        <p:spPr/>
+        <p:txBody>
+          <a:bodyPr/>
+          <a:lstStyle/>
+          <a:p>
+            <a:r>
+              <a:rPr lang="en-US" dirty="0"/>
+              <a:t>Bullets</a:t>
+            </a:r>
+          </a:p>
+        </p:txBody>
+      </p:sp>
+      <p:sp>
+        <p:nvSpPr>
+          <p:cNvPr id="4" name="Text Placeholder 3">
+            <a:extLst>
+              <a:ext uri="{FF2B5EF4-FFF2-40B4-BE49-F238E27FC236}">
+                <a16:creationId xmlns:a16="http://schemas.microsoft.com/office/drawing/2014/main" id="{3DB2C6E5-1D54-612F-3C31-3E3C09979E54}"/>
+              </a:ext>
+            </a:extLst>
+          </p:cNvPr>
+          <p:cNvSpPr>
+            <a:spLocks noGrp="1"/>
+          </p:cNvSpPr>
+          <p:nvPr>
+            <p:ph type="body" sz="quarter" idx="11"/>
+          </p:nvPr>
+        </p:nvSpPr>
+        <p:spPr/>
+        <p:txBody>
+          <a:bodyPr/>
+          <a:lstStyle/>
+          <a:p>
+            <a:r>
+              <a:rPr lang="en-US" dirty="0"/>
+              <a:t>Subtitle</a:t>
+            </a:r>
+          </a:p>
+        </p:txBody>
+      </p:sp>
+    </p:spTree>
+    <p:extLst>
+      <p:ext uri="{BB962C8B-B14F-4D97-AF65-F5344CB8AC3E}">
+        <p14:creationId xmlns:p14="http://schemas.microsoft.com/office/powerpoint/2010/main" val="1711219098"/>
+      </p:ext>
+    </p:extLst>
+  </p:cSld>
+  <p:clrMapOvr>
+    <a:masterClrMapping/>
+  </p:clrMapOvr>
+</p:sld>
+</file>
+
+<file path=ppt/slides/slide7.xml><?xml version="1.0" encoding="utf-8"?>
+<p:sld xmlns:a="http://schemas.openxmlformats.org/drawingml/2006/main" xmlns:r="http://schemas.openxmlformats.org/officeDocument/2006/relationships" xmlns:p="http://schemas.openxmlformats.org/presentationml/2006/main">
+  <p:cSld>
+    <p:spTree>
+      <p:nvGrpSpPr>
+        <p:cNvPr id="1" name="">
+          <a:extLst>
+            <a:ext uri="{FF2B5EF4-FFF2-40B4-BE49-F238E27FC236}">
+              <a16:creationId xmlns:a16="http://schemas.microsoft.com/office/drawing/2014/main" id="{2F340BC6-2CB9-D9A3-BBA0-6DB2D120163F}"/>
+            </a:ext>
+          </a:extLst>
+        </p:cNvPr>
+        <p:cNvGrpSpPr/>
+        <p:nvPr/>
+      </p:nvGrpSpPr>
+      <p:grpSpPr>
+        <a:xfrm>
+          <a:off x="0" y="0"/>
+          <a:ext cx="0" cy="0"/>
+          <a:chOff x="0" y="0"/>
+          <a:chExt cx="0" cy="0"/>
+        </a:xfrm>
+      </p:grpSpPr>
+      <p:sp>
+        <p:nvSpPr>
+          <p:cNvPr id="2" name="Title 1">
+            <a:extLst>
+              <a:ext uri="{FF2B5EF4-FFF2-40B4-BE49-F238E27FC236}">
+                <a16:creationId xmlns:a16="http://schemas.microsoft.com/office/drawing/2014/main" id="{FDCCE2E1-551E-0AE8-0760-B3058FF3A13B}"/>
+              </a:ext>
+            </a:extLst>
+          </p:cNvPr>
+          <p:cNvSpPr>
+            <a:spLocks noGrp="1"/>
+          </p:cNvSpPr>
+          <p:nvPr>
+            <p:ph type="title"/>
+          </p:nvPr>
+        </p:nvSpPr>
+        <p:spPr/>
+        <p:txBody>
+          <a:bodyPr/>
+          <a:lstStyle/>
+          <a:p>
+            <a:r>
+              <a:rPr lang="en-US" dirty="0"/>
+              <a:t>Title</a:t>
+            </a:r>
+          </a:p>
+        </p:txBody>
+      </p:sp>
+      <p:sp>
+        <p:nvSpPr>
+          <p:cNvPr id="3" name="Content Placeholder 2">
+            <a:extLst>
+              <a:ext uri="{FF2B5EF4-FFF2-40B4-BE49-F238E27FC236}">
+                <a16:creationId xmlns:a16="http://schemas.microsoft.com/office/drawing/2014/main" id="{A3822458-2235-D34F-F60C-E158957E89B2}"/>
+              </a:ext>
+            </a:extLst>
+          </p:cNvPr>
+          <p:cNvSpPr>
+            <a:spLocks noGrp="1"/>
+          </p:cNvSpPr>
+          <p:nvPr>
+            <p:ph sz="quarter" idx="10"/>
+          </p:nvPr>
+        </p:nvSpPr>
+        <p:spPr/>
+        <p:txBody>
+          <a:bodyPr/>
+          <a:lstStyle/>
+          <a:p>
+            <a:r>
+              <a:rPr lang="en-US" dirty="0"/>
+              <a:t>Bullets</a:t>
+            </a:r>
+          </a:p>
+        </p:txBody>
+      </p:sp>
+      <p:sp>
+        <p:nvSpPr>
+          <p:cNvPr id="4" name="Text Placeholder 3">
+            <a:extLst>
+              <a:ext uri="{FF2B5EF4-FFF2-40B4-BE49-F238E27FC236}">
+                <a16:creationId xmlns:a16="http://schemas.microsoft.com/office/drawing/2014/main" id="{BE63C788-8B6A-58E2-6E6E-1794A9521DF3}"/>
+              </a:ext>
+            </a:extLst>
+          </p:cNvPr>
+          <p:cNvSpPr>
+            <a:spLocks noGrp="1"/>
+          </p:cNvSpPr>
+          <p:nvPr>
+            <p:ph type="body" sz="quarter" idx="11"/>
+          </p:nvPr>
+        </p:nvSpPr>
+        <p:spPr/>
+        <p:txBody>
+          <a:bodyPr/>
+          <a:lstStyle/>
+          <a:p>
+            <a:r>
+              <a:rPr lang="en-US" dirty="0"/>
+              <a:t>Subtitle</a:t>
+            </a:r>
+          </a:p>
+        </p:txBody>
+      </p:sp>
+    </p:spTree>
+    <p:extLst>
+      <p:ext uri="{BB962C8B-B14F-4D97-AF65-F5344CB8AC3E}">
+        <p14:creationId xmlns:p14="http://schemas.microsoft.com/office/powerpoint/2010/main" val="2100655239"/>
+      </p:ext>
+    </p:extLst>
+  </p:cSld>
+  <p:clrMapOvr>
+    <a:masterClrMapping/>
+  </p:clrMapOvr>
+</p:sld>
+</file>
+
+<file path=ppt/slides/slide8.xml><?xml version="1.0" encoding="utf-8"?>
+<p:sld xmlns:a="http://schemas.openxmlformats.org/drawingml/2006/main" xmlns:r="http://schemas.openxmlformats.org/officeDocument/2006/relationships" xmlns:p="http://schemas.openxmlformats.org/presentationml/2006/main">
+  <p:cSld>
+    <p:spTree>
+      <p:nvGrpSpPr>
+        <p:cNvPr id="1" name="">
+          <a:extLst>
+            <a:ext uri="{FF2B5EF4-FFF2-40B4-BE49-F238E27FC236}">
+              <a16:creationId xmlns:a16="http://schemas.microsoft.com/office/drawing/2014/main" id="{440C62FA-D7E6-9E5B-DBA4-6C086F4AAA8E}"/>
+            </a:ext>
+          </a:extLst>
+        </p:cNvPr>
+        <p:cNvGrpSpPr/>
+        <p:nvPr/>
+      </p:nvGrpSpPr>
+      <p:grpSpPr>
+        <a:xfrm>
+          <a:off x="0" y="0"/>
+          <a:ext cx="0" cy="0"/>
+          <a:chOff x="0" y="0"/>
+          <a:chExt cx="0" cy="0"/>
+        </a:xfrm>
+      </p:grpSpPr>
+      <p:sp>
+        <p:nvSpPr>
+          <p:cNvPr id="2" name="Title 1">
+            <a:extLst>
+              <a:ext uri="{FF2B5EF4-FFF2-40B4-BE49-F238E27FC236}">
+                <a16:creationId xmlns:a16="http://schemas.microsoft.com/office/drawing/2014/main" id="{9971FD28-3171-48BC-A6DC-FE5E265A636D}"/>
+              </a:ext>
+            </a:extLst>
+          </p:cNvPr>
+          <p:cNvSpPr>
+            <a:spLocks noGrp="1"/>
+          </p:cNvSpPr>
+          <p:nvPr>
+            <p:ph type="title"/>
+          </p:nvPr>
+        </p:nvSpPr>
+        <p:spPr/>
+        <p:txBody>
+          <a:bodyPr/>
+          <a:lstStyle/>
+          <a:p>
+            <a:r>
+              <a:rPr lang="en-US" dirty="0"/>
+              <a:t>Title</a:t>
+            </a:r>
+          </a:p>
+        </p:txBody>
+      </p:sp>
+      <p:sp>
+        <p:nvSpPr>
+          <p:cNvPr id="3" name="Content Placeholder 2">
+            <a:extLst>
+              <a:ext uri="{FF2B5EF4-FFF2-40B4-BE49-F238E27FC236}">
+                <a16:creationId xmlns:a16="http://schemas.microsoft.com/office/drawing/2014/main" id="{786294B0-EC9F-BF99-F1A1-E0E6AEF8E4B2}"/>
+              </a:ext>
+            </a:extLst>
+          </p:cNvPr>
+          <p:cNvSpPr>
+            <a:spLocks noGrp="1"/>
+          </p:cNvSpPr>
+          <p:nvPr>
+            <p:ph sz="quarter" idx="10"/>
+          </p:nvPr>
+        </p:nvSpPr>
+        <p:spPr/>
+        <p:txBody>
+          <a:bodyPr/>
+          <a:lstStyle/>
+          <a:p>
+            <a:r>
+              <a:rPr lang="en-US" dirty="0"/>
+              <a:t>Bullets</a:t>
+            </a:r>
+          </a:p>
+        </p:txBody>
+      </p:sp>
+      <p:sp>
+        <p:nvSpPr>
+          <p:cNvPr id="4" name="Text Placeholder 3">
+            <a:extLst>
+              <a:ext uri="{FF2B5EF4-FFF2-40B4-BE49-F238E27FC236}">
+                <a16:creationId xmlns:a16="http://schemas.microsoft.com/office/drawing/2014/main" id="{BF38570C-14BA-18BA-F7D7-5A899F320891}"/>
+              </a:ext>
+            </a:extLst>
+          </p:cNvPr>
+          <p:cNvSpPr>
+            <a:spLocks noGrp="1"/>
+          </p:cNvSpPr>
+          <p:nvPr>
+            <p:ph type="body" sz="quarter" idx="11"/>
+          </p:nvPr>
+        </p:nvSpPr>
+        <p:spPr/>
+        <p:txBody>
+          <a:bodyPr/>
+          <a:lstStyle/>
+          <a:p>
+            <a:r>
+              <a:rPr lang="en-US" dirty="0"/>
+              <a:t>Subtitle</a:t>
+            </a:r>
+          </a:p>
+        </p:txBody>
+      </p:sp>
+    </p:spTree>
+    <p:extLst>
+      <p:ext uri="{BB962C8B-B14F-4D97-AF65-F5344CB8AC3E}">
+        <p14:creationId xmlns:p14="http://schemas.microsoft.com/office/powerpoint/2010/main" val="3219010876"/>
+      </p:ext>
+    </p:extLst>
+  </p:cSld>
+  <p:clrMapOvr>
+    <a:masterClrMapping/>
+  </p:clrMapOvr>
+</p:sld>
+</file>
+
+<file path=ppt/slides/slide9.xml><?xml version="1.0" encoding="utf-8"?>
+<p:sld xmlns:a="http://schemas.openxmlformats.org/drawingml/2006/main" xmlns:r="http://schemas.openxmlformats.org/officeDocument/2006/relationships" xmlns:p="http://schemas.openxmlformats.org/presentationml/2006/main">
+  <p:cSld>
+    <p:spTree>
+      <p:nvGrpSpPr>
+        <p:cNvPr id="1" name="">
+          <a:extLst>
+            <a:ext uri="{FF2B5EF4-FFF2-40B4-BE49-F238E27FC236}">
+              <a16:creationId xmlns:a16="http://schemas.microsoft.com/office/drawing/2014/main" id="{29797AE2-F8BB-FE91-818F-6B605B558E0A}"/>
+            </a:ext>
+          </a:extLst>
+        </p:cNvPr>
+        <p:cNvGrpSpPr/>
+        <p:nvPr/>
+      </p:nvGrpSpPr>
+      <p:grpSpPr>
+        <a:xfrm>
+          <a:off x="0" y="0"/>
+          <a:ext cx="0" cy="0"/>
+          <a:chOff x="0" y="0"/>
+          <a:chExt cx="0" cy="0"/>
+        </a:xfrm>
+      </p:grpSpPr>
+      <p:sp>
+        <p:nvSpPr>
+          <p:cNvPr id="2" name="Title 1">
+            <a:extLst>
+              <a:ext uri="{FF2B5EF4-FFF2-40B4-BE49-F238E27FC236}">
+                <a16:creationId xmlns:a16="http://schemas.microsoft.com/office/drawing/2014/main" id="{68A7BE95-EDA9-CE5F-49C0-76B76F05D70E}"/>
+              </a:ext>
+            </a:extLst>
+          </p:cNvPr>
+          <p:cNvSpPr>
+            <a:spLocks noGrp="1"/>
+          </p:cNvSpPr>
+          <p:nvPr>
+            <p:ph type="title"/>
+          </p:nvPr>
+        </p:nvSpPr>
+        <p:spPr/>
+        <p:txBody>
+          <a:bodyPr/>
+          <a:lstStyle/>
+          <a:p>
+            <a:r>
+              <a:rPr lang="en-US" dirty="0"/>
+              <a:t>Title</a:t>
+            </a:r>
+          </a:p>
+        </p:txBody>
+      </p:sp>
+      <p:sp>
+        <p:nvSpPr>
+          <p:cNvPr id="3" name="Content Placeholder 2">
+            <a:extLst>
+              <a:ext uri="{FF2B5EF4-FFF2-40B4-BE49-F238E27FC236}">
+                <a16:creationId xmlns:a16="http://schemas.microsoft.com/office/drawing/2014/main" id="{C69A0B0F-58C3-650F-463B-D1698DCCD37E}"/>
+              </a:ext>
+            </a:extLst>
+          </p:cNvPr>
+          <p:cNvSpPr>
+            <a:spLocks noGrp="1"/>
+          </p:cNvSpPr>
+          <p:nvPr>
+            <p:ph sz="quarter" idx="10"/>
+          </p:nvPr>
+        </p:nvSpPr>
+        <p:spPr/>
+        <p:txBody>
+          <a:bodyPr/>
+          <a:lstStyle/>
+          <a:p>
+            <a:r>
+              <a:rPr lang="en-US" dirty="0"/>
+              <a:t>Bullets</a:t>
+            </a:r>
+          </a:p>
+        </p:txBody>
+      </p:sp>
+      <p:sp>
+        <p:nvSpPr>
+          <p:cNvPr id="4" name="Text Placeholder 3">
+            <a:extLst>
+              <a:ext uri="{FF2B5EF4-FFF2-40B4-BE49-F238E27FC236}">
+                <a16:creationId xmlns:a16="http://schemas.microsoft.com/office/drawing/2014/main" id="{A77B288D-EC51-F7DE-892F-F4BE036FF845}"/>
+              </a:ext>
+            </a:extLst>
+          </p:cNvPr>
+          <p:cNvSpPr>
+            <a:spLocks noGrp="1"/>
+          </p:cNvSpPr>
+          <p:nvPr>
+            <p:ph type="body" sz="quarter" idx="11"/>
+          </p:nvPr>
+        </p:nvSpPr>
+        <p:spPr/>
+        <p:txBody>
+          <a:bodyPr/>
+          <a:lstStyle/>
+          <a:p>
+            <a:r>
+              <a:rPr lang="en-US" dirty="0"/>
+              <a:t>Subtitle</a:t>
+            </a:r>
+          </a:p>
+        </p:txBody>
+      </p:sp>
+    </p:spTree>
+    <p:extLst>
+      <p:ext uri="{BB962C8B-B14F-4D97-AF65-F5344CB8AC3E}">
+        <p14:creationId xmlns:p14="http://schemas.microsoft.com/office/powerpoint/2010/main" val="2676078109"/>
       </p:ext>
     </p:extLst>
   </p:cSld>

--- a/Deep_Research_Template.pptx
+++ b/Deep_Research_Template.pptx
@@ -134,6 +134,325 @@
 </p:presentation>
 </file>
 
+<file path=ppt/changesInfos/changesInfo1.xml><?xml version="1.0" encoding="utf-8"?>
+<pc:chgInfo xmlns:a="http://schemas.openxmlformats.org/drawingml/2006/main" xmlns:r="http://schemas.openxmlformats.org/officeDocument/2006/relationships" xmlns:ac="http://schemas.microsoft.com/office/drawing/2013/main/command" xmlns:pc="http://schemas.microsoft.com/office/powerpoint/2013/main/command">
+  <pc:docChgLst>
+    <pc:chgData name="Arbour, Duncan" userId="f8c76c83-f09a-4702-8a60-e00215c8b89f" providerId="ADAL" clId="{01A202F9-1CD2-EF44-A237-36AF8212CAD7}"/>
+    <pc:docChg chg="addSld delSld modSld modMainMaster">
+      <pc:chgData name="Arbour, Duncan" userId="f8c76c83-f09a-4702-8a60-e00215c8b89f" providerId="ADAL" clId="{01A202F9-1CD2-EF44-A237-36AF8212CAD7}" dt="2025-08-05T08:42:40.785" v="51" actId="2890"/>
+      <pc:docMkLst>
+        <pc:docMk/>
+      </pc:docMkLst>
+      <pc:sldChg chg="modSp mod">
+        <pc:chgData name="Arbour, Duncan" userId="f8c76c83-f09a-4702-8a60-e00215c8b89f" providerId="ADAL" clId="{01A202F9-1CD2-EF44-A237-36AF8212CAD7}" dt="2025-08-05T08:41:53.379" v="0" actId="255"/>
+        <pc:sldMkLst>
+          <pc:docMk/>
+          <pc:sldMk cId="483433247" sldId="2147483169"/>
+        </pc:sldMkLst>
+        <pc:spChg chg="mod">
+          <ac:chgData name="Arbour, Duncan" userId="f8c76c83-f09a-4702-8a60-e00215c8b89f" providerId="ADAL" clId="{01A202F9-1CD2-EF44-A237-36AF8212CAD7}" dt="2025-08-05T08:41:53.379" v="0" actId="255"/>
+          <ac:spMkLst>
+            <pc:docMk/>
+            <pc:sldMk cId="483433247" sldId="2147483169"/>
+            <ac:spMk id="3" creationId="{E5235AA4-E97D-2D76-55C0-6AACD6E41785}"/>
+          </ac:spMkLst>
+        </pc:spChg>
+      </pc:sldChg>
+      <pc:sldChg chg="del">
+        <pc:chgData name="Arbour, Duncan" userId="f8c76c83-f09a-4702-8a60-e00215c8b89f" providerId="ADAL" clId="{01A202F9-1CD2-EF44-A237-36AF8212CAD7}" dt="2025-08-05T08:41:57.710" v="1" actId="2696"/>
+        <pc:sldMkLst>
+          <pc:docMk/>
+          <pc:sldMk cId="443663591" sldId="2147483170"/>
+        </pc:sldMkLst>
+      </pc:sldChg>
+      <pc:sldChg chg="add">
+        <pc:chgData name="Arbour, Duncan" userId="f8c76c83-f09a-4702-8a60-e00215c8b89f" providerId="ADAL" clId="{01A202F9-1CD2-EF44-A237-36AF8212CAD7}" dt="2025-08-05T08:42:34.446" v="33" actId="2890"/>
+        <pc:sldMkLst>
+          <pc:docMk/>
+          <pc:sldMk cId="1436587443" sldId="2147483170"/>
+        </pc:sldMkLst>
+      </pc:sldChg>
+      <pc:sldChg chg="del">
+        <pc:chgData name="Arbour, Duncan" userId="f8c76c83-f09a-4702-8a60-e00215c8b89f" providerId="ADAL" clId="{01A202F9-1CD2-EF44-A237-36AF8212CAD7}" dt="2025-08-05T08:41:57.720" v="6" actId="2696"/>
+        <pc:sldMkLst>
+          <pc:docMk/>
+          <pc:sldMk cId="239850567" sldId="2147483171"/>
+        </pc:sldMkLst>
+      </pc:sldChg>
+      <pc:sldChg chg="add">
+        <pc:chgData name="Arbour, Duncan" userId="f8c76c83-f09a-4702-8a60-e00215c8b89f" providerId="ADAL" clId="{01A202F9-1CD2-EF44-A237-36AF8212CAD7}" dt="2025-08-05T08:42:35.301" v="34" actId="2890"/>
+        <pc:sldMkLst>
+          <pc:docMk/>
+          <pc:sldMk cId="3847950072" sldId="2147483171"/>
+        </pc:sldMkLst>
+      </pc:sldChg>
+      <pc:sldChg chg="add">
+        <pc:chgData name="Arbour, Duncan" userId="f8c76c83-f09a-4702-8a60-e00215c8b89f" providerId="ADAL" clId="{01A202F9-1CD2-EF44-A237-36AF8212CAD7}" dt="2025-08-05T08:42:35.659" v="35" actId="2890"/>
+        <pc:sldMkLst>
+          <pc:docMk/>
+          <pc:sldMk cId="1189973374" sldId="2147483172"/>
+        </pc:sldMkLst>
+      </pc:sldChg>
+      <pc:sldChg chg="del">
+        <pc:chgData name="Arbour, Duncan" userId="f8c76c83-f09a-4702-8a60-e00215c8b89f" providerId="ADAL" clId="{01A202F9-1CD2-EF44-A237-36AF8212CAD7}" dt="2025-08-05T08:41:57.733" v="18" actId="2696"/>
+        <pc:sldMkLst>
+          <pc:docMk/>
+          <pc:sldMk cId="2742716956" sldId="2147483172"/>
+        </pc:sldMkLst>
+      </pc:sldChg>
+      <pc:sldChg chg="add">
+        <pc:chgData name="Arbour, Duncan" userId="f8c76c83-f09a-4702-8a60-e00215c8b89f" providerId="ADAL" clId="{01A202F9-1CD2-EF44-A237-36AF8212CAD7}" dt="2025-08-05T08:42:36.001" v="36" actId="2890"/>
+        <pc:sldMkLst>
+          <pc:docMk/>
+          <pc:sldMk cId="835620297" sldId="2147483173"/>
+        </pc:sldMkLst>
+      </pc:sldChg>
+      <pc:sldChg chg="del">
+        <pc:chgData name="Arbour, Duncan" userId="f8c76c83-f09a-4702-8a60-e00215c8b89f" providerId="ADAL" clId="{01A202F9-1CD2-EF44-A237-36AF8212CAD7}" dt="2025-08-05T08:41:57.711" v="2" actId="2696"/>
+        <pc:sldMkLst>
+          <pc:docMk/>
+          <pc:sldMk cId="3619232156" sldId="2147483173"/>
+        </pc:sldMkLst>
+      </pc:sldChg>
+      <pc:sldChg chg="del">
+        <pc:chgData name="Arbour, Duncan" userId="f8c76c83-f09a-4702-8a60-e00215c8b89f" providerId="ADAL" clId="{01A202F9-1CD2-EF44-A237-36AF8212CAD7}" dt="2025-08-05T08:41:57.721" v="7" actId="2696"/>
+        <pc:sldMkLst>
+          <pc:docMk/>
+          <pc:sldMk cId="1711219098" sldId="2147483174"/>
+        </pc:sldMkLst>
+      </pc:sldChg>
+      <pc:sldChg chg="add">
+        <pc:chgData name="Arbour, Duncan" userId="f8c76c83-f09a-4702-8a60-e00215c8b89f" providerId="ADAL" clId="{01A202F9-1CD2-EF44-A237-36AF8212CAD7}" dt="2025-08-05T08:42:36.325" v="37" actId="2890"/>
+        <pc:sldMkLst>
+          <pc:docMk/>
+          <pc:sldMk cId="2412896933" sldId="2147483174"/>
+        </pc:sldMkLst>
+      </pc:sldChg>
+      <pc:sldChg chg="del">
+        <pc:chgData name="Arbour, Duncan" userId="f8c76c83-f09a-4702-8a60-e00215c8b89f" providerId="ADAL" clId="{01A202F9-1CD2-EF44-A237-36AF8212CAD7}" dt="2025-08-05T08:41:57.712" v="4" actId="2696"/>
+        <pc:sldMkLst>
+          <pc:docMk/>
+          <pc:sldMk cId="2100655239" sldId="2147483175"/>
+        </pc:sldMkLst>
+      </pc:sldChg>
+      <pc:sldChg chg="add">
+        <pc:chgData name="Arbour, Duncan" userId="f8c76c83-f09a-4702-8a60-e00215c8b89f" providerId="ADAL" clId="{01A202F9-1CD2-EF44-A237-36AF8212CAD7}" dt="2025-08-05T08:42:36.646" v="38" actId="2890"/>
+        <pc:sldMkLst>
+          <pc:docMk/>
+          <pc:sldMk cId="3114906504" sldId="2147483175"/>
+        </pc:sldMkLst>
+      </pc:sldChg>
+      <pc:sldChg chg="add">
+        <pc:chgData name="Arbour, Duncan" userId="f8c76c83-f09a-4702-8a60-e00215c8b89f" providerId="ADAL" clId="{01A202F9-1CD2-EF44-A237-36AF8212CAD7}" dt="2025-08-05T08:42:36.966" v="39" actId="2890"/>
+        <pc:sldMkLst>
+          <pc:docMk/>
+          <pc:sldMk cId="3038220612" sldId="2147483176"/>
+        </pc:sldMkLst>
+      </pc:sldChg>
+      <pc:sldChg chg="del">
+        <pc:chgData name="Arbour, Duncan" userId="f8c76c83-f09a-4702-8a60-e00215c8b89f" providerId="ADAL" clId="{01A202F9-1CD2-EF44-A237-36AF8212CAD7}" dt="2025-08-05T08:41:57.722" v="8" actId="2696"/>
+        <pc:sldMkLst>
+          <pc:docMk/>
+          <pc:sldMk cId="3219010876" sldId="2147483176"/>
+        </pc:sldMkLst>
+      </pc:sldChg>
+      <pc:sldChg chg="add">
+        <pc:chgData name="Arbour, Duncan" userId="f8c76c83-f09a-4702-8a60-e00215c8b89f" providerId="ADAL" clId="{01A202F9-1CD2-EF44-A237-36AF8212CAD7}" dt="2025-08-05T08:42:37.241" v="40" actId="2890"/>
+        <pc:sldMkLst>
+          <pc:docMk/>
+          <pc:sldMk cId="1055048221" sldId="2147483177"/>
+        </pc:sldMkLst>
+      </pc:sldChg>
+      <pc:sldChg chg="del">
+        <pc:chgData name="Arbour, Duncan" userId="f8c76c83-f09a-4702-8a60-e00215c8b89f" providerId="ADAL" clId="{01A202F9-1CD2-EF44-A237-36AF8212CAD7}" dt="2025-08-05T08:41:57.713" v="5" actId="2696"/>
+        <pc:sldMkLst>
+          <pc:docMk/>
+          <pc:sldMk cId="2676078109" sldId="2147483177"/>
+        </pc:sldMkLst>
+      </pc:sldChg>
+      <pc:sldChg chg="add">
+        <pc:chgData name="Arbour, Duncan" userId="f8c76c83-f09a-4702-8a60-e00215c8b89f" providerId="ADAL" clId="{01A202F9-1CD2-EF44-A237-36AF8212CAD7}" dt="2025-08-05T08:42:37.499" v="41" actId="2890"/>
+        <pc:sldMkLst>
+          <pc:docMk/>
+          <pc:sldMk cId="1832590250" sldId="2147483178"/>
+        </pc:sldMkLst>
+      </pc:sldChg>
+      <pc:sldChg chg="del">
+        <pc:chgData name="Arbour, Duncan" userId="f8c76c83-f09a-4702-8a60-e00215c8b89f" providerId="ADAL" clId="{01A202F9-1CD2-EF44-A237-36AF8212CAD7}" dt="2025-08-05T08:41:57.727" v="16" actId="2696"/>
+        <pc:sldMkLst>
+          <pc:docMk/>
+          <pc:sldMk cId="3741155885" sldId="2147483178"/>
+        </pc:sldMkLst>
+      </pc:sldChg>
+      <pc:sldChg chg="add">
+        <pc:chgData name="Arbour, Duncan" userId="f8c76c83-f09a-4702-8a60-e00215c8b89f" providerId="ADAL" clId="{01A202F9-1CD2-EF44-A237-36AF8212CAD7}" dt="2025-08-05T08:42:37.764" v="42" actId="2890"/>
+        <pc:sldMkLst>
+          <pc:docMk/>
+          <pc:sldMk cId="257704142" sldId="2147483179"/>
+        </pc:sldMkLst>
+      </pc:sldChg>
+      <pc:sldChg chg="del">
+        <pc:chgData name="Arbour, Duncan" userId="f8c76c83-f09a-4702-8a60-e00215c8b89f" providerId="ADAL" clId="{01A202F9-1CD2-EF44-A237-36AF8212CAD7}" dt="2025-08-05T08:41:57.726" v="15" actId="2696"/>
+        <pc:sldMkLst>
+          <pc:docMk/>
+          <pc:sldMk cId="2657862173" sldId="2147483179"/>
+        </pc:sldMkLst>
+      </pc:sldChg>
+      <pc:sldChg chg="del">
+        <pc:chgData name="Arbour, Duncan" userId="f8c76c83-f09a-4702-8a60-e00215c8b89f" providerId="ADAL" clId="{01A202F9-1CD2-EF44-A237-36AF8212CAD7}" dt="2025-08-05T08:41:57.740" v="19" actId="2696"/>
+        <pc:sldMkLst>
+          <pc:docMk/>
+          <pc:sldMk cId="1563336542" sldId="2147483180"/>
+        </pc:sldMkLst>
+      </pc:sldChg>
+      <pc:sldChg chg="add">
+        <pc:chgData name="Arbour, Duncan" userId="f8c76c83-f09a-4702-8a60-e00215c8b89f" providerId="ADAL" clId="{01A202F9-1CD2-EF44-A237-36AF8212CAD7}" dt="2025-08-05T08:42:37.998" v="43" actId="2890"/>
+        <pc:sldMkLst>
+          <pc:docMk/>
+          <pc:sldMk cId="2259719990" sldId="2147483180"/>
+        </pc:sldMkLst>
+      </pc:sldChg>
+      <pc:sldChg chg="del">
+        <pc:chgData name="Arbour, Duncan" userId="f8c76c83-f09a-4702-8a60-e00215c8b89f" providerId="ADAL" clId="{01A202F9-1CD2-EF44-A237-36AF8212CAD7}" dt="2025-08-05T08:41:57.723" v="10" actId="2696"/>
+        <pc:sldMkLst>
+          <pc:docMk/>
+          <pc:sldMk cId="730834240" sldId="2147483181"/>
+        </pc:sldMkLst>
+      </pc:sldChg>
+      <pc:sldChg chg="add">
+        <pc:chgData name="Arbour, Duncan" userId="f8c76c83-f09a-4702-8a60-e00215c8b89f" providerId="ADAL" clId="{01A202F9-1CD2-EF44-A237-36AF8212CAD7}" dt="2025-08-05T08:42:38.246" v="44" actId="2890"/>
+        <pc:sldMkLst>
+          <pc:docMk/>
+          <pc:sldMk cId="4108992144" sldId="2147483181"/>
+        </pc:sldMkLst>
+      </pc:sldChg>
+      <pc:sldChg chg="del">
+        <pc:chgData name="Arbour, Duncan" userId="f8c76c83-f09a-4702-8a60-e00215c8b89f" providerId="ADAL" clId="{01A202F9-1CD2-EF44-A237-36AF8212CAD7}" dt="2025-08-05T08:41:57.725" v="13" actId="2696"/>
+        <pc:sldMkLst>
+          <pc:docMk/>
+          <pc:sldMk cId="1523998889" sldId="2147483182"/>
+        </pc:sldMkLst>
+      </pc:sldChg>
+      <pc:sldChg chg="add">
+        <pc:chgData name="Arbour, Duncan" userId="f8c76c83-f09a-4702-8a60-e00215c8b89f" providerId="ADAL" clId="{01A202F9-1CD2-EF44-A237-36AF8212CAD7}" dt="2025-08-05T08:42:38.492" v="45" actId="2890"/>
+        <pc:sldMkLst>
+          <pc:docMk/>
+          <pc:sldMk cId="3113380086" sldId="2147483182"/>
+        </pc:sldMkLst>
+      </pc:sldChg>
+      <pc:sldChg chg="add">
+        <pc:chgData name="Arbour, Duncan" userId="f8c76c83-f09a-4702-8a60-e00215c8b89f" providerId="ADAL" clId="{01A202F9-1CD2-EF44-A237-36AF8212CAD7}" dt="2025-08-05T08:42:38.774" v="46" actId="2890"/>
+        <pc:sldMkLst>
+          <pc:docMk/>
+          <pc:sldMk cId="608651512" sldId="2147483183"/>
+        </pc:sldMkLst>
+      </pc:sldChg>
+      <pc:sldChg chg="del">
+        <pc:chgData name="Arbour, Duncan" userId="f8c76c83-f09a-4702-8a60-e00215c8b89f" providerId="ADAL" clId="{01A202F9-1CD2-EF44-A237-36AF8212CAD7}" dt="2025-08-05T08:41:57.722" v="9" actId="2696"/>
+        <pc:sldMkLst>
+          <pc:docMk/>
+          <pc:sldMk cId="836792125" sldId="2147483183"/>
+        </pc:sldMkLst>
+      </pc:sldChg>
+      <pc:sldChg chg="del">
+        <pc:chgData name="Arbour, Duncan" userId="f8c76c83-f09a-4702-8a60-e00215c8b89f" providerId="ADAL" clId="{01A202F9-1CD2-EF44-A237-36AF8212CAD7}" dt="2025-08-05T08:41:57.726" v="14" actId="2696"/>
+        <pc:sldMkLst>
+          <pc:docMk/>
+          <pc:sldMk cId="744378931" sldId="2147483184"/>
+        </pc:sldMkLst>
+      </pc:sldChg>
+      <pc:sldChg chg="add">
+        <pc:chgData name="Arbour, Duncan" userId="f8c76c83-f09a-4702-8a60-e00215c8b89f" providerId="ADAL" clId="{01A202F9-1CD2-EF44-A237-36AF8212CAD7}" dt="2025-08-05T08:42:39.094" v="47" actId="2890"/>
+        <pc:sldMkLst>
+          <pc:docMk/>
+          <pc:sldMk cId="2804393850" sldId="2147483184"/>
+        </pc:sldMkLst>
+      </pc:sldChg>
+      <pc:sldChg chg="del">
+        <pc:chgData name="Arbour, Duncan" userId="f8c76c83-f09a-4702-8a60-e00215c8b89f" providerId="ADAL" clId="{01A202F9-1CD2-EF44-A237-36AF8212CAD7}" dt="2025-08-05T08:41:57.727" v="17" actId="2696"/>
+        <pc:sldMkLst>
+          <pc:docMk/>
+          <pc:sldMk cId="3636042660" sldId="2147483185"/>
+        </pc:sldMkLst>
+      </pc:sldChg>
+      <pc:sldChg chg="add">
+        <pc:chgData name="Arbour, Duncan" userId="f8c76c83-f09a-4702-8a60-e00215c8b89f" providerId="ADAL" clId="{01A202F9-1CD2-EF44-A237-36AF8212CAD7}" dt="2025-08-05T08:42:39.507" v="48" actId="2890"/>
+        <pc:sldMkLst>
+          <pc:docMk/>
+          <pc:sldMk cId="4123954860" sldId="2147483185"/>
+        </pc:sldMkLst>
+      </pc:sldChg>
+      <pc:sldChg chg="add">
+        <pc:chgData name="Arbour, Duncan" userId="f8c76c83-f09a-4702-8a60-e00215c8b89f" providerId="ADAL" clId="{01A202F9-1CD2-EF44-A237-36AF8212CAD7}" dt="2025-08-05T08:42:39.958" v="49" actId="2890"/>
+        <pc:sldMkLst>
+          <pc:docMk/>
+          <pc:sldMk cId="1211407029" sldId="2147483186"/>
+        </pc:sldMkLst>
+      </pc:sldChg>
+      <pc:sldChg chg="del">
+        <pc:chgData name="Arbour, Duncan" userId="f8c76c83-f09a-4702-8a60-e00215c8b89f" providerId="ADAL" clId="{01A202F9-1CD2-EF44-A237-36AF8212CAD7}" dt="2025-08-05T08:41:57.724" v="11" actId="2696"/>
+        <pc:sldMkLst>
+          <pc:docMk/>
+          <pc:sldMk cId="3059024873" sldId="2147483186"/>
+        </pc:sldMkLst>
+      </pc:sldChg>
+      <pc:sldChg chg="add">
+        <pc:chgData name="Arbour, Duncan" userId="f8c76c83-f09a-4702-8a60-e00215c8b89f" providerId="ADAL" clId="{01A202F9-1CD2-EF44-A237-36AF8212CAD7}" dt="2025-08-05T08:42:40.363" v="50" actId="2890"/>
+        <pc:sldMkLst>
+          <pc:docMk/>
+          <pc:sldMk cId="1061600919" sldId="2147483187"/>
+        </pc:sldMkLst>
+      </pc:sldChg>
+      <pc:sldChg chg="del">
+        <pc:chgData name="Arbour, Duncan" userId="f8c76c83-f09a-4702-8a60-e00215c8b89f" providerId="ADAL" clId="{01A202F9-1CD2-EF44-A237-36AF8212CAD7}" dt="2025-08-05T08:41:57.712" v="3" actId="2696"/>
+        <pc:sldMkLst>
+          <pc:docMk/>
+          <pc:sldMk cId="3919627737" sldId="2147483187"/>
+        </pc:sldMkLst>
+      </pc:sldChg>
+      <pc:sldChg chg="del">
+        <pc:chgData name="Arbour, Duncan" userId="f8c76c83-f09a-4702-8a60-e00215c8b89f" providerId="ADAL" clId="{01A202F9-1CD2-EF44-A237-36AF8212CAD7}" dt="2025-08-05T08:41:57.724" v="12" actId="2696"/>
+        <pc:sldMkLst>
+          <pc:docMk/>
+          <pc:sldMk cId="779254163" sldId="2147483188"/>
+        </pc:sldMkLst>
+      </pc:sldChg>
+      <pc:sldChg chg="add">
+        <pc:chgData name="Arbour, Duncan" userId="f8c76c83-f09a-4702-8a60-e00215c8b89f" providerId="ADAL" clId="{01A202F9-1CD2-EF44-A237-36AF8212CAD7}" dt="2025-08-05T08:42:40.785" v="51" actId="2890"/>
+        <pc:sldMkLst>
+          <pc:docMk/>
+          <pc:sldMk cId="3800781928" sldId="2147483188"/>
+        </pc:sldMkLst>
+      </pc:sldChg>
+      <pc:sldMasterChg chg="modSldLayout">
+        <pc:chgData name="Arbour, Duncan" userId="f8c76c83-f09a-4702-8a60-e00215c8b89f" providerId="ADAL" clId="{01A202F9-1CD2-EF44-A237-36AF8212CAD7}" dt="2025-08-05T08:42:22.288" v="32" actId="20577"/>
+        <pc:sldMasterMkLst>
+          <pc:docMk/>
+          <pc:sldMasterMk cId="3807390464" sldId="2147483672"/>
+        </pc:sldMasterMkLst>
+        <pc:sldLayoutChg chg="modSp mod">
+          <pc:chgData name="Arbour, Duncan" userId="f8c76c83-f09a-4702-8a60-e00215c8b89f" providerId="ADAL" clId="{01A202F9-1CD2-EF44-A237-36AF8212CAD7}" dt="2025-08-05T08:42:22.288" v="32" actId="20577"/>
+          <pc:sldLayoutMkLst>
+            <pc:docMk/>
+            <pc:sldMasterMk cId="3807390464" sldId="2147483672"/>
+            <pc:sldLayoutMk cId="2505493967" sldId="2147483683"/>
+          </pc:sldLayoutMkLst>
+          <pc:spChg chg="mod">
+            <ac:chgData name="Arbour, Duncan" userId="f8c76c83-f09a-4702-8a60-e00215c8b89f" providerId="ADAL" clId="{01A202F9-1CD2-EF44-A237-36AF8212CAD7}" dt="2025-08-05T08:42:22.288" v="32" actId="20577"/>
+            <ac:spMkLst>
+              <pc:docMk/>
+              <pc:sldMasterMk cId="3807390464" sldId="2147483672"/>
+              <pc:sldLayoutMk cId="2505493967" sldId="2147483683"/>
+              <ac:spMk id="40" creationId="{CA2BA629-9462-B268-21C4-7AA99E854BC8}"/>
+            </ac:spMkLst>
+          </pc:spChg>
+        </pc:sldLayoutChg>
+      </pc:sldMasterChg>
+    </pc:docChg>
+  </pc:docChgLst>
+</pc:chgInfo>
+</file>
+
 <file path=ppt/notesMasters/notesMaster1.xml><?xml version="1.0" encoding="utf-8"?>
 <p:notesMaster xmlns:a="http://schemas.openxmlformats.org/drawingml/2006/main" xmlns:r="http://schemas.openxmlformats.org/officeDocument/2006/relationships" xmlns:p="http://schemas.openxmlformats.org/presentationml/2006/main">
   <p:cSld>
@@ -216,7 +535,7 @@
           <a:p>
             <a:fld id="{F310AFFB-0885-5042-955A-EBE8D4F3127F}" type="datetimeFigureOut">
               <a:rPr lang="en-US" smtClean="0"/>
-              <a:t>8/4/25</a:t>
+              <a:t>8/5/25</a:t>
             </a:fld>
             <a:endParaRPr lang="en-US"/>
           </a:p>
@@ -705,7 +1024,7 @@
                   <a:schemeClr val="tx2"/>
                 </a:solidFill>
               </a:rPr>
-              <a:t>SYNEOS HEALTH: ACCELERATED INSIGHT – SLIDES DEVELOPED VIA AUTOMATED RESEARCH AGENT</a:t>
+              <a:t>SYNEOS HEALTH: ACCELERATED INSIGHT – SLIDES DEVELOPED VIA KINETIC AUTOMATED DESK RESEARCH AGENT</a:t>
             </a:r>
           </a:p>
         </p:txBody>
@@ -1545,7 +1864,7 @@
           <a:lstStyle/>
           <a:p>
             <a:r>
-              <a:rPr lang="en-US" dirty="0"/>
+              <a:rPr lang="en-US" sz="1000" dirty="0"/>
               <a:t>Bullets</a:t>
             </a:r>
           </a:p>
@@ -1600,7 +1919,7 @@
         <p:cNvPr id="1" name="">
           <a:extLst>
             <a:ext uri="{FF2B5EF4-FFF2-40B4-BE49-F238E27FC236}">
-              <a16:creationId xmlns:a16="http://schemas.microsoft.com/office/drawing/2014/main" id="{EDCE5A89-B14A-1DAD-661A-0E9AB843E7A4}"/>
+              <a16:creationId xmlns:a16="http://schemas.microsoft.com/office/drawing/2014/main" id="{4CF2BC89-6F72-5673-F99E-F5E8F23EB17A}"/>
             </a:ext>
           </a:extLst>
         </p:cNvPr>
@@ -1620,7 +1939,7 @@
           <p:cNvPr id="2" name="Title 1">
             <a:extLst>
               <a:ext uri="{FF2B5EF4-FFF2-40B4-BE49-F238E27FC236}">
-                <a16:creationId xmlns:a16="http://schemas.microsoft.com/office/drawing/2014/main" id="{B14064BA-F614-E273-C5F1-BDE2BD404774}"/>
+                <a16:creationId xmlns:a16="http://schemas.microsoft.com/office/drawing/2014/main" id="{EDF39CFB-84E0-D851-6608-553F2CB6E1BF}"/>
               </a:ext>
             </a:extLst>
           </p:cNvPr>
@@ -1648,7 +1967,7 @@
           <p:cNvPr id="3" name="Content Placeholder 2">
             <a:extLst>
               <a:ext uri="{FF2B5EF4-FFF2-40B4-BE49-F238E27FC236}">
-                <a16:creationId xmlns:a16="http://schemas.microsoft.com/office/drawing/2014/main" id="{750B5DE9-7717-777C-46B9-EE212F51BFB5}"/>
+                <a16:creationId xmlns:a16="http://schemas.microsoft.com/office/drawing/2014/main" id="{D01B41BA-D7F0-CDB5-F906-EC767EDE4407}"/>
               </a:ext>
             </a:extLst>
           </p:cNvPr>
@@ -1665,7 +1984,7 @@
           <a:lstStyle/>
           <a:p>
             <a:r>
-              <a:rPr lang="en-US" dirty="0"/>
+              <a:rPr lang="en-US" sz="1000" dirty="0"/>
               <a:t>Bullets</a:t>
             </a:r>
           </a:p>
@@ -1676,7 +1995,7 @@
           <p:cNvPr id="4" name="Text Placeholder 3">
             <a:extLst>
               <a:ext uri="{FF2B5EF4-FFF2-40B4-BE49-F238E27FC236}">
-                <a16:creationId xmlns:a16="http://schemas.microsoft.com/office/drawing/2014/main" id="{76998CAE-4AFE-2F92-F728-4E7C3AB565F3}"/>
+                <a16:creationId xmlns:a16="http://schemas.microsoft.com/office/drawing/2014/main" id="{35262C0C-42B1-289A-8833-BC51F539A21E}"/>
               </a:ext>
             </a:extLst>
           </p:cNvPr>
@@ -1702,7 +2021,7 @@
     </p:spTree>
     <p:extLst>
       <p:ext uri="{BB962C8B-B14F-4D97-AF65-F5344CB8AC3E}">
-        <p14:creationId xmlns:p14="http://schemas.microsoft.com/office/powerpoint/2010/main" val="3741155885"/>
+        <p14:creationId xmlns:p14="http://schemas.microsoft.com/office/powerpoint/2010/main" val="1832590250"/>
       </p:ext>
     </p:extLst>
   </p:cSld>
@@ -1720,7 +2039,7 @@
         <p:cNvPr id="1" name="">
           <a:extLst>
             <a:ext uri="{FF2B5EF4-FFF2-40B4-BE49-F238E27FC236}">
-              <a16:creationId xmlns:a16="http://schemas.microsoft.com/office/drawing/2014/main" id="{2D90B333-E4CA-4DA0-FD33-C6DF1F599DF5}"/>
+              <a16:creationId xmlns:a16="http://schemas.microsoft.com/office/drawing/2014/main" id="{4DAE8B63-02D7-3F37-C75C-C80EB0E03999}"/>
             </a:ext>
           </a:extLst>
         </p:cNvPr>
@@ -1740,7 +2059,7 @@
           <p:cNvPr id="2" name="Title 1">
             <a:extLst>
               <a:ext uri="{FF2B5EF4-FFF2-40B4-BE49-F238E27FC236}">
-                <a16:creationId xmlns:a16="http://schemas.microsoft.com/office/drawing/2014/main" id="{E25B2982-7F07-6280-9DEA-39ED31D9EC47}"/>
+                <a16:creationId xmlns:a16="http://schemas.microsoft.com/office/drawing/2014/main" id="{BDF57ED2-EED2-5327-20C5-6DB2BB76DB4B}"/>
               </a:ext>
             </a:extLst>
           </p:cNvPr>
@@ -1768,7 +2087,7 @@
           <p:cNvPr id="3" name="Content Placeholder 2">
             <a:extLst>
               <a:ext uri="{FF2B5EF4-FFF2-40B4-BE49-F238E27FC236}">
-                <a16:creationId xmlns:a16="http://schemas.microsoft.com/office/drawing/2014/main" id="{25BCEB10-3C3F-C0A5-7463-F2EF0F89542B}"/>
+                <a16:creationId xmlns:a16="http://schemas.microsoft.com/office/drawing/2014/main" id="{8B9C4BB0-1583-EC38-4737-9E3A6636CC51}"/>
               </a:ext>
             </a:extLst>
           </p:cNvPr>
@@ -1785,7 +2104,7 @@
           <a:lstStyle/>
           <a:p>
             <a:r>
-              <a:rPr lang="en-US" dirty="0"/>
+              <a:rPr lang="en-US" sz="1000" dirty="0"/>
               <a:t>Bullets</a:t>
             </a:r>
           </a:p>
@@ -1796,7 +2115,7 @@
           <p:cNvPr id="4" name="Text Placeholder 3">
             <a:extLst>
               <a:ext uri="{FF2B5EF4-FFF2-40B4-BE49-F238E27FC236}">
-                <a16:creationId xmlns:a16="http://schemas.microsoft.com/office/drawing/2014/main" id="{D9878FD4-48E4-18DE-6093-C08F76CE8519}"/>
+                <a16:creationId xmlns:a16="http://schemas.microsoft.com/office/drawing/2014/main" id="{C9B240E3-B183-2062-79A3-ABC7CEAA043E}"/>
               </a:ext>
             </a:extLst>
           </p:cNvPr>
@@ -1822,7 +2141,7 @@
     </p:spTree>
     <p:extLst>
       <p:ext uri="{BB962C8B-B14F-4D97-AF65-F5344CB8AC3E}">
-        <p14:creationId xmlns:p14="http://schemas.microsoft.com/office/powerpoint/2010/main" val="2657862173"/>
+        <p14:creationId xmlns:p14="http://schemas.microsoft.com/office/powerpoint/2010/main" val="257704142"/>
       </p:ext>
     </p:extLst>
   </p:cSld>
@@ -1840,7 +2159,7 @@
         <p:cNvPr id="1" name="">
           <a:extLst>
             <a:ext uri="{FF2B5EF4-FFF2-40B4-BE49-F238E27FC236}">
-              <a16:creationId xmlns:a16="http://schemas.microsoft.com/office/drawing/2014/main" id="{BDB3579E-3C15-7210-62A8-EBF9E696947A}"/>
+              <a16:creationId xmlns:a16="http://schemas.microsoft.com/office/drawing/2014/main" id="{B93B5EE5-2A1B-641E-66A4-6921C3813A71}"/>
             </a:ext>
           </a:extLst>
         </p:cNvPr>
@@ -1860,7 +2179,7 @@
           <p:cNvPr id="2" name="Title 1">
             <a:extLst>
               <a:ext uri="{FF2B5EF4-FFF2-40B4-BE49-F238E27FC236}">
-                <a16:creationId xmlns:a16="http://schemas.microsoft.com/office/drawing/2014/main" id="{E64058BF-9EEC-4A7E-E8FF-7A0B3FB04D9C}"/>
+                <a16:creationId xmlns:a16="http://schemas.microsoft.com/office/drawing/2014/main" id="{1F487426-A767-5A7F-1120-63701628A760}"/>
               </a:ext>
             </a:extLst>
           </p:cNvPr>
@@ -1888,7 +2207,7 @@
           <p:cNvPr id="3" name="Content Placeholder 2">
             <a:extLst>
               <a:ext uri="{FF2B5EF4-FFF2-40B4-BE49-F238E27FC236}">
-                <a16:creationId xmlns:a16="http://schemas.microsoft.com/office/drawing/2014/main" id="{0F399F24-9321-F7FC-7664-63692BD88AD5}"/>
+                <a16:creationId xmlns:a16="http://schemas.microsoft.com/office/drawing/2014/main" id="{69549AE5-18F9-0D99-1261-7ACC0EAECF64}"/>
               </a:ext>
             </a:extLst>
           </p:cNvPr>
@@ -1905,7 +2224,7 @@
           <a:lstStyle/>
           <a:p>
             <a:r>
-              <a:rPr lang="en-US" dirty="0"/>
+              <a:rPr lang="en-US" sz="1000" dirty="0"/>
               <a:t>Bullets</a:t>
             </a:r>
           </a:p>
@@ -1916,7 +2235,7 @@
           <p:cNvPr id="4" name="Text Placeholder 3">
             <a:extLst>
               <a:ext uri="{FF2B5EF4-FFF2-40B4-BE49-F238E27FC236}">
-                <a16:creationId xmlns:a16="http://schemas.microsoft.com/office/drawing/2014/main" id="{C5B71E6D-7E1D-C1E7-CDD4-AF8C577B7AF8}"/>
+                <a16:creationId xmlns:a16="http://schemas.microsoft.com/office/drawing/2014/main" id="{3AA0169C-C7D3-7C28-8521-E5E20043CDE3}"/>
               </a:ext>
             </a:extLst>
           </p:cNvPr>
@@ -1942,7 +2261,7 @@
     </p:spTree>
     <p:extLst>
       <p:ext uri="{BB962C8B-B14F-4D97-AF65-F5344CB8AC3E}">
-        <p14:creationId xmlns:p14="http://schemas.microsoft.com/office/powerpoint/2010/main" val="1563336542"/>
+        <p14:creationId xmlns:p14="http://schemas.microsoft.com/office/powerpoint/2010/main" val="2259719990"/>
       </p:ext>
     </p:extLst>
   </p:cSld>
@@ -1960,7 +2279,7 @@
         <p:cNvPr id="1" name="">
           <a:extLst>
             <a:ext uri="{FF2B5EF4-FFF2-40B4-BE49-F238E27FC236}">
-              <a16:creationId xmlns:a16="http://schemas.microsoft.com/office/drawing/2014/main" id="{06E5CF96-19B7-BCE5-F633-A137F56A12E3}"/>
+              <a16:creationId xmlns:a16="http://schemas.microsoft.com/office/drawing/2014/main" id="{79FC85E6-61C8-38A7-CE8A-EDC736B37FF5}"/>
             </a:ext>
           </a:extLst>
         </p:cNvPr>
@@ -1980,7 +2299,7 @@
           <p:cNvPr id="2" name="Title 1">
             <a:extLst>
               <a:ext uri="{FF2B5EF4-FFF2-40B4-BE49-F238E27FC236}">
-                <a16:creationId xmlns:a16="http://schemas.microsoft.com/office/drawing/2014/main" id="{52F67E50-8BDC-B3E5-6DF1-F5CD16A9D36C}"/>
+                <a16:creationId xmlns:a16="http://schemas.microsoft.com/office/drawing/2014/main" id="{1AF8C3CC-A791-F5D2-03C9-82C36BB9E5F6}"/>
               </a:ext>
             </a:extLst>
           </p:cNvPr>
@@ -2008,7 +2327,7 @@
           <p:cNvPr id="3" name="Content Placeholder 2">
             <a:extLst>
               <a:ext uri="{FF2B5EF4-FFF2-40B4-BE49-F238E27FC236}">
-                <a16:creationId xmlns:a16="http://schemas.microsoft.com/office/drawing/2014/main" id="{38AA06D9-DE27-EC76-F5EC-C3AEE34B7E40}"/>
+                <a16:creationId xmlns:a16="http://schemas.microsoft.com/office/drawing/2014/main" id="{4C0F307E-6CE2-D500-27DE-0C3642E4ABF7}"/>
               </a:ext>
             </a:extLst>
           </p:cNvPr>
@@ -2025,7 +2344,7 @@
           <a:lstStyle/>
           <a:p>
             <a:r>
-              <a:rPr lang="en-US" dirty="0"/>
+              <a:rPr lang="en-US" sz="1000" dirty="0"/>
               <a:t>Bullets</a:t>
             </a:r>
           </a:p>
@@ -2036,7 +2355,7 @@
           <p:cNvPr id="4" name="Text Placeholder 3">
             <a:extLst>
               <a:ext uri="{FF2B5EF4-FFF2-40B4-BE49-F238E27FC236}">
-                <a16:creationId xmlns:a16="http://schemas.microsoft.com/office/drawing/2014/main" id="{F12415EC-B2DE-20C4-71EC-DA3357344008}"/>
+                <a16:creationId xmlns:a16="http://schemas.microsoft.com/office/drawing/2014/main" id="{02C99479-A93A-ED18-1237-1F097C81D1BE}"/>
               </a:ext>
             </a:extLst>
           </p:cNvPr>
@@ -2062,7 +2381,7 @@
     </p:spTree>
     <p:extLst>
       <p:ext uri="{BB962C8B-B14F-4D97-AF65-F5344CB8AC3E}">
-        <p14:creationId xmlns:p14="http://schemas.microsoft.com/office/powerpoint/2010/main" val="730834240"/>
+        <p14:creationId xmlns:p14="http://schemas.microsoft.com/office/powerpoint/2010/main" val="4108992144"/>
       </p:ext>
     </p:extLst>
   </p:cSld>
@@ -2080,7 +2399,7 @@
         <p:cNvPr id="1" name="">
           <a:extLst>
             <a:ext uri="{FF2B5EF4-FFF2-40B4-BE49-F238E27FC236}">
-              <a16:creationId xmlns:a16="http://schemas.microsoft.com/office/drawing/2014/main" id="{E991660E-8E63-C9E9-0CEB-64B42A68D3A4}"/>
+              <a16:creationId xmlns:a16="http://schemas.microsoft.com/office/drawing/2014/main" id="{567D8BAD-7B19-5520-D0E6-0BBB293D68D6}"/>
             </a:ext>
           </a:extLst>
         </p:cNvPr>
@@ -2100,7 +2419,7 @@
           <p:cNvPr id="2" name="Title 1">
             <a:extLst>
               <a:ext uri="{FF2B5EF4-FFF2-40B4-BE49-F238E27FC236}">
-                <a16:creationId xmlns:a16="http://schemas.microsoft.com/office/drawing/2014/main" id="{AA049A64-F24F-D391-90C7-C962E02448FB}"/>
+                <a16:creationId xmlns:a16="http://schemas.microsoft.com/office/drawing/2014/main" id="{6B2D02BB-1406-ADB8-241B-CABE72F255DF}"/>
               </a:ext>
             </a:extLst>
           </p:cNvPr>
@@ -2128,7 +2447,7 @@
           <p:cNvPr id="3" name="Content Placeholder 2">
             <a:extLst>
               <a:ext uri="{FF2B5EF4-FFF2-40B4-BE49-F238E27FC236}">
-                <a16:creationId xmlns:a16="http://schemas.microsoft.com/office/drawing/2014/main" id="{F5568EBD-4007-021C-0384-7C2A1638160C}"/>
+                <a16:creationId xmlns:a16="http://schemas.microsoft.com/office/drawing/2014/main" id="{6FCA4E49-AFF1-29E4-1027-2FFF55CE6A31}"/>
               </a:ext>
             </a:extLst>
           </p:cNvPr>
@@ -2145,7 +2464,7 @@
           <a:lstStyle/>
           <a:p>
             <a:r>
-              <a:rPr lang="en-US" dirty="0"/>
+              <a:rPr lang="en-US" sz="1000" dirty="0"/>
               <a:t>Bullets</a:t>
             </a:r>
           </a:p>
@@ -2156,7 +2475,7 @@
           <p:cNvPr id="4" name="Text Placeholder 3">
             <a:extLst>
               <a:ext uri="{FF2B5EF4-FFF2-40B4-BE49-F238E27FC236}">
-                <a16:creationId xmlns:a16="http://schemas.microsoft.com/office/drawing/2014/main" id="{1A335455-4433-6119-CEF5-BE5756F57A70}"/>
+                <a16:creationId xmlns:a16="http://schemas.microsoft.com/office/drawing/2014/main" id="{2B59466F-745D-B36D-6194-337B3AE8F807}"/>
               </a:ext>
             </a:extLst>
           </p:cNvPr>
@@ -2182,7 +2501,7 @@
     </p:spTree>
     <p:extLst>
       <p:ext uri="{BB962C8B-B14F-4D97-AF65-F5344CB8AC3E}">
-        <p14:creationId xmlns:p14="http://schemas.microsoft.com/office/powerpoint/2010/main" val="1523998889"/>
+        <p14:creationId xmlns:p14="http://schemas.microsoft.com/office/powerpoint/2010/main" val="3113380086"/>
       </p:ext>
     </p:extLst>
   </p:cSld>
@@ -2200,7 +2519,7 @@
         <p:cNvPr id="1" name="">
           <a:extLst>
             <a:ext uri="{FF2B5EF4-FFF2-40B4-BE49-F238E27FC236}">
-              <a16:creationId xmlns:a16="http://schemas.microsoft.com/office/drawing/2014/main" id="{536D7204-2279-0657-19B9-64B636F9E51F}"/>
+              <a16:creationId xmlns:a16="http://schemas.microsoft.com/office/drawing/2014/main" id="{C2E9A0DD-9727-E87C-A4A9-8293A04EAFF5}"/>
             </a:ext>
           </a:extLst>
         </p:cNvPr>
@@ -2220,7 +2539,7 @@
           <p:cNvPr id="2" name="Title 1">
             <a:extLst>
               <a:ext uri="{FF2B5EF4-FFF2-40B4-BE49-F238E27FC236}">
-                <a16:creationId xmlns:a16="http://schemas.microsoft.com/office/drawing/2014/main" id="{0AD4514A-D2A4-7DE9-F8BA-A8B8545C884B}"/>
+                <a16:creationId xmlns:a16="http://schemas.microsoft.com/office/drawing/2014/main" id="{1F0183DF-0AC8-A368-9599-85458C462550}"/>
               </a:ext>
             </a:extLst>
           </p:cNvPr>
@@ -2248,7 +2567,7 @@
           <p:cNvPr id="3" name="Content Placeholder 2">
             <a:extLst>
               <a:ext uri="{FF2B5EF4-FFF2-40B4-BE49-F238E27FC236}">
-                <a16:creationId xmlns:a16="http://schemas.microsoft.com/office/drawing/2014/main" id="{FEE96785-0926-35E1-515F-2467ECD15959}"/>
+                <a16:creationId xmlns:a16="http://schemas.microsoft.com/office/drawing/2014/main" id="{C961F6F0-82F4-381A-143A-C94EE2D65092}"/>
               </a:ext>
             </a:extLst>
           </p:cNvPr>
@@ -2265,7 +2584,7 @@
           <a:lstStyle/>
           <a:p>
             <a:r>
-              <a:rPr lang="en-US" dirty="0"/>
+              <a:rPr lang="en-US" sz="1000" dirty="0"/>
               <a:t>Bullets</a:t>
             </a:r>
           </a:p>
@@ -2276,7 +2595,7 @@
           <p:cNvPr id="4" name="Text Placeholder 3">
             <a:extLst>
               <a:ext uri="{FF2B5EF4-FFF2-40B4-BE49-F238E27FC236}">
-                <a16:creationId xmlns:a16="http://schemas.microsoft.com/office/drawing/2014/main" id="{0A282647-730D-D971-88B7-24986DC3C66F}"/>
+                <a16:creationId xmlns:a16="http://schemas.microsoft.com/office/drawing/2014/main" id="{52A63353-96A3-077B-1AB5-95646560805A}"/>
               </a:ext>
             </a:extLst>
           </p:cNvPr>
@@ -2302,7 +2621,7 @@
     </p:spTree>
     <p:extLst>
       <p:ext uri="{BB962C8B-B14F-4D97-AF65-F5344CB8AC3E}">
-        <p14:creationId xmlns:p14="http://schemas.microsoft.com/office/powerpoint/2010/main" val="836792125"/>
+        <p14:creationId xmlns:p14="http://schemas.microsoft.com/office/powerpoint/2010/main" val="608651512"/>
       </p:ext>
     </p:extLst>
   </p:cSld>
@@ -2320,7 +2639,7 @@
         <p:cNvPr id="1" name="">
           <a:extLst>
             <a:ext uri="{FF2B5EF4-FFF2-40B4-BE49-F238E27FC236}">
-              <a16:creationId xmlns:a16="http://schemas.microsoft.com/office/drawing/2014/main" id="{D2D6BF79-59FA-83B2-B3F2-8C354F8014D5}"/>
+              <a16:creationId xmlns:a16="http://schemas.microsoft.com/office/drawing/2014/main" id="{2D37C43C-7E17-9513-F0F2-161F75897148}"/>
             </a:ext>
           </a:extLst>
         </p:cNvPr>
@@ -2340,7 +2659,7 @@
           <p:cNvPr id="2" name="Title 1">
             <a:extLst>
               <a:ext uri="{FF2B5EF4-FFF2-40B4-BE49-F238E27FC236}">
-                <a16:creationId xmlns:a16="http://schemas.microsoft.com/office/drawing/2014/main" id="{57693BAE-9F91-646B-AAD8-8D83E03CAF09}"/>
+                <a16:creationId xmlns:a16="http://schemas.microsoft.com/office/drawing/2014/main" id="{8858A3DC-5F31-51C2-FF83-1C235F699280}"/>
               </a:ext>
             </a:extLst>
           </p:cNvPr>
@@ -2368,7 +2687,7 @@
           <p:cNvPr id="3" name="Content Placeholder 2">
             <a:extLst>
               <a:ext uri="{FF2B5EF4-FFF2-40B4-BE49-F238E27FC236}">
-                <a16:creationId xmlns:a16="http://schemas.microsoft.com/office/drawing/2014/main" id="{3185D82E-C399-81B0-F86D-A8D07D57FB3F}"/>
+                <a16:creationId xmlns:a16="http://schemas.microsoft.com/office/drawing/2014/main" id="{216825A2-2D6B-1F5A-D037-4A3A1A74EDA3}"/>
               </a:ext>
             </a:extLst>
           </p:cNvPr>
@@ -2385,7 +2704,7 @@
           <a:lstStyle/>
           <a:p>
             <a:r>
-              <a:rPr lang="en-US" dirty="0"/>
+              <a:rPr lang="en-US" sz="1000" dirty="0"/>
               <a:t>Bullets</a:t>
             </a:r>
           </a:p>
@@ -2396,7 +2715,7 @@
           <p:cNvPr id="4" name="Text Placeholder 3">
             <a:extLst>
               <a:ext uri="{FF2B5EF4-FFF2-40B4-BE49-F238E27FC236}">
-                <a16:creationId xmlns:a16="http://schemas.microsoft.com/office/drawing/2014/main" id="{C82DBEC5-F9BE-060A-4E5D-7F50AA04C76F}"/>
+                <a16:creationId xmlns:a16="http://schemas.microsoft.com/office/drawing/2014/main" id="{0E026F51-CC45-ED9F-B5D6-F3DBCD2F67D8}"/>
               </a:ext>
             </a:extLst>
           </p:cNvPr>
@@ -2422,7 +2741,7 @@
     </p:spTree>
     <p:extLst>
       <p:ext uri="{BB962C8B-B14F-4D97-AF65-F5344CB8AC3E}">
-        <p14:creationId xmlns:p14="http://schemas.microsoft.com/office/powerpoint/2010/main" val="744378931"/>
+        <p14:creationId xmlns:p14="http://schemas.microsoft.com/office/powerpoint/2010/main" val="2804393850"/>
       </p:ext>
     </p:extLst>
   </p:cSld>
@@ -2440,7 +2759,7 @@
         <p:cNvPr id="1" name="">
           <a:extLst>
             <a:ext uri="{FF2B5EF4-FFF2-40B4-BE49-F238E27FC236}">
-              <a16:creationId xmlns:a16="http://schemas.microsoft.com/office/drawing/2014/main" id="{C29A5463-6288-4E75-36DA-854E9D98DD2A}"/>
+              <a16:creationId xmlns:a16="http://schemas.microsoft.com/office/drawing/2014/main" id="{9E0FD8A5-86C8-F59A-10F3-47DDCC6B775F}"/>
             </a:ext>
           </a:extLst>
         </p:cNvPr>
@@ -2460,7 +2779,7 @@
           <p:cNvPr id="2" name="Title 1">
             <a:extLst>
               <a:ext uri="{FF2B5EF4-FFF2-40B4-BE49-F238E27FC236}">
-                <a16:creationId xmlns:a16="http://schemas.microsoft.com/office/drawing/2014/main" id="{EE036BF1-1E32-9D6C-E464-47FDEF82B4BA}"/>
+                <a16:creationId xmlns:a16="http://schemas.microsoft.com/office/drawing/2014/main" id="{344F7514-F7F5-001D-F915-F8AFB909BFF6}"/>
               </a:ext>
             </a:extLst>
           </p:cNvPr>
@@ -2488,7 +2807,7 @@
           <p:cNvPr id="3" name="Content Placeholder 2">
             <a:extLst>
               <a:ext uri="{FF2B5EF4-FFF2-40B4-BE49-F238E27FC236}">
-                <a16:creationId xmlns:a16="http://schemas.microsoft.com/office/drawing/2014/main" id="{D80DD870-5D11-7C2B-B5AC-AAACF74B65F1}"/>
+                <a16:creationId xmlns:a16="http://schemas.microsoft.com/office/drawing/2014/main" id="{C7AAAB27-C72D-EDD3-78EB-D28DEC033B58}"/>
               </a:ext>
             </a:extLst>
           </p:cNvPr>
@@ -2505,7 +2824,7 @@
           <a:lstStyle/>
           <a:p>
             <a:r>
-              <a:rPr lang="en-US" dirty="0"/>
+              <a:rPr lang="en-US" sz="1000" dirty="0"/>
               <a:t>Bullets</a:t>
             </a:r>
           </a:p>
@@ -2516,7 +2835,7 @@
           <p:cNvPr id="4" name="Text Placeholder 3">
             <a:extLst>
               <a:ext uri="{FF2B5EF4-FFF2-40B4-BE49-F238E27FC236}">
-                <a16:creationId xmlns:a16="http://schemas.microsoft.com/office/drawing/2014/main" id="{505EBDD5-9DB7-F599-9711-0866827F3453}"/>
+                <a16:creationId xmlns:a16="http://schemas.microsoft.com/office/drawing/2014/main" id="{826A7EDA-4B3D-52F6-008A-BFE0F42EA505}"/>
               </a:ext>
             </a:extLst>
           </p:cNvPr>
@@ -2542,7 +2861,7 @@
     </p:spTree>
     <p:extLst>
       <p:ext uri="{BB962C8B-B14F-4D97-AF65-F5344CB8AC3E}">
-        <p14:creationId xmlns:p14="http://schemas.microsoft.com/office/powerpoint/2010/main" val="3636042660"/>
+        <p14:creationId xmlns:p14="http://schemas.microsoft.com/office/powerpoint/2010/main" val="4123954860"/>
       </p:ext>
     </p:extLst>
   </p:cSld>
@@ -2560,7 +2879,7 @@
         <p:cNvPr id="1" name="">
           <a:extLst>
             <a:ext uri="{FF2B5EF4-FFF2-40B4-BE49-F238E27FC236}">
-              <a16:creationId xmlns:a16="http://schemas.microsoft.com/office/drawing/2014/main" id="{D36CB6CC-3362-F1F0-E695-F677C4956791}"/>
+              <a16:creationId xmlns:a16="http://schemas.microsoft.com/office/drawing/2014/main" id="{1BB57183-F50B-3BAF-BA5A-FAC4AE446DE8}"/>
             </a:ext>
           </a:extLst>
         </p:cNvPr>
@@ -2580,7 +2899,7 @@
           <p:cNvPr id="2" name="Title 1">
             <a:extLst>
               <a:ext uri="{FF2B5EF4-FFF2-40B4-BE49-F238E27FC236}">
-                <a16:creationId xmlns:a16="http://schemas.microsoft.com/office/drawing/2014/main" id="{E3C1B7E1-5CFA-80CD-26F2-717931570086}"/>
+                <a16:creationId xmlns:a16="http://schemas.microsoft.com/office/drawing/2014/main" id="{0D4880EF-CB31-BA39-38D9-8A56230F0DC0}"/>
               </a:ext>
             </a:extLst>
           </p:cNvPr>
@@ -2608,7 +2927,7 @@
           <p:cNvPr id="3" name="Content Placeholder 2">
             <a:extLst>
               <a:ext uri="{FF2B5EF4-FFF2-40B4-BE49-F238E27FC236}">
-                <a16:creationId xmlns:a16="http://schemas.microsoft.com/office/drawing/2014/main" id="{63B9227A-7187-CA0A-0911-5029F300EE3D}"/>
+                <a16:creationId xmlns:a16="http://schemas.microsoft.com/office/drawing/2014/main" id="{1F3BBC81-6C1A-2BEA-5668-FAF1D0CF12A0}"/>
               </a:ext>
             </a:extLst>
           </p:cNvPr>
@@ -2625,7 +2944,7 @@
           <a:lstStyle/>
           <a:p>
             <a:r>
-              <a:rPr lang="en-US" dirty="0"/>
+              <a:rPr lang="en-US" sz="1000" dirty="0"/>
               <a:t>Bullets</a:t>
             </a:r>
           </a:p>
@@ -2636,7 +2955,7 @@
           <p:cNvPr id="4" name="Text Placeholder 3">
             <a:extLst>
               <a:ext uri="{FF2B5EF4-FFF2-40B4-BE49-F238E27FC236}">
-                <a16:creationId xmlns:a16="http://schemas.microsoft.com/office/drawing/2014/main" id="{484E08EE-5906-940A-E175-1D605085530C}"/>
+                <a16:creationId xmlns:a16="http://schemas.microsoft.com/office/drawing/2014/main" id="{1573A6F7-D5F4-6D3F-2E70-088115E609F2}"/>
               </a:ext>
             </a:extLst>
           </p:cNvPr>
@@ -2662,7 +2981,7 @@
     </p:spTree>
     <p:extLst>
       <p:ext uri="{BB962C8B-B14F-4D97-AF65-F5344CB8AC3E}">
-        <p14:creationId xmlns:p14="http://schemas.microsoft.com/office/powerpoint/2010/main" val="3059024873"/>
+        <p14:creationId xmlns:p14="http://schemas.microsoft.com/office/powerpoint/2010/main" val="1211407029"/>
       </p:ext>
     </p:extLst>
   </p:cSld>
@@ -2680,7 +2999,7 @@
         <p:cNvPr id="1" name="">
           <a:extLst>
             <a:ext uri="{FF2B5EF4-FFF2-40B4-BE49-F238E27FC236}">
-              <a16:creationId xmlns:a16="http://schemas.microsoft.com/office/drawing/2014/main" id="{587D8ACC-B59F-0166-5A94-AEDCEF434EEB}"/>
+              <a16:creationId xmlns:a16="http://schemas.microsoft.com/office/drawing/2014/main" id="{5D9F81F7-7E20-49F2-9504-5EC1076068D3}"/>
             </a:ext>
           </a:extLst>
         </p:cNvPr>
@@ -2700,7 +3019,7 @@
           <p:cNvPr id="2" name="Title 1">
             <a:extLst>
               <a:ext uri="{FF2B5EF4-FFF2-40B4-BE49-F238E27FC236}">
-                <a16:creationId xmlns:a16="http://schemas.microsoft.com/office/drawing/2014/main" id="{B2C5629B-D1E3-C42F-1742-3A546C9CA610}"/>
+                <a16:creationId xmlns:a16="http://schemas.microsoft.com/office/drawing/2014/main" id="{E078A9A5-A81C-7BF3-648A-95F6DB33151D}"/>
               </a:ext>
             </a:extLst>
           </p:cNvPr>
@@ -2728,7 +3047,7 @@
           <p:cNvPr id="3" name="Content Placeholder 2">
             <a:extLst>
               <a:ext uri="{FF2B5EF4-FFF2-40B4-BE49-F238E27FC236}">
-                <a16:creationId xmlns:a16="http://schemas.microsoft.com/office/drawing/2014/main" id="{711BA1EE-72FD-8336-F38A-CA459DB61E43}"/>
+                <a16:creationId xmlns:a16="http://schemas.microsoft.com/office/drawing/2014/main" id="{75EEDED9-DE94-869A-3858-D322052CF129}"/>
               </a:ext>
             </a:extLst>
           </p:cNvPr>
@@ -2745,7 +3064,7 @@
           <a:lstStyle/>
           <a:p>
             <a:r>
-              <a:rPr lang="en-US" dirty="0"/>
+              <a:rPr lang="en-US" sz="1000" dirty="0"/>
               <a:t>Bullets</a:t>
             </a:r>
           </a:p>
@@ -2756,7 +3075,7 @@
           <p:cNvPr id="4" name="Text Placeholder 3">
             <a:extLst>
               <a:ext uri="{FF2B5EF4-FFF2-40B4-BE49-F238E27FC236}">
-                <a16:creationId xmlns:a16="http://schemas.microsoft.com/office/drawing/2014/main" id="{FBB3A2FF-8EC5-64D1-488C-D507F0D13141}"/>
+                <a16:creationId xmlns:a16="http://schemas.microsoft.com/office/drawing/2014/main" id="{4A9B8E26-8ABD-029C-D582-F37F4064A949}"/>
               </a:ext>
             </a:extLst>
           </p:cNvPr>
@@ -2782,7 +3101,7 @@
     </p:spTree>
     <p:extLst>
       <p:ext uri="{BB962C8B-B14F-4D97-AF65-F5344CB8AC3E}">
-        <p14:creationId xmlns:p14="http://schemas.microsoft.com/office/powerpoint/2010/main" val="3919627737"/>
+        <p14:creationId xmlns:p14="http://schemas.microsoft.com/office/powerpoint/2010/main" val="1061600919"/>
       </p:ext>
     </p:extLst>
   </p:cSld>
@@ -2800,7 +3119,7 @@
         <p:cNvPr id="1" name="">
           <a:extLst>
             <a:ext uri="{FF2B5EF4-FFF2-40B4-BE49-F238E27FC236}">
-              <a16:creationId xmlns:a16="http://schemas.microsoft.com/office/drawing/2014/main" id="{6CF013B5-3181-9872-3195-96903AC3DF7A}"/>
+              <a16:creationId xmlns:a16="http://schemas.microsoft.com/office/drawing/2014/main" id="{BCFC41E0-6FA9-6D0C-A3D4-92AA874A6237}"/>
             </a:ext>
           </a:extLst>
         </p:cNvPr>
@@ -2820,7 +3139,7 @@
           <p:cNvPr id="2" name="Title 1">
             <a:extLst>
               <a:ext uri="{FF2B5EF4-FFF2-40B4-BE49-F238E27FC236}">
-                <a16:creationId xmlns:a16="http://schemas.microsoft.com/office/drawing/2014/main" id="{F467651A-BCD2-1425-55F7-24F02BFB8721}"/>
+                <a16:creationId xmlns:a16="http://schemas.microsoft.com/office/drawing/2014/main" id="{4BDCE1B3-0E7A-CF0C-C843-D1DF91A942B7}"/>
               </a:ext>
             </a:extLst>
           </p:cNvPr>
@@ -2848,7 +3167,7 @@
           <p:cNvPr id="3" name="Content Placeholder 2">
             <a:extLst>
               <a:ext uri="{FF2B5EF4-FFF2-40B4-BE49-F238E27FC236}">
-                <a16:creationId xmlns:a16="http://schemas.microsoft.com/office/drawing/2014/main" id="{9261BDDE-8F83-1FD5-737F-F727FED74026}"/>
+                <a16:creationId xmlns:a16="http://schemas.microsoft.com/office/drawing/2014/main" id="{6C11BA13-E5BF-CB4B-261A-3261C092C1B6}"/>
               </a:ext>
             </a:extLst>
           </p:cNvPr>
@@ -2865,7 +3184,7 @@
           <a:lstStyle/>
           <a:p>
             <a:r>
-              <a:rPr lang="en-US" dirty="0"/>
+              <a:rPr lang="en-US" sz="1000" dirty="0"/>
               <a:t>Bullets</a:t>
             </a:r>
           </a:p>
@@ -2876,7 +3195,7 @@
           <p:cNvPr id="4" name="Text Placeholder 3">
             <a:extLst>
               <a:ext uri="{FF2B5EF4-FFF2-40B4-BE49-F238E27FC236}">
-                <a16:creationId xmlns:a16="http://schemas.microsoft.com/office/drawing/2014/main" id="{A5E9800E-4490-C5F4-C8DD-68755CFF88FC}"/>
+                <a16:creationId xmlns:a16="http://schemas.microsoft.com/office/drawing/2014/main" id="{4896E5F9-C9E4-A39D-4B61-A8899969AF6B}"/>
               </a:ext>
             </a:extLst>
           </p:cNvPr>
@@ -2902,7 +3221,7 @@
     </p:spTree>
     <p:extLst>
       <p:ext uri="{BB962C8B-B14F-4D97-AF65-F5344CB8AC3E}">
-        <p14:creationId xmlns:p14="http://schemas.microsoft.com/office/powerpoint/2010/main" val="443663591"/>
+        <p14:creationId xmlns:p14="http://schemas.microsoft.com/office/powerpoint/2010/main" val="1436587443"/>
       </p:ext>
     </p:extLst>
   </p:cSld>
@@ -2920,7 +3239,7 @@
         <p:cNvPr id="1" name="">
           <a:extLst>
             <a:ext uri="{FF2B5EF4-FFF2-40B4-BE49-F238E27FC236}">
-              <a16:creationId xmlns:a16="http://schemas.microsoft.com/office/drawing/2014/main" id="{9B10E46C-4BB7-BD6E-3F7C-0C2D526D4C84}"/>
+              <a16:creationId xmlns:a16="http://schemas.microsoft.com/office/drawing/2014/main" id="{75AE3353-9A34-592C-C668-F4358D7F9914}"/>
             </a:ext>
           </a:extLst>
         </p:cNvPr>
@@ -2940,7 +3259,7 @@
           <p:cNvPr id="2" name="Title 1">
             <a:extLst>
               <a:ext uri="{FF2B5EF4-FFF2-40B4-BE49-F238E27FC236}">
-                <a16:creationId xmlns:a16="http://schemas.microsoft.com/office/drawing/2014/main" id="{5EE7170F-544D-1F10-1062-D263155DA74E}"/>
+                <a16:creationId xmlns:a16="http://schemas.microsoft.com/office/drawing/2014/main" id="{3048A1B2-66E9-7DC4-E188-01BB39E5FF77}"/>
               </a:ext>
             </a:extLst>
           </p:cNvPr>
@@ -2968,7 +3287,7 @@
           <p:cNvPr id="3" name="Content Placeholder 2">
             <a:extLst>
               <a:ext uri="{FF2B5EF4-FFF2-40B4-BE49-F238E27FC236}">
-                <a16:creationId xmlns:a16="http://schemas.microsoft.com/office/drawing/2014/main" id="{076B53B2-DB40-3B35-AD6C-6063152CFAF1}"/>
+                <a16:creationId xmlns:a16="http://schemas.microsoft.com/office/drawing/2014/main" id="{FA5FF7FF-B3DC-8F27-4DF3-7F72D4FF0AA8}"/>
               </a:ext>
             </a:extLst>
           </p:cNvPr>
@@ -2985,7 +3304,7 @@
           <a:lstStyle/>
           <a:p>
             <a:r>
-              <a:rPr lang="en-US" dirty="0"/>
+              <a:rPr lang="en-US" sz="1000" dirty="0"/>
               <a:t>Bullets</a:t>
             </a:r>
           </a:p>
@@ -2996,7 +3315,7 @@
           <p:cNvPr id="4" name="Text Placeholder 3">
             <a:extLst>
               <a:ext uri="{FF2B5EF4-FFF2-40B4-BE49-F238E27FC236}">
-                <a16:creationId xmlns:a16="http://schemas.microsoft.com/office/drawing/2014/main" id="{AC5E4161-3A6E-60CD-AC26-F565646DB9DF}"/>
+                <a16:creationId xmlns:a16="http://schemas.microsoft.com/office/drawing/2014/main" id="{FE9DBD8F-3AE8-6159-1508-C8DB540E8B28}"/>
               </a:ext>
             </a:extLst>
           </p:cNvPr>
@@ -3022,7 +3341,7 @@
     </p:spTree>
     <p:extLst>
       <p:ext uri="{BB962C8B-B14F-4D97-AF65-F5344CB8AC3E}">
-        <p14:creationId xmlns:p14="http://schemas.microsoft.com/office/powerpoint/2010/main" val="779254163"/>
+        <p14:creationId xmlns:p14="http://schemas.microsoft.com/office/powerpoint/2010/main" val="3800781928"/>
       </p:ext>
     </p:extLst>
   </p:cSld>
@@ -3040,7 +3359,7 @@
         <p:cNvPr id="1" name="">
           <a:extLst>
             <a:ext uri="{FF2B5EF4-FFF2-40B4-BE49-F238E27FC236}">
-              <a16:creationId xmlns:a16="http://schemas.microsoft.com/office/drawing/2014/main" id="{C47E401D-CB31-FB38-DDC8-69EB1BBAE91A}"/>
+              <a16:creationId xmlns:a16="http://schemas.microsoft.com/office/drawing/2014/main" id="{0FBE3221-22BF-47C6-116B-8D1ED14987AA}"/>
             </a:ext>
           </a:extLst>
         </p:cNvPr>
@@ -3060,7 +3379,7 @@
           <p:cNvPr id="2" name="Title 1">
             <a:extLst>
               <a:ext uri="{FF2B5EF4-FFF2-40B4-BE49-F238E27FC236}">
-                <a16:creationId xmlns:a16="http://schemas.microsoft.com/office/drawing/2014/main" id="{B87F3812-6230-DC72-985B-2C9D476B7F0B}"/>
+                <a16:creationId xmlns:a16="http://schemas.microsoft.com/office/drawing/2014/main" id="{EA0F019A-C62E-A7AC-5704-2B3412830CDD}"/>
               </a:ext>
             </a:extLst>
           </p:cNvPr>
@@ -3088,7 +3407,7 @@
           <p:cNvPr id="3" name="Content Placeholder 2">
             <a:extLst>
               <a:ext uri="{FF2B5EF4-FFF2-40B4-BE49-F238E27FC236}">
-                <a16:creationId xmlns:a16="http://schemas.microsoft.com/office/drawing/2014/main" id="{3BF68E73-55A1-40B4-B531-6D440653D161}"/>
+                <a16:creationId xmlns:a16="http://schemas.microsoft.com/office/drawing/2014/main" id="{B11A4BB0-7B17-8355-BC4F-A60408ADA213}"/>
               </a:ext>
             </a:extLst>
           </p:cNvPr>
@@ -3105,7 +3424,7 @@
           <a:lstStyle/>
           <a:p>
             <a:r>
-              <a:rPr lang="en-US" dirty="0"/>
+              <a:rPr lang="en-US" sz="1000" dirty="0"/>
               <a:t>Bullets</a:t>
             </a:r>
           </a:p>
@@ -3116,7 +3435,7 @@
           <p:cNvPr id="4" name="Text Placeholder 3">
             <a:extLst>
               <a:ext uri="{FF2B5EF4-FFF2-40B4-BE49-F238E27FC236}">
-                <a16:creationId xmlns:a16="http://schemas.microsoft.com/office/drawing/2014/main" id="{AAF550D2-3000-9D34-39F6-12AFED7CFE15}"/>
+                <a16:creationId xmlns:a16="http://schemas.microsoft.com/office/drawing/2014/main" id="{747E7333-30FC-66EC-58F6-1A06D8170957}"/>
               </a:ext>
             </a:extLst>
           </p:cNvPr>
@@ -3142,7 +3461,7 @@
     </p:spTree>
     <p:extLst>
       <p:ext uri="{BB962C8B-B14F-4D97-AF65-F5344CB8AC3E}">
-        <p14:creationId xmlns:p14="http://schemas.microsoft.com/office/powerpoint/2010/main" val="239850567"/>
+        <p14:creationId xmlns:p14="http://schemas.microsoft.com/office/powerpoint/2010/main" val="3847950072"/>
       </p:ext>
     </p:extLst>
   </p:cSld>
@@ -3160,7 +3479,7 @@
         <p:cNvPr id="1" name="">
           <a:extLst>
             <a:ext uri="{FF2B5EF4-FFF2-40B4-BE49-F238E27FC236}">
-              <a16:creationId xmlns:a16="http://schemas.microsoft.com/office/drawing/2014/main" id="{C1867908-4DEB-B47D-859B-99A1E9493093}"/>
+              <a16:creationId xmlns:a16="http://schemas.microsoft.com/office/drawing/2014/main" id="{448D7501-AC21-CFEC-AC10-F48A64440B72}"/>
             </a:ext>
           </a:extLst>
         </p:cNvPr>
@@ -3180,7 +3499,7 @@
           <p:cNvPr id="2" name="Title 1">
             <a:extLst>
               <a:ext uri="{FF2B5EF4-FFF2-40B4-BE49-F238E27FC236}">
-                <a16:creationId xmlns:a16="http://schemas.microsoft.com/office/drawing/2014/main" id="{585F6B19-4AFF-1355-7CF0-C0A49B7C712F}"/>
+                <a16:creationId xmlns:a16="http://schemas.microsoft.com/office/drawing/2014/main" id="{994CB43C-4313-561E-E133-63F15A3BB096}"/>
               </a:ext>
             </a:extLst>
           </p:cNvPr>
@@ -3208,7 +3527,7 @@
           <p:cNvPr id="3" name="Content Placeholder 2">
             <a:extLst>
               <a:ext uri="{FF2B5EF4-FFF2-40B4-BE49-F238E27FC236}">
-                <a16:creationId xmlns:a16="http://schemas.microsoft.com/office/drawing/2014/main" id="{196A9A4F-1BA5-FFD9-54E9-A5B5DF1531A0}"/>
+                <a16:creationId xmlns:a16="http://schemas.microsoft.com/office/drawing/2014/main" id="{E3E5D5FE-A105-13A7-BDCC-A3A8EDAD38FA}"/>
               </a:ext>
             </a:extLst>
           </p:cNvPr>
@@ -3225,7 +3544,7 @@
           <a:lstStyle/>
           <a:p>
             <a:r>
-              <a:rPr lang="en-US" dirty="0"/>
+              <a:rPr lang="en-US" sz="1000" dirty="0"/>
               <a:t>Bullets</a:t>
             </a:r>
           </a:p>
@@ -3236,7 +3555,7 @@
           <p:cNvPr id="4" name="Text Placeholder 3">
             <a:extLst>
               <a:ext uri="{FF2B5EF4-FFF2-40B4-BE49-F238E27FC236}">
-                <a16:creationId xmlns:a16="http://schemas.microsoft.com/office/drawing/2014/main" id="{4B402D88-951E-D69A-2E77-5FBB14791C8D}"/>
+                <a16:creationId xmlns:a16="http://schemas.microsoft.com/office/drawing/2014/main" id="{8083D854-4A31-128D-9FE0-7225B50C5F69}"/>
               </a:ext>
             </a:extLst>
           </p:cNvPr>
@@ -3262,7 +3581,7 @@
     </p:spTree>
     <p:extLst>
       <p:ext uri="{BB962C8B-B14F-4D97-AF65-F5344CB8AC3E}">
-        <p14:creationId xmlns:p14="http://schemas.microsoft.com/office/powerpoint/2010/main" val="2742716956"/>
+        <p14:creationId xmlns:p14="http://schemas.microsoft.com/office/powerpoint/2010/main" val="1189973374"/>
       </p:ext>
     </p:extLst>
   </p:cSld>
@@ -3280,7 +3599,7 @@
         <p:cNvPr id="1" name="">
           <a:extLst>
             <a:ext uri="{FF2B5EF4-FFF2-40B4-BE49-F238E27FC236}">
-              <a16:creationId xmlns:a16="http://schemas.microsoft.com/office/drawing/2014/main" id="{8757B733-B224-6808-3598-31C61FE62B00}"/>
+              <a16:creationId xmlns:a16="http://schemas.microsoft.com/office/drawing/2014/main" id="{7977320A-05B5-4C98-CE42-3133A3EFD44D}"/>
             </a:ext>
           </a:extLst>
         </p:cNvPr>
@@ -3300,7 +3619,7 @@
           <p:cNvPr id="2" name="Title 1">
             <a:extLst>
               <a:ext uri="{FF2B5EF4-FFF2-40B4-BE49-F238E27FC236}">
-                <a16:creationId xmlns:a16="http://schemas.microsoft.com/office/drawing/2014/main" id="{C9D9A515-7933-C586-5606-0078DA476CE4}"/>
+                <a16:creationId xmlns:a16="http://schemas.microsoft.com/office/drawing/2014/main" id="{5FEB408C-89D4-AC0A-32FE-001783A09593}"/>
               </a:ext>
             </a:extLst>
           </p:cNvPr>
@@ -3328,7 +3647,7 @@
           <p:cNvPr id="3" name="Content Placeholder 2">
             <a:extLst>
               <a:ext uri="{FF2B5EF4-FFF2-40B4-BE49-F238E27FC236}">
-                <a16:creationId xmlns:a16="http://schemas.microsoft.com/office/drawing/2014/main" id="{65260BC9-5000-29E2-A2DB-D68339DACCBB}"/>
+                <a16:creationId xmlns:a16="http://schemas.microsoft.com/office/drawing/2014/main" id="{75B60082-3D8C-FB11-8E65-14C8109A24FC}"/>
               </a:ext>
             </a:extLst>
           </p:cNvPr>
@@ -3345,7 +3664,7 @@
           <a:lstStyle/>
           <a:p>
             <a:r>
-              <a:rPr lang="en-US" dirty="0"/>
+              <a:rPr lang="en-US" sz="1000" dirty="0"/>
               <a:t>Bullets</a:t>
             </a:r>
           </a:p>
@@ -3356,7 +3675,7 @@
           <p:cNvPr id="4" name="Text Placeholder 3">
             <a:extLst>
               <a:ext uri="{FF2B5EF4-FFF2-40B4-BE49-F238E27FC236}">
-                <a16:creationId xmlns:a16="http://schemas.microsoft.com/office/drawing/2014/main" id="{E561C1F6-AC5F-6620-196C-86F8F4DE10A2}"/>
+                <a16:creationId xmlns:a16="http://schemas.microsoft.com/office/drawing/2014/main" id="{1C40EB30-135E-EAE1-6375-4B6699DABCAB}"/>
               </a:ext>
             </a:extLst>
           </p:cNvPr>
@@ -3382,7 +3701,7 @@
     </p:spTree>
     <p:extLst>
       <p:ext uri="{BB962C8B-B14F-4D97-AF65-F5344CB8AC3E}">
-        <p14:creationId xmlns:p14="http://schemas.microsoft.com/office/powerpoint/2010/main" val="3619232156"/>
+        <p14:creationId xmlns:p14="http://schemas.microsoft.com/office/powerpoint/2010/main" val="835620297"/>
       </p:ext>
     </p:extLst>
   </p:cSld>
@@ -3400,7 +3719,7 @@
         <p:cNvPr id="1" name="">
           <a:extLst>
             <a:ext uri="{FF2B5EF4-FFF2-40B4-BE49-F238E27FC236}">
-              <a16:creationId xmlns:a16="http://schemas.microsoft.com/office/drawing/2014/main" id="{2B0B1152-3DC8-317C-AB20-7A605A39ADC5}"/>
+              <a16:creationId xmlns:a16="http://schemas.microsoft.com/office/drawing/2014/main" id="{00C1443E-59FC-8F30-E5C8-128E9EC3E0EF}"/>
             </a:ext>
           </a:extLst>
         </p:cNvPr>
@@ -3420,7 +3739,7 @@
           <p:cNvPr id="2" name="Title 1">
             <a:extLst>
               <a:ext uri="{FF2B5EF4-FFF2-40B4-BE49-F238E27FC236}">
-                <a16:creationId xmlns:a16="http://schemas.microsoft.com/office/drawing/2014/main" id="{DAEDF2C7-5E97-946F-3C58-94F948D06CD7}"/>
+                <a16:creationId xmlns:a16="http://schemas.microsoft.com/office/drawing/2014/main" id="{D2AA71C0-7888-6382-4512-6701B04B14CA}"/>
               </a:ext>
             </a:extLst>
           </p:cNvPr>
@@ -3448,7 +3767,7 @@
           <p:cNvPr id="3" name="Content Placeholder 2">
             <a:extLst>
               <a:ext uri="{FF2B5EF4-FFF2-40B4-BE49-F238E27FC236}">
-                <a16:creationId xmlns:a16="http://schemas.microsoft.com/office/drawing/2014/main" id="{B322C85F-C087-CB27-43E9-491852D3F96C}"/>
+                <a16:creationId xmlns:a16="http://schemas.microsoft.com/office/drawing/2014/main" id="{B105A048-1FAD-8ADA-35C9-C683B6AC389E}"/>
               </a:ext>
             </a:extLst>
           </p:cNvPr>
@@ -3465,7 +3784,7 @@
           <a:lstStyle/>
           <a:p>
             <a:r>
-              <a:rPr lang="en-US" dirty="0"/>
+              <a:rPr lang="en-US" sz="1000" dirty="0"/>
               <a:t>Bullets</a:t>
             </a:r>
           </a:p>
@@ -3476,7 +3795,7 @@
           <p:cNvPr id="4" name="Text Placeholder 3">
             <a:extLst>
               <a:ext uri="{FF2B5EF4-FFF2-40B4-BE49-F238E27FC236}">
-                <a16:creationId xmlns:a16="http://schemas.microsoft.com/office/drawing/2014/main" id="{3DB2C6E5-1D54-612F-3C31-3E3C09979E54}"/>
+                <a16:creationId xmlns:a16="http://schemas.microsoft.com/office/drawing/2014/main" id="{DEF93D28-1A43-5D3C-D744-2C0E2F80ADAC}"/>
               </a:ext>
             </a:extLst>
           </p:cNvPr>
@@ -3502,7 +3821,7 @@
     </p:spTree>
     <p:extLst>
       <p:ext uri="{BB962C8B-B14F-4D97-AF65-F5344CB8AC3E}">
-        <p14:creationId xmlns:p14="http://schemas.microsoft.com/office/powerpoint/2010/main" val="1711219098"/>
+        <p14:creationId xmlns:p14="http://schemas.microsoft.com/office/powerpoint/2010/main" val="2412896933"/>
       </p:ext>
     </p:extLst>
   </p:cSld>
@@ -3520,7 +3839,7 @@
         <p:cNvPr id="1" name="">
           <a:extLst>
             <a:ext uri="{FF2B5EF4-FFF2-40B4-BE49-F238E27FC236}">
-              <a16:creationId xmlns:a16="http://schemas.microsoft.com/office/drawing/2014/main" id="{2F340BC6-2CB9-D9A3-BBA0-6DB2D120163F}"/>
+              <a16:creationId xmlns:a16="http://schemas.microsoft.com/office/drawing/2014/main" id="{EB8B01E8-876A-DC1D-EBE5-71E5B5A39A9F}"/>
             </a:ext>
           </a:extLst>
         </p:cNvPr>
@@ -3540,7 +3859,7 @@
           <p:cNvPr id="2" name="Title 1">
             <a:extLst>
               <a:ext uri="{FF2B5EF4-FFF2-40B4-BE49-F238E27FC236}">
-                <a16:creationId xmlns:a16="http://schemas.microsoft.com/office/drawing/2014/main" id="{FDCCE2E1-551E-0AE8-0760-B3058FF3A13B}"/>
+                <a16:creationId xmlns:a16="http://schemas.microsoft.com/office/drawing/2014/main" id="{04CFA2AC-12F4-3FB7-98B5-56735E1A1A86}"/>
               </a:ext>
             </a:extLst>
           </p:cNvPr>
@@ -3568,7 +3887,7 @@
           <p:cNvPr id="3" name="Content Placeholder 2">
             <a:extLst>
               <a:ext uri="{FF2B5EF4-FFF2-40B4-BE49-F238E27FC236}">
-                <a16:creationId xmlns:a16="http://schemas.microsoft.com/office/drawing/2014/main" id="{A3822458-2235-D34F-F60C-E158957E89B2}"/>
+                <a16:creationId xmlns:a16="http://schemas.microsoft.com/office/drawing/2014/main" id="{B7D117DB-2C1B-996E-17AF-7F0124DA98A1}"/>
               </a:ext>
             </a:extLst>
           </p:cNvPr>
@@ -3585,7 +3904,7 @@
           <a:lstStyle/>
           <a:p>
             <a:r>
-              <a:rPr lang="en-US" dirty="0"/>
+              <a:rPr lang="en-US" sz="1000" dirty="0"/>
               <a:t>Bullets</a:t>
             </a:r>
           </a:p>
@@ -3596,7 +3915,7 @@
           <p:cNvPr id="4" name="Text Placeholder 3">
             <a:extLst>
               <a:ext uri="{FF2B5EF4-FFF2-40B4-BE49-F238E27FC236}">
-                <a16:creationId xmlns:a16="http://schemas.microsoft.com/office/drawing/2014/main" id="{BE63C788-8B6A-58E2-6E6E-1794A9521DF3}"/>
+                <a16:creationId xmlns:a16="http://schemas.microsoft.com/office/drawing/2014/main" id="{47B55540-F59E-5FB3-3637-5225563461D7}"/>
               </a:ext>
             </a:extLst>
           </p:cNvPr>
@@ -3622,7 +3941,7 @@
     </p:spTree>
     <p:extLst>
       <p:ext uri="{BB962C8B-B14F-4D97-AF65-F5344CB8AC3E}">
-        <p14:creationId xmlns:p14="http://schemas.microsoft.com/office/powerpoint/2010/main" val="2100655239"/>
+        <p14:creationId xmlns:p14="http://schemas.microsoft.com/office/powerpoint/2010/main" val="3114906504"/>
       </p:ext>
     </p:extLst>
   </p:cSld>
@@ -3640,7 +3959,7 @@
         <p:cNvPr id="1" name="">
           <a:extLst>
             <a:ext uri="{FF2B5EF4-FFF2-40B4-BE49-F238E27FC236}">
-              <a16:creationId xmlns:a16="http://schemas.microsoft.com/office/drawing/2014/main" id="{440C62FA-D7E6-9E5B-DBA4-6C086F4AAA8E}"/>
+              <a16:creationId xmlns:a16="http://schemas.microsoft.com/office/drawing/2014/main" id="{1337ECAF-B942-716B-C924-4E1069D8956C}"/>
             </a:ext>
           </a:extLst>
         </p:cNvPr>
@@ -3660,7 +3979,7 @@
           <p:cNvPr id="2" name="Title 1">
             <a:extLst>
               <a:ext uri="{FF2B5EF4-FFF2-40B4-BE49-F238E27FC236}">
-                <a16:creationId xmlns:a16="http://schemas.microsoft.com/office/drawing/2014/main" id="{9971FD28-3171-48BC-A6DC-FE5E265A636D}"/>
+                <a16:creationId xmlns:a16="http://schemas.microsoft.com/office/drawing/2014/main" id="{E2257D32-D82B-BAE3-0A0F-284BD23564ED}"/>
               </a:ext>
             </a:extLst>
           </p:cNvPr>
@@ -3688,7 +4007,7 @@
           <p:cNvPr id="3" name="Content Placeholder 2">
             <a:extLst>
               <a:ext uri="{FF2B5EF4-FFF2-40B4-BE49-F238E27FC236}">
-                <a16:creationId xmlns:a16="http://schemas.microsoft.com/office/drawing/2014/main" id="{786294B0-EC9F-BF99-F1A1-E0E6AEF8E4B2}"/>
+                <a16:creationId xmlns:a16="http://schemas.microsoft.com/office/drawing/2014/main" id="{94DABF1E-A8E9-7E8D-EC51-025057CF1006}"/>
               </a:ext>
             </a:extLst>
           </p:cNvPr>
@@ -3705,7 +4024,7 @@
           <a:lstStyle/>
           <a:p>
             <a:r>
-              <a:rPr lang="en-US" dirty="0"/>
+              <a:rPr lang="en-US" sz="1000" dirty="0"/>
               <a:t>Bullets</a:t>
             </a:r>
           </a:p>
@@ -3716,7 +4035,7 @@
           <p:cNvPr id="4" name="Text Placeholder 3">
             <a:extLst>
               <a:ext uri="{FF2B5EF4-FFF2-40B4-BE49-F238E27FC236}">
-                <a16:creationId xmlns:a16="http://schemas.microsoft.com/office/drawing/2014/main" id="{BF38570C-14BA-18BA-F7D7-5A899F320891}"/>
+                <a16:creationId xmlns:a16="http://schemas.microsoft.com/office/drawing/2014/main" id="{B04EBFEE-5F6E-2F3C-B5CB-39896EA9538E}"/>
               </a:ext>
             </a:extLst>
           </p:cNvPr>
@@ -3742,7 +4061,7 @@
     </p:spTree>
     <p:extLst>
       <p:ext uri="{BB962C8B-B14F-4D97-AF65-F5344CB8AC3E}">
-        <p14:creationId xmlns:p14="http://schemas.microsoft.com/office/powerpoint/2010/main" val="3219010876"/>
+        <p14:creationId xmlns:p14="http://schemas.microsoft.com/office/powerpoint/2010/main" val="3038220612"/>
       </p:ext>
     </p:extLst>
   </p:cSld>
@@ -3760,7 +4079,7 @@
         <p:cNvPr id="1" name="">
           <a:extLst>
             <a:ext uri="{FF2B5EF4-FFF2-40B4-BE49-F238E27FC236}">
-              <a16:creationId xmlns:a16="http://schemas.microsoft.com/office/drawing/2014/main" id="{29797AE2-F8BB-FE91-818F-6B605B558E0A}"/>
+              <a16:creationId xmlns:a16="http://schemas.microsoft.com/office/drawing/2014/main" id="{67DB2A34-1B68-5436-2625-D3E6D0D17BAB}"/>
             </a:ext>
           </a:extLst>
         </p:cNvPr>
@@ -3780,7 +4099,7 @@
           <p:cNvPr id="2" name="Title 1">
             <a:extLst>
               <a:ext uri="{FF2B5EF4-FFF2-40B4-BE49-F238E27FC236}">
-                <a16:creationId xmlns:a16="http://schemas.microsoft.com/office/drawing/2014/main" id="{68A7BE95-EDA9-CE5F-49C0-76B76F05D70E}"/>
+                <a16:creationId xmlns:a16="http://schemas.microsoft.com/office/drawing/2014/main" id="{57C1B17A-6832-35DC-1734-12FD3B62B596}"/>
               </a:ext>
             </a:extLst>
           </p:cNvPr>
@@ -3808,7 +4127,7 @@
           <p:cNvPr id="3" name="Content Placeholder 2">
             <a:extLst>
               <a:ext uri="{FF2B5EF4-FFF2-40B4-BE49-F238E27FC236}">
-                <a16:creationId xmlns:a16="http://schemas.microsoft.com/office/drawing/2014/main" id="{C69A0B0F-58C3-650F-463B-D1698DCCD37E}"/>
+                <a16:creationId xmlns:a16="http://schemas.microsoft.com/office/drawing/2014/main" id="{7348AE94-2120-0B8E-A86F-79A8700BF1D1}"/>
               </a:ext>
             </a:extLst>
           </p:cNvPr>
@@ -3825,7 +4144,7 @@
           <a:lstStyle/>
           <a:p>
             <a:r>
-              <a:rPr lang="en-US" dirty="0"/>
+              <a:rPr lang="en-US" sz="1000" dirty="0"/>
               <a:t>Bullets</a:t>
             </a:r>
           </a:p>
@@ -3836,7 +4155,7 @@
           <p:cNvPr id="4" name="Text Placeholder 3">
             <a:extLst>
               <a:ext uri="{FF2B5EF4-FFF2-40B4-BE49-F238E27FC236}">
-                <a16:creationId xmlns:a16="http://schemas.microsoft.com/office/drawing/2014/main" id="{A77B288D-EC51-F7DE-892F-F4BE036FF845}"/>
+                <a16:creationId xmlns:a16="http://schemas.microsoft.com/office/drawing/2014/main" id="{8CD8C263-000E-F6B0-3FEE-1A6985031165}"/>
               </a:ext>
             </a:extLst>
           </p:cNvPr>
@@ -3862,7 +4181,7 @@
     </p:spTree>
     <p:extLst>
       <p:ext uri="{BB962C8B-B14F-4D97-AF65-F5344CB8AC3E}">
-        <p14:creationId xmlns:p14="http://schemas.microsoft.com/office/powerpoint/2010/main" val="2676078109"/>
+        <p14:creationId xmlns:p14="http://schemas.microsoft.com/office/powerpoint/2010/main" val="1055048221"/>
       </p:ext>
     </p:extLst>
   </p:cSld>
@@ -4467,26 +4786,6 @@
 </file>
 
 <file path=customXml/item1.xml><?xml version="1.0" encoding="utf-8"?>
-<p:properties xmlns:p="http://schemas.microsoft.com/office/2006/metadata/properties" xmlns:xsi="http://www.w3.org/2001/XMLSchema-instance" xmlns:pc="http://schemas.microsoft.com/office/infopath/2007/PartnerControls">
-  <documentManagement>
-    <TaxCatchAll xmlns="657d9a73-68e9-4aab-9d0a-be5a396e3039" xsi:nil="true"/>
-    <lcf76f155ced4ddcb4097134ff3c332f xmlns="0603a36f-7446-49ce-a8d2-2fa38b6f1b11">
-      <Terms xmlns="http://schemas.microsoft.com/office/infopath/2007/PartnerControls"/>
-    </lcf76f155ced4ddcb4097134ff3c332f>
-  </documentManagement>
-</p:properties>
-</file>
-
-<file path=customXml/item2.xml><?xml version="1.0" encoding="utf-8"?>
-<?mso-contentType ?>
-<FormTemplates xmlns="http://schemas.microsoft.com/sharepoint/v3/contenttype/forms">
-  <Display>DocumentLibraryForm</Display>
-  <Edit>DocumentLibraryForm</Edit>
-  <New>DocumentLibraryForm</New>
-</FormTemplates>
-</file>
-
-<file path=customXml/item3.xml><?xml version="1.0" encoding="utf-8"?>
 <ct:contentTypeSchema xmlns:ct="http://schemas.microsoft.com/office/2006/metadata/contentType" xmlns:ma="http://schemas.microsoft.com/office/2006/metadata/properties/metaAttributes" ct:_="" ma:_="" ma:contentTypeName="Document" ma:contentTypeID="0x010100ECD0995CF359FA49AA6FBDB4084AB626" ma:contentTypeVersion="16" ma:contentTypeDescription="Create a new document." ma:contentTypeScope="" ma:versionID="7c19f8e3323dfc30743dfe9313bae7c8">
   <xsd:schema xmlns:xsd="http://www.w3.org/2001/XMLSchema" xmlns:xs="http://www.w3.org/2001/XMLSchema" xmlns:p="http://schemas.microsoft.com/office/2006/metadata/properties" xmlns:ns2="0603a36f-7446-49ce-a8d2-2fa38b6f1b11" xmlns:ns3="657d9a73-68e9-4aab-9d0a-be5a396e3039" targetNamespace="http://schemas.microsoft.com/office/2006/metadata/properties" ma:root="true" ma:fieldsID="4c9c6e1697ab0be60127b6a09693838a" ns2:_="" ns3:_="">
     <xsd:import namespace="0603a36f-7446-49ce-a8d2-2fa38b6f1b11"/>
@@ -4727,32 +5026,27 @@
 </ct:contentTypeSchema>
 </file>
 
-<file path=customXml/itemProps1.xml><?xml version="1.0" encoding="utf-8"?>
-<ds:datastoreItem xmlns:ds="http://schemas.openxmlformats.org/officeDocument/2006/customXml" ds:itemID="{D84AD295-8FEE-42B5-A491-65CDCC128C3F}">
-  <ds:schemaRefs>
-    <ds:schemaRef ds:uri="http://schemas.microsoft.com/office/2006/documentManagement/types"/>
-    <ds:schemaRef ds:uri="http://purl.org/dc/elements/1.1/"/>
-    <ds:schemaRef ds:uri="0603a36f-7446-49ce-a8d2-2fa38b6f1b11"/>
-    <ds:schemaRef ds:uri="http://purl.org/dc/terms/"/>
-    <ds:schemaRef ds:uri="http://purl.org/dc/dcmitype/"/>
-    <ds:schemaRef ds:uri="657d9a73-68e9-4aab-9d0a-be5a396e3039"/>
-    <ds:schemaRef ds:uri="http://www.w3.org/XML/1998/namespace"/>
-    <ds:schemaRef ds:uri="http://schemas.microsoft.com/office/infopath/2007/PartnerControls"/>
-    <ds:schemaRef ds:uri="http://schemas.openxmlformats.org/package/2006/metadata/core-properties"/>
-    <ds:schemaRef ds:uri="http://schemas.microsoft.com/office/2006/metadata/properties"/>
-  </ds:schemaRefs>
-</ds:datastoreItem>
+<file path=customXml/item2.xml><?xml version="1.0" encoding="utf-8"?>
+<?mso-contentType ?>
+<FormTemplates xmlns="http://schemas.microsoft.com/sharepoint/v3/contenttype/forms">
+  <Display>DocumentLibraryForm</Display>
+  <Edit>DocumentLibraryForm</Edit>
+  <New>DocumentLibraryForm</New>
+</FormTemplates>
 </file>
 
-<file path=customXml/itemProps2.xml><?xml version="1.0" encoding="utf-8"?>
-<ds:datastoreItem xmlns:ds="http://schemas.openxmlformats.org/officeDocument/2006/customXml" ds:itemID="{DB598892-6A61-4453-9248-6D011796BDCC}">
-  <ds:schemaRefs>
-    <ds:schemaRef ds:uri="http://schemas.microsoft.com/sharepoint/v3/contenttype/forms"/>
-  </ds:schemaRefs>
-</ds:datastoreItem>
+<file path=customXml/item3.xml><?xml version="1.0" encoding="utf-8"?>
+<p:properties xmlns:p="http://schemas.microsoft.com/office/2006/metadata/properties" xmlns:xsi="http://www.w3.org/2001/XMLSchema-instance" xmlns:pc="http://schemas.microsoft.com/office/infopath/2007/PartnerControls">
+  <documentManagement>
+    <TaxCatchAll xmlns="657d9a73-68e9-4aab-9d0a-be5a396e3039" xsi:nil="true"/>
+    <lcf76f155ced4ddcb4097134ff3c332f xmlns="0603a36f-7446-49ce-a8d2-2fa38b6f1b11">
+      <Terms xmlns="http://schemas.microsoft.com/office/infopath/2007/PartnerControls"/>
+    </lcf76f155ced4ddcb4097134ff3c332f>
+  </documentManagement>
+</p:properties>
 </file>
 
-<file path=customXml/itemProps3.xml><?xml version="1.0" encoding="utf-8"?>
+<file path=customXml/itemProps1.xml><?xml version="1.0" encoding="utf-8"?>
 <ds:datastoreItem xmlns:ds="http://schemas.openxmlformats.org/officeDocument/2006/customXml" ds:itemID="{B01E52E4-C0AA-43CE-8182-9D3BD7971CCE}">
   <ds:schemaRefs>
     <ds:schemaRef ds:uri="0603a36f-7446-49ce-a8d2-2fa38b6f1b11"/>
@@ -4769,4 +5063,29 @@
     <ds:schemaRef ds:uri="http://www.w3.org/2001/XMLSchema"/>
   </ds:schemaRefs>
 </ds:datastoreItem>
+</file>
+
+<file path=customXml/itemProps2.xml><?xml version="1.0" encoding="utf-8"?>
+<ds:datastoreItem xmlns:ds="http://schemas.openxmlformats.org/officeDocument/2006/customXml" ds:itemID="{DB598892-6A61-4453-9248-6D011796BDCC}">
+  <ds:schemaRefs>
+    <ds:schemaRef ds:uri="http://schemas.microsoft.com/sharepoint/v3/contenttype/forms"/>
+  </ds:schemaRefs>
+</ds:datastoreItem>
+</file>
+
+<file path=customXml/itemProps3.xml><?xml version="1.0" encoding="utf-8"?>
+<ds:datastoreItem xmlns:ds="http://schemas.openxmlformats.org/officeDocument/2006/customXml" ds:itemID="{D84AD295-8FEE-42B5-A491-65CDCC128C3F}">
+  <ds:schemaRefs>
+    <ds:schemaRef ds:uri="http://purl.org/dc/elements/1.1/"/>
+    <ds:schemaRef ds:uri="http://purl.org/dc/terms/"/>
+    <ds:schemaRef ds:uri="657d9a73-68e9-4aab-9d0a-be5a396e3039"/>
+    <ds:schemaRef ds:uri="http://purl.org/dc/dcmitype/"/>
+    <ds:schemaRef ds:uri="http://schemas.microsoft.com/office/infopath/2007/PartnerControls"/>
+    <ds:schemaRef ds:uri="http://schemas.microsoft.com/office/2006/documentManagement/types"/>
+    <ds:schemaRef ds:uri="http://www.w3.org/XML/1998/namespace"/>
+    <ds:schemaRef ds:uri="http://schemas.openxmlformats.org/package/2006/metadata/core-properties"/>
+    <ds:schemaRef ds:uri="0603a36f-7446-49ce-a8d2-2fa38b6f1b11"/>
+    <ds:schemaRef ds:uri="http://schemas.microsoft.com/office/2006/metadata/properties"/>
+  </ds:schemaRefs>
+</ds:datastoreItem>
 </file>
--- a/Deep_Research_Template.pptx
+++ b/Deep_Research_Template.pptx
@@ -5,7 +5,7 @@
     <p:sldMasterId id="2147483672" r:id="rId4"/>
   </p:sldMasterIdLst>
   <p:notesMasterIdLst>
-    <p:notesMasterId r:id="rId25"/>
+    <p:notesMasterId r:id="rId30"/>
   </p:notesMasterIdLst>
   <p:sldIdLst>
     <p:sldId id="2147483169" r:id="rId5"/>
@@ -28,6 +28,11 @@
     <p:sldId id="2147483186" r:id="rId22"/>
     <p:sldId id="2147483187" r:id="rId23"/>
     <p:sldId id="2147483188" r:id="rId24"/>
+    <p:sldId id="2147483189" r:id="rId25"/>
+    <p:sldId id="2147483190" r:id="rId26"/>
+    <p:sldId id="2147483191" r:id="rId27"/>
+    <p:sldId id="2147483192" r:id="rId28"/>
+    <p:sldId id="2147483193" r:id="rId29"/>
   </p:sldIdLst>
   <p:sldSz cx="9144000" cy="5148263"/>
   <p:notesSz cx="6858000" cy="9144000"/>
@@ -535,7 +540,7 @@
           <a:p>
             <a:fld id="{F310AFFB-0885-5042-955A-EBE8D4F3127F}" type="datetimeFigureOut">
               <a:rPr lang="en-US" smtClean="0"/>
-              <a:t>8/5/25</a:t>
+              <a:t>8/10/25</a:t>
             </a:fld>
             <a:endParaRPr lang="en-US"/>
           </a:p>
@@ -3342,6 +3347,606 @@
     <p:extLst>
       <p:ext uri="{BB962C8B-B14F-4D97-AF65-F5344CB8AC3E}">
         <p14:creationId xmlns:p14="http://schemas.microsoft.com/office/powerpoint/2010/main" val="3800781928"/>
+      </p:ext>
+    </p:extLst>
+  </p:cSld>
+  <p:clrMapOvr>
+    <a:masterClrMapping/>
+  </p:clrMapOvr>
+</p:sld>
+</file>
+
+<file path=ppt/slides/slide21.xml><?xml version="1.0" encoding="utf-8"?>
+<p:sld xmlns:a="http://schemas.openxmlformats.org/drawingml/2006/main" xmlns:r="http://schemas.openxmlformats.org/officeDocument/2006/relationships" xmlns:p="http://schemas.openxmlformats.org/presentationml/2006/main">
+  <p:cSld>
+    <p:spTree>
+      <p:nvGrpSpPr>
+        <p:cNvPr id="1" name="">
+          <a:extLst>
+            <a:ext uri="{FF2B5EF4-FFF2-40B4-BE49-F238E27FC236}">
+              <a16:creationId xmlns:a16="http://schemas.microsoft.com/office/drawing/2014/main" id="{54E18117-34EE-0E0B-7598-752705E6335A}"/>
+            </a:ext>
+          </a:extLst>
+        </p:cNvPr>
+        <p:cNvGrpSpPr/>
+        <p:nvPr/>
+      </p:nvGrpSpPr>
+      <p:grpSpPr>
+        <a:xfrm>
+          <a:off x="0" y="0"/>
+          <a:ext cx="0" cy="0"/>
+          <a:chOff x="0" y="0"/>
+          <a:chExt cx="0" cy="0"/>
+        </a:xfrm>
+      </p:grpSpPr>
+      <p:sp>
+        <p:nvSpPr>
+          <p:cNvPr id="2" name="Title 1">
+            <a:extLst>
+              <a:ext uri="{FF2B5EF4-FFF2-40B4-BE49-F238E27FC236}">
+                <a16:creationId xmlns:a16="http://schemas.microsoft.com/office/drawing/2014/main" id="{2B243760-E1FD-112D-3B60-5FBFEC7CF3B6}"/>
+              </a:ext>
+            </a:extLst>
+          </p:cNvPr>
+          <p:cNvSpPr>
+            <a:spLocks noGrp="1"/>
+          </p:cNvSpPr>
+          <p:nvPr>
+            <p:ph type="title"/>
+          </p:nvPr>
+        </p:nvSpPr>
+        <p:spPr/>
+        <p:txBody>
+          <a:bodyPr/>
+          <a:lstStyle/>
+          <a:p>
+            <a:r>
+              <a:rPr lang="en-US" dirty="0"/>
+              <a:t>Title</a:t>
+            </a:r>
+          </a:p>
+        </p:txBody>
+      </p:sp>
+      <p:sp>
+        <p:nvSpPr>
+          <p:cNvPr id="3" name="Content Placeholder 2">
+            <a:extLst>
+              <a:ext uri="{FF2B5EF4-FFF2-40B4-BE49-F238E27FC236}">
+                <a16:creationId xmlns:a16="http://schemas.microsoft.com/office/drawing/2014/main" id="{96C49808-CF6D-4210-88CD-731BC697C730}"/>
+              </a:ext>
+            </a:extLst>
+          </p:cNvPr>
+          <p:cNvSpPr>
+            <a:spLocks noGrp="1"/>
+          </p:cNvSpPr>
+          <p:nvPr>
+            <p:ph sz="quarter" idx="10"/>
+          </p:nvPr>
+        </p:nvSpPr>
+        <p:spPr/>
+        <p:txBody>
+          <a:bodyPr/>
+          <a:lstStyle/>
+          <a:p>
+            <a:r>
+              <a:rPr lang="en-US" sz="1000" dirty="0"/>
+              <a:t>Bullets</a:t>
+            </a:r>
+          </a:p>
+        </p:txBody>
+      </p:sp>
+      <p:sp>
+        <p:nvSpPr>
+          <p:cNvPr id="4" name="Text Placeholder 3">
+            <a:extLst>
+              <a:ext uri="{FF2B5EF4-FFF2-40B4-BE49-F238E27FC236}">
+                <a16:creationId xmlns:a16="http://schemas.microsoft.com/office/drawing/2014/main" id="{807CF2A5-E223-196B-B2B4-30CE388EC511}"/>
+              </a:ext>
+            </a:extLst>
+          </p:cNvPr>
+          <p:cNvSpPr>
+            <a:spLocks noGrp="1"/>
+          </p:cNvSpPr>
+          <p:nvPr>
+            <p:ph type="body" sz="quarter" idx="11"/>
+          </p:nvPr>
+        </p:nvSpPr>
+        <p:spPr/>
+        <p:txBody>
+          <a:bodyPr/>
+          <a:lstStyle/>
+          <a:p>
+            <a:r>
+              <a:rPr lang="en-US" dirty="0"/>
+              <a:t>Subtitle</a:t>
+            </a:r>
+          </a:p>
+        </p:txBody>
+      </p:sp>
+    </p:spTree>
+    <p:extLst>
+      <p:ext uri="{BB962C8B-B14F-4D97-AF65-F5344CB8AC3E}">
+        <p14:creationId xmlns:p14="http://schemas.microsoft.com/office/powerpoint/2010/main" val="1417791082"/>
+      </p:ext>
+    </p:extLst>
+  </p:cSld>
+  <p:clrMapOvr>
+    <a:masterClrMapping/>
+  </p:clrMapOvr>
+</p:sld>
+</file>
+
+<file path=ppt/slides/slide22.xml><?xml version="1.0" encoding="utf-8"?>
+<p:sld xmlns:a="http://schemas.openxmlformats.org/drawingml/2006/main" xmlns:r="http://schemas.openxmlformats.org/officeDocument/2006/relationships" xmlns:p="http://schemas.openxmlformats.org/presentationml/2006/main">
+  <p:cSld>
+    <p:spTree>
+      <p:nvGrpSpPr>
+        <p:cNvPr id="1" name="">
+          <a:extLst>
+            <a:ext uri="{FF2B5EF4-FFF2-40B4-BE49-F238E27FC236}">
+              <a16:creationId xmlns:a16="http://schemas.microsoft.com/office/drawing/2014/main" id="{777BEEF8-A25A-567C-B216-16082E1C9710}"/>
+            </a:ext>
+          </a:extLst>
+        </p:cNvPr>
+        <p:cNvGrpSpPr/>
+        <p:nvPr/>
+      </p:nvGrpSpPr>
+      <p:grpSpPr>
+        <a:xfrm>
+          <a:off x="0" y="0"/>
+          <a:ext cx="0" cy="0"/>
+          <a:chOff x="0" y="0"/>
+          <a:chExt cx="0" cy="0"/>
+        </a:xfrm>
+      </p:grpSpPr>
+      <p:sp>
+        <p:nvSpPr>
+          <p:cNvPr id="2" name="Title 1">
+            <a:extLst>
+              <a:ext uri="{FF2B5EF4-FFF2-40B4-BE49-F238E27FC236}">
+                <a16:creationId xmlns:a16="http://schemas.microsoft.com/office/drawing/2014/main" id="{2297F09C-801E-8074-1FB9-3346EDFBB088}"/>
+              </a:ext>
+            </a:extLst>
+          </p:cNvPr>
+          <p:cNvSpPr>
+            <a:spLocks noGrp="1"/>
+          </p:cNvSpPr>
+          <p:nvPr>
+            <p:ph type="title"/>
+          </p:nvPr>
+        </p:nvSpPr>
+        <p:spPr/>
+        <p:txBody>
+          <a:bodyPr/>
+          <a:lstStyle/>
+          <a:p>
+            <a:r>
+              <a:rPr lang="en-US" dirty="0"/>
+              <a:t>Title</a:t>
+            </a:r>
+          </a:p>
+        </p:txBody>
+      </p:sp>
+      <p:sp>
+        <p:nvSpPr>
+          <p:cNvPr id="3" name="Content Placeholder 2">
+            <a:extLst>
+              <a:ext uri="{FF2B5EF4-FFF2-40B4-BE49-F238E27FC236}">
+                <a16:creationId xmlns:a16="http://schemas.microsoft.com/office/drawing/2014/main" id="{CB97C0FB-4AFD-8034-55CA-E31E3CEE68FC}"/>
+              </a:ext>
+            </a:extLst>
+          </p:cNvPr>
+          <p:cNvSpPr>
+            <a:spLocks noGrp="1"/>
+          </p:cNvSpPr>
+          <p:nvPr>
+            <p:ph sz="quarter" idx="10"/>
+          </p:nvPr>
+        </p:nvSpPr>
+        <p:spPr/>
+        <p:txBody>
+          <a:bodyPr/>
+          <a:lstStyle/>
+          <a:p>
+            <a:r>
+              <a:rPr lang="en-US" sz="1000" dirty="0"/>
+              <a:t>Bullets</a:t>
+            </a:r>
+          </a:p>
+        </p:txBody>
+      </p:sp>
+      <p:sp>
+        <p:nvSpPr>
+          <p:cNvPr id="4" name="Text Placeholder 3">
+            <a:extLst>
+              <a:ext uri="{FF2B5EF4-FFF2-40B4-BE49-F238E27FC236}">
+                <a16:creationId xmlns:a16="http://schemas.microsoft.com/office/drawing/2014/main" id="{7D4DD6C8-C6C6-7D11-E28F-8BFB1F819C54}"/>
+              </a:ext>
+            </a:extLst>
+          </p:cNvPr>
+          <p:cNvSpPr>
+            <a:spLocks noGrp="1"/>
+          </p:cNvSpPr>
+          <p:nvPr>
+            <p:ph type="body" sz="quarter" idx="11"/>
+          </p:nvPr>
+        </p:nvSpPr>
+        <p:spPr/>
+        <p:txBody>
+          <a:bodyPr/>
+          <a:lstStyle/>
+          <a:p>
+            <a:r>
+              <a:rPr lang="en-US" dirty="0"/>
+              <a:t>Subtitle</a:t>
+            </a:r>
+          </a:p>
+        </p:txBody>
+      </p:sp>
+    </p:spTree>
+    <p:extLst>
+      <p:ext uri="{BB962C8B-B14F-4D97-AF65-F5344CB8AC3E}">
+        <p14:creationId xmlns:p14="http://schemas.microsoft.com/office/powerpoint/2010/main" val="957398769"/>
+      </p:ext>
+    </p:extLst>
+  </p:cSld>
+  <p:clrMapOvr>
+    <a:masterClrMapping/>
+  </p:clrMapOvr>
+</p:sld>
+</file>
+
+<file path=ppt/slides/slide23.xml><?xml version="1.0" encoding="utf-8"?>
+<p:sld xmlns:a="http://schemas.openxmlformats.org/drawingml/2006/main" xmlns:r="http://schemas.openxmlformats.org/officeDocument/2006/relationships" xmlns:p="http://schemas.openxmlformats.org/presentationml/2006/main">
+  <p:cSld>
+    <p:spTree>
+      <p:nvGrpSpPr>
+        <p:cNvPr id="1" name="">
+          <a:extLst>
+            <a:ext uri="{FF2B5EF4-FFF2-40B4-BE49-F238E27FC236}">
+              <a16:creationId xmlns:a16="http://schemas.microsoft.com/office/drawing/2014/main" id="{CAB5DF13-0107-3ADE-C196-84414908EC8D}"/>
+            </a:ext>
+          </a:extLst>
+        </p:cNvPr>
+        <p:cNvGrpSpPr/>
+        <p:nvPr/>
+      </p:nvGrpSpPr>
+      <p:grpSpPr>
+        <a:xfrm>
+          <a:off x="0" y="0"/>
+          <a:ext cx="0" cy="0"/>
+          <a:chOff x="0" y="0"/>
+          <a:chExt cx="0" cy="0"/>
+        </a:xfrm>
+      </p:grpSpPr>
+      <p:sp>
+        <p:nvSpPr>
+          <p:cNvPr id="2" name="Title 1">
+            <a:extLst>
+              <a:ext uri="{FF2B5EF4-FFF2-40B4-BE49-F238E27FC236}">
+                <a16:creationId xmlns:a16="http://schemas.microsoft.com/office/drawing/2014/main" id="{89F5762F-EF7F-F6AD-1F63-5322DDDDA05E}"/>
+              </a:ext>
+            </a:extLst>
+          </p:cNvPr>
+          <p:cNvSpPr>
+            <a:spLocks noGrp="1"/>
+          </p:cNvSpPr>
+          <p:nvPr>
+            <p:ph type="title"/>
+          </p:nvPr>
+        </p:nvSpPr>
+        <p:spPr/>
+        <p:txBody>
+          <a:bodyPr/>
+          <a:lstStyle/>
+          <a:p>
+            <a:r>
+              <a:rPr lang="en-US" dirty="0"/>
+              <a:t>Title</a:t>
+            </a:r>
+          </a:p>
+        </p:txBody>
+      </p:sp>
+      <p:sp>
+        <p:nvSpPr>
+          <p:cNvPr id="3" name="Content Placeholder 2">
+            <a:extLst>
+              <a:ext uri="{FF2B5EF4-FFF2-40B4-BE49-F238E27FC236}">
+                <a16:creationId xmlns:a16="http://schemas.microsoft.com/office/drawing/2014/main" id="{7220A696-A539-CDC1-1527-AEE4E87969C3}"/>
+              </a:ext>
+            </a:extLst>
+          </p:cNvPr>
+          <p:cNvSpPr>
+            <a:spLocks noGrp="1"/>
+          </p:cNvSpPr>
+          <p:nvPr>
+            <p:ph sz="quarter" idx="10"/>
+          </p:nvPr>
+        </p:nvSpPr>
+        <p:spPr/>
+        <p:txBody>
+          <a:bodyPr/>
+          <a:lstStyle/>
+          <a:p>
+            <a:r>
+              <a:rPr lang="en-US" sz="1000" dirty="0"/>
+              <a:t>Bullets</a:t>
+            </a:r>
+          </a:p>
+        </p:txBody>
+      </p:sp>
+      <p:sp>
+        <p:nvSpPr>
+          <p:cNvPr id="4" name="Text Placeholder 3">
+            <a:extLst>
+              <a:ext uri="{FF2B5EF4-FFF2-40B4-BE49-F238E27FC236}">
+                <a16:creationId xmlns:a16="http://schemas.microsoft.com/office/drawing/2014/main" id="{B8F4BE1B-6465-41B2-19CF-520598C339C4}"/>
+              </a:ext>
+            </a:extLst>
+          </p:cNvPr>
+          <p:cNvSpPr>
+            <a:spLocks noGrp="1"/>
+          </p:cNvSpPr>
+          <p:nvPr>
+            <p:ph type="body" sz="quarter" idx="11"/>
+          </p:nvPr>
+        </p:nvSpPr>
+        <p:spPr/>
+        <p:txBody>
+          <a:bodyPr/>
+          <a:lstStyle/>
+          <a:p>
+            <a:r>
+              <a:rPr lang="en-US" dirty="0"/>
+              <a:t>Subtitle</a:t>
+            </a:r>
+          </a:p>
+        </p:txBody>
+      </p:sp>
+    </p:spTree>
+    <p:extLst>
+      <p:ext uri="{BB962C8B-B14F-4D97-AF65-F5344CB8AC3E}">
+        <p14:creationId xmlns:p14="http://schemas.microsoft.com/office/powerpoint/2010/main" val="2015424335"/>
+      </p:ext>
+    </p:extLst>
+  </p:cSld>
+  <p:clrMapOvr>
+    <a:masterClrMapping/>
+  </p:clrMapOvr>
+</p:sld>
+</file>
+
+<file path=ppt/slides/slide24.xml><?xml version="1.0" encoding="utf-8"?>
+<p:sld xmlns:a="http://schemas.openxmlformats.org/drawingml/2006/main" xmlns:r="http://schemas.openxmlformats.org/officeDocument/2006/relationships" xmlns:p="http://schemas.openxmlformats.org/presentationml/2006/main">
+  <p:cSld>
+    <p:spTree>
+      <p:nvGrpSpPr>
+        <p:cNvPr id="1" name="">
+          <a:extLst>
+            <a:ext uri="{FF2B5EF4-FFF2-40B4-BE49-F238E27FC236}">
+              <a16:creationId xmlns:a16="http://schemas.microsoft.com/office/drawing/2014/main" id="{60B15A51-956F-291F-79C8-D1D381A3C73A}"/>
+            </a:ext>
+          </a:extLst>
+        </p:cNvPr>
+        <p:cNvGrpSpPr/>
+        <p:nvPr/>
+      </p:nvGrpSpPr>
+      <p:grpSpPr>
+        <a:xfrm>
+          <a:off x="0" y="0"/>
+          <a:ext cx="0" cy="0"/>
+          <a:chOff x="0" y="0"/>
+          <a:chExt cx="0" cy="0"/>
+        </a:xfrm>
+      </p:grpSpPr>
+      <p:sp>
+        <p:nvSpPr>
+          <p:cNvPr id="2" name="Title 1">
+            <a:extLst>
+              <a:ext uri="{FF2B5EF4-FFF2-40B4-BE49-F238E27FC236}">
+                <a16:creationId xmlns:a16="http://schemas.microsoft.com/office/drawing/2014/main" id="{1E8F1699-989D-BDF1-A714-C7B1587E6452}"/>
+              </a:ext>
+            </a:extLst>
+          </p:cNvPr>
+          <p:cNvSpPr>
+            <a:spLocks noGrp="1"/>
+          </p:cNvSpPr>
+          <p:nvPr>
+            <p:ph type="title"/>
+          </p:nvPr>
+        </p:nvSpPr>
+        <p:spPr/>
+        <p:txBody>
+          <a:bodyPr/>
+          <a:lstStyle/>
+          <a:p>
+            <a:r>
+              <a:rPr lang="en-US" dirty="0"/>
+              <a:t>Title</a:t>
+            </a:r>
+          </a:p>
+        </p:txBody>
+      </p:sp>
+      <p:sp>
+        <p:nvSpPr>
+          <p:cNvPr id="3" name="Content Placeholder 2">
+            <a:extLst>
+              <a:ext uri="{FF2B5EF4-FFF2-40B4-BE49-F238E27FC236}">
+                <a16:creationId xmlns:a16="http://schemas.microsoft.com/office/drawing/2014/main" id="{8D00338B-1F1D-42DD-9A67-7C48FF8AFF85}"/>
+              </a:ext>
+            </a:extLst>
+          </p:cNvPr>
+          <p:cNvSpPr>
+            <a:spLocks noGrp="1"/>
+          </p:cNvSpPr>
+          <p:nvPr>
+            <p:ph sz="quarter" idx="10"/>
+          </p:nvPr>
+        </p:nvSpPr>
+        <p:spPr/>
+        <p:txBody>
+          <a:bodyPr/>
+          <a:lstStyle/>
+          <a:p>
+            <a:r>
+              <a:rPr lang="en-US" sz="1000" dirty="0"/>
+              <a:t>Bullets</a:t>
+            </a:r>
+          </a:p>
+        </p:txBody>
+      </p:sp>
+      <p:sp>
+        <p:nvSpPr>
+          <p:cNvPr id="4" name="Text Placeholder 3">
+            <a:extLst>
+              <a:ext uri="{FF2B5EF4-FFF2-40B4-BE49-F238E27FC236}">
+                <a16:creationId xmlns:a16="http://schemas.microsoft.com/office/drawing/2014/main" id="{E0106E50-1661-C41F-4315-CCBFB4572042}"/>
+              </a:ext>
+            </a:extLst>
+          </p:cNvPr>
+          <p:cNvSpPr>
+            <a:spLocks noGrp="1"/>
+          </p:cNvSpPr>
+          <p:nvPr>
+            <p:ph type="body" sz="quarter" idx="11"/>
+          </p:nvPr>
+        </p:nvSpPr>
+        <p:spPr/>
+        <p:txBody>
+          <a:bodyPr/>
+          <a:lstStyle/>
+          <a:p>
+            <a:r>
+              <a:rPr lang="en-US" dirty="0"/>
+              <a:t>Subtitle</a:t>
+            </a:r>
+          </a:p>
+        </p:txBody>
+      </p:sp>
+    </p:spTree>
+    <p:extLst>
+      <p:ext uri="{BB962C8B-B14F-4D97-AF65-F5344CB8AC3E}">
+        <p14:creationId xmlns:p14="http://schemas.microsoft.com/office/powerpoint/2010/main" val="1714326721"/>
+      </p:ext>
+    </p:extLst>
+  </p:cSld>
+  <p:clrMapOvr>
+    <a:masterClrMapping/>
+  </p:clrMapOvr>
+</p:sld>
+</file>
+
+<file path=ppt/slides/slide25.xml><?xml version="1.0" encoding="utf-8"?>
+<p:sld xmlns:a="http://schemas.openxmlformats.org/drawingml/2006/main" xmlns:r="http://schemas.openxmlformats.org/officeDocument/2006/relationships" xmlns:p="http://schemas.openxmlformats.org/presentationml/2006/main">
+  <p:cSld>
+    <p:spTree>
+      <p:nvGrpSpPr>
+        <p:cNvPr id="1" name="">
+          <a:extLst>
+            <a:ext uri="{FF2B5EF4-FFF2-40B4-BE49-F238E27FC236}">
+              <a16:creationId xmlns:a16="http://schemas.microsoft.com/office/drawing/2014/main" id="{438F71A6-0CE2-B4D9-9053-920E3B067A69}"/>
+            </a:ext>
+          </a:extLst>
+        </p:cNvPr>
+        <p:cNvGrpSpPr/>
+        <p:nvPr/>
+      </p:nvGrpSpPr>
+      <p:grpSpPr>
+        <a:xfrm>
+          <a:off x="0" y="0"/>
+          <a:ext cx="0" cy="0"/>
+          <a:chOff x="0" y="0"/>
+          <a:chExt cx="0" cy="0"/>
+        </a:xfrm>
+      </p:grpSpPr>
+      <p:sp>
+        <p:nvSpPr>
+          <p:cNvPr id="2" name="Title 1">
+            <a:extLst>
+              <a:ext uri="{FF2B5EF4-FFF2-40B4-BE49-F238E27FC236}">
+                <a16:creationId xmlns:a16="http://schemas.microsoft.com/office/drawing/2014/main" id="{99EDC279-93BE-4BC1-60EF-486226A0B058}"/>
+              </a:ext>
+            </a:extLst>
+          </p:cNvPr>
+          <p:cNvSpPr>
+            <a:spLocks noGrp="1"/>
+          </p:cNvSpPr>
+          <p:nvPr>
+            <p:ph type="title"/>
+          </p:nvPr>
+        </p:nvSpPr>
+        <p:spPr/>
+        <p:txBody>
+          <a:bodyPr/>
+          <a:lstStyle/>
+          <a:p>
+            <a:r>
+              <a:rPr lang="en-US" dirty="0"/>
+              <a:t>Title</a:t>
+            </a:r>
+          </a:p>
+        </p:txBody>
+      </p:sp>
+      <p:sp>
+        <p:nvSpPr>
+          <p:cNvPr id="3" name="Content Placeholder 2">
+            <a:extLst>
+              <a:ext uri="{FF2B5EF4-FFF2-40B4-BE49-F238E27FC236}">
+                <a16:creationId xmlns:a16="http://schemas.microsoft.com/office/drawing/2014/main" id="{D3D6949F-C3AD-E1A2-61F9-2F4B9DD0A4F9}"/>
+              </a:ext>
+            </a:extLst>
+          </p:cNvPr>
+          <p:cNvSpPr>
+            <a:spLocks noGrp="1"/>
+          </p:cNvSpPr>
+          <p:nvPr>
+            <p:ph sz="quarter" idx="10"/>
+          </p:nvPr>
+        </p:nvSpPr>
+        <p:spPr/>
+        <p:txBody>
+          <a:bodyPr/>
+          <a:lstStyle/>
+          <a:p>
+            <a:r>
+              <a:rPr lang="en-US" sz="1000" dirty="0"/>
+              <a:t>Bullets</a:t>
+            </a:r>
+          </a:p>
+        </p:txBody>
+      </p:sp>
+      <p:sp>
+        <p:nvSpPr>
+          <p:cNvPr id="4" name="Text Placeholder 3">
+            <a:extLst>
+              <a:ext uri="{FF2B5EF4-FFF2-40B4-BE49-F238E27FC236}">
+                <a16:creationId xmlns:a16="http://schemas.microsoft.com/office/drawing/2014/main" id="{B1A6E203-2B40-04A9-417B-9785EC9021CF}"/>
+              </a:ext>
+            </a:extLst>
+          </p:cNvPr>
+          <p:cNvSpPr>
+            <a:spLocks noGrp="1"/>
+          </p:cNvSpPr>
+          <p:nvPr>
+            <p:ph type="body" sz="quarter" idx="11"/>
+          </p:nvPr>
+        </p:nvSpPr>
+        <p:spPr/>
+        <p:txBody>
+          <a:bodyPr/>
+          <a:lstStyle/>
+          <a:p>
+            <a:r>
+              <a:rPr lang="en-US" dirty="0"/>
+              <a:t>Subtitle</a:t>
+            </a:r>
+          </a:p>
+        </p:txBody>
+      </p:sp>
+    </p:spTree>
+    <p:extLst>
+      <p:ext uri="{BB962C8B-B14F-4D97-AF65-F5344CB8AC3E}">
+        <p14:creationId xmlns:p14="http://schemas.microsoft.com/office/powerpoint/2010/main" val="1821352820"/>
       </p:ext>
     </p:extLst>
   </p:cSld>
@@ -4786,6 +5391,15 @@
 </file>
 
 <file path=customXml/item1.xml><?xml version="1.0" encoding="utf-8"?>
+<?mso-contentType ?>
+<FormTemplates xmlns="http://schemas.microsoft.com/sharepoint/v3/contenttype/forms">
+  <Display>DocumentLibraryForm</Display>
+  <Edit>DocumentLibraryForm</Edit>
+  <New>DocumentLibraryForm</New>
+</FormTemplates>
+</file>
+
+<file path=customXml/item2.xml><?xml version="1.0" encoding="utf-8"?>
 <ct:contentTypeSchema xmlns:ct="http://schemas.microsoft.com/office/2006/metadata/contentType" xmlns:ma="http://schemas.microsoft.com/office/2006/metadata/properties/metaAttributes" ct:_="" ma:_="" ma:contentTypeName="Document" ma:contentTypeID="0x010100ECD0995CF359FA49AA6FBDB4084AB626" ma:contentTypeVersion="16" ma:contentTypeDescription="Create a new document." ma:contentTypeScope="" ma:versionID="7c19f8e3323dfc30743dfe9313bae7c8">
   <xsd:schema xmlns:xsd="http://www.w3.org/2001/XMLSchema" xmlns:xs="http://www.w3.org/2001/XMLSchema" xmlns:p="http://schemas.microsoft.com/office/2006/metadata/properties" xmlns:ns2="0603a36f-7446-49ce-a8d2-2fa38b6f1b11" xmlns:ns3="657d9a73-68e9-4aab-9d0a-be5a396e3039" targetNamespace="http://schemas.microsoft.com/office/2006/metadata/properties" ma:root="true" ma:fieldsID="4c9c6e1697ab0be60127b6a09693838a" ns2:_="" ns3:_="">
     <xsd:import namespace="0603a36f-7446-49ce-a8d2-2fa38b6f1b11"/>
@@ -5026,15 +5640,6 @@
 </ct:contentTypeSchema>
 </file>
 
-<file path=customXml/item2.xml><?xml version="1.0" encoding="utf-8"?>
-<?mso-contentType ?>
-<FormTemplates xmlns="http://schemas.microsoft.com/sharepoint/v3/contenttype/forms">
-  <Display>DocumentLibraryForm</Display>
-  <Edit>DocumentLibraryForm</Edit>
-  <New>DocumentLibraryForm</New>
-</FormTemplates>
-</file>
-
 <file path=customXml/item3.xml><?xml version="1.0" encoding="utf-8"?>
 <p:properties xmlns:p="http://schemas.microsoft.com/office/2006/metadata/properties" xmlns:xsi="http://www.w3.org/2001/XMLSchema-instance" xmlns:pc="http://schemas.microsoft.com/office/infopath/2007/PartnerControls">
   <documentManagement>
@@ -5047,6 +5652,14 @@
 </file>
 
 <file path=customXml/itemProps1.xml><?xml version="1.0" encoding="utf-8"?>
+<ds:datastoreItem xmlns:ds="http://schemas.openxmlformats.org/officeDocument/2006/customXml" ds:itemID="{DB598892-6A61-4453-9248-6D011796BDCC}">
+  <ds:schemaRefs>
+    <ds:schemaRef ds:uri="http://schemas.microsoft.com/sharepoint/v3/contenttype/forms"/>
+  </ds:schemaRefs>
+</ds:datastoreItem>
+</file>
+
+<file path=customXml/itemProps2.xml><?xml version="1.0" encoding="utf-8"?>
 <ds:datastoreItem xmlns:ds="http://schemas.openxmlformats.org/officeDocument/2006/customXml" ds:itemID="{B01E52E4-C0AA-43CE-8182-9D3BD7971CCE}">
   <ds:schemaRefs>
     <ds:schemaRef ds:uri="0603a36f-7446-49ce-a8d2-2fa38b6f1b11"/>
@@ -5061,14 +5674,6 @@
     <ds:schemaRef ds:uri="http://schemas.microsoft.com/office/infopath/2007/PartnerControls"/>
     <ds:schemaRef ds:uri="http://schemas.openxmlformats.org/package/2006/metadata/core-properties"/>
     <ds:schemaRef ds:uri="http://www.w3.org/2001/XMLSchema"/>
-  </ds:schemaRefs>
-</ds:datastoreItem>
-</file>
-
-<file path=customXml/itemProps2.xml><?xml version="1.0" encoding="utf-8"?>
-<ds:datastoreItem xmlns:ds="http://schemas.openxmlformats.org/officeDocument/2006/customXml" ds:itemID="{DB598892-6A61-4453-9248-6D011796BDCC}">
-  <ds:schemaRefs>
-    <ds:schemaRef ds:uri="http://schemas.microsoft.com/sharepoint/v3/contenttype/forms"/>
   </ds:schemaRefs>
 </ds:datastoreItem>
 </file>

--- a/Deep_Research_Template.pptx
+++ b/Deep_Research_Template.pptx
@@ -540,7 +540,7 @@
           <a:p>
             <a:fld id="{F310AFFB-0885-5042-955A-EBE8D4F3127F}" type="datetimeFigureOut">
               <a:rPr lang="en-US" smtClean="0"/>
-              <a:t>8/10/25</a:t>
+              <a:t>8/11/25</a:t>
             </a:fld>
             <a:endParaRPr lang="en-US"/>
           </a:p>
@@ -1869,7 +1869,7 @@
           <a:lstStyle/>
           <a:p>
             <a:r>
-              <a:rPr lang="en-US" sz="1000" dirty="0"/>
+              <a:rPr lang="en-US" sz="900" dirty="0"/>
               <a:t>Bullets</a:t>
             </a:r>
           </a:p>
@@ -1924,7 +1924,7 @@
         <p:cNvPr id="1" name="">
           <a:extLst>
             <a:ext uri="{FF2B5EF4-FFF2-40B4-BE49-F238E27FC236}">
-              <a16:creationId xmlns:a16="http://schemas.microsoft.com/office/drawing/2014/main" id="{4CF2BC89-6F72-5673-F99E-F5E8F23EB17A}"/>
+              <a16:creationId xmlns:a16="http://schemas.microsoft.com/office/drawing/2014/main" id="{B7360EE2-D6A3-524B-13B1-3AC629459129}"/>
             </a:ext>
           </a:extLst>
         </p:cNvPr>
@@ -1944,7 +1944,7 @@
           <p:cNvPr id="2" name="Title 1">
             <a:extLst>
               <a:ext uri="{FF2B5EF4-FFF2-40B4-BE49-F238E27FC236}">
-                <a16:creationId xmlns:a16="http://schemas.microsoft.com/office/drawing/2014/main" id="{EDF39CFB-84E0-D851-6608-553F2CB6E1BF}"/>
+                <a16:creationId xmlns:a16="http://schemas.microsoft.com/office/drawing/2014/main" id="{B052A866-B48E-4424-CD07-8D751F11DA45}"/>
               </a:ext>
             </a:extLst>
           </p:cNvPr>
@@ -1972,7 +1972,7 @@
           <p:cNvPr id="3" name="Content Placeholder 2">
             <a:extLst>
               <a:ext uri="{FF2B5EF4-FFF2-40B4-BE49-F238E27FC236}">
-                <a16:creationId xmlns:a16="http://schemas.microsoft.com/office/drawing/2014/main" id="{D01B41BA-D7F0-CDB5-F906-EC767EDE4407}"/>
+                <a16:creationId xmlns:a16="http://schemas.microsoft.com/office/drawing/2014/main" id="{0F0C4549-A454-D881-3DF2-C6871A678E1F}"/>
               </a:ext>
             </a:extLst>
           </p:cNvPr>
@@ -1989,7 +1989,7 @@
           <a:lstStyle/>
           <a:p>
             <a:r>
-              <a:rPr lang="en-US" sz="1000" dirty="0"/>
+              <a:rPr lang="en-US" sz="900" dirty="0"/>
               <a:t>Bullets</a:t>
             </a:r>
           </a:p>
@@ -2000,7 +2000,7 @@
           <p:cNvPr id="4" name="Text Placeholder 3">
             <a:extLst>
               <a:ext uri="{FF2B5EF4-FFF2-40B4-BE49-F238E27FC236}">
-                <a16:creationId xmlns:a16="http://schemas.microsoft.com/office/drawing/2014/main" id="{35262C0C-42B1-289A-8833-BC51F539A21E}"/>
+                <a16:creationId xmlns:a16="http://schemas.microsoft.com/office/drawing/2014/main" id="{23B83BF7-AEB8-767F-37A0-DCF6F33297B4}"/>
               </a:ext>
             </a:extLst>
           </p:cNvPr>
@@ -2026,7 +2026,7 @@
     </p:spTree>
     <p:extLst>
       <p:ext uri="{BB962C8B-B14F-4D97-AF65-F5344CB8AC3E}">
-        <p14:creationId xmlns:p14="http://schemas.microsoft.com/office/powerpoint/2010/main" val="1832590250"/>
+        <p14:creationId xmlns:p14="http://schemas.microsoft.com/office/powerpoint/2010/main" val="4257901931"/>
       </p:ext>
     </p:extLst>
   </p:cSld>
@@ -2044,7 +2044,7 @@
         <p:cNvPr id="1" name="">
           <a:extLst>
             <a:ext uri="{FF2B5EF4-FFF2-40B4-BE49-F238E27FC236}">
-              <a16:creationId xmlns:a16="http://schemas.microsoft.com/office/drawing/2014/main" id="{4DAE8B63-02D7-3F37-C75C-C80EB0E03999}"/>
+              <a16:creationId xmlns:a16="http://schemas.microsoft.com/office/drawing/2014/main" id="{8763E552-B6A9-84FE-7F11-3629BC748A51}"/>
             </a:ext>
           </a:extLst>
         </p:cNvPr>
@@ -2064,7 +2064,7 @@
           <p:cNvPr id="2" name="Title 1">
             <a:extLst>
               <a:ext uri="{FF2B5EF4-FFF2-40B4-BE49-F238E27FC236}">
-                <a16:creationId xmlns:a16="http://schemas.microsoft.com/office/drawing/2014/main" id="{BDF57ED2-EED2-5327-20C5-6DB2BB76DB4B}"/>
+                <a16:creationId xmlns:a16="http://schemas.microsoft.com/office/drawing/2014/main" id="{48BBB3CC-208C-CDD5-6744-FEE194E88DAB}"/>
               </a:ext>
             </a:extLst>
           </p:cNvPr>
@@ -2092,7 +2092,7 @@
           <p:cNvPr id="3" name="Content Placeholder 2">
             <a:extLst>
               <a:ext uri="{FF2B5EF4-FFF2-40B4-BE49-F238E27FC236}">
-                <a16:creationId xmlns:a16="http://schemas.microsoft.com/office/drawing/2014/main" id="{8B9C4BB0-1583-EC38-4737-9E3A6636CC51}"/>
+                <a16:creationId xmlns:a16="http://schemas.microsoft.com/office/drawing/2014/main" id="{50D6946B-30DF-8A84-57BE-4B2D5712139E}"/>
               </a:ext>
             </a:extLst>
           </p:cNvPr>
@@ -2109,7 +2109,7 @@
           <a:lstStyle/>
           <a:p>
             <a:r>
-              <a:rPr lang="en-US" sz="1000" dirty="0"/>
+              <a:rPr lang="en-US" sz="900" dirty="0"/>
               <a:t>Bullets</a:t>
             </a:r>
           </a:p>
@@ -2120,7 +2120,7 @@
           <p:cNvPr id="4" name="Text Placeholder 3">
             <a:extLst>
               <a:ext uri="{FF2B5EF4-FFF2-40B4-BE49-F238E27FC236}">
-                <a16:creationId xmlns:a16="http://schemas.microsoft.com/office/drawing/2014/main" id="{C9B240E3-B183-2062-79A3-ABC7CEAA043E}"/>
+                <a16:creationId xmlns:a16="http://schemas.microsoft.com/office/drawing/2014/main" id="{77F0A8C0-F446-5C80-7B40-27B2F03DDE47}"/>
               </a:ext>
             </a:extLst>
           </p:cNvPr>
@@ -2146,7 +2146,7 @@
     </p:spTree>
     <p:extLst>
       <p:ext uri="{BB962C8B-B14F-4D97-AF65-F5344CB8AC3E}">
-        <p14:creationId xmlns:p14="http://schemas.microsoft.com/office/powerpoint/2010/main" val="257704142"/>
+        <p14:creationId xmlns:p14="http://schemas.microsoft.com/office/powerpoint/2010/main" val="531956471"/>
       </p:ext>
     </p:extLst>
   </p:cSld>
@@ -2164,7 +2164,7 @@
         <p:cNvPr id="1" name="">
           <a:extLst>
             <a:ext uri="{FF2B5EF4-FFF2-40B4-BE49-F238E27FC236}">
-              <a16:creationId xmlns:a16="http://schemas.microsoft.com/office/drawing/2014/main" id="{B93B5EE5-2A1B-641E-66A4-6921C3813A71}"/>
+              <a16:creationId xmlns:a16="http://schemas.microsoft.com/office/drawing/2014/main" id="{1573FEBB-6539-A905-C96F-2192489939A1}"/>
             </a:ext>
           </a:extLst>
         </p:cNvPr>
@@ -2184,7 +2184,7 @@
           <p:cNvPr id="2" name="Title 1">
             <a:extLst>
               <a:ext uri="{FF2B5EF4-FFF2-40B4-BE49-F238E27FC236}">
-                <a16:creationId xmlns:a16="http://schemas.microsoft.com/office/drawing/2014/main" id="{1F487426-A767-5A7F-1120-63701628A760}"/>
+                <a16:creationId xmlns:a16="http://schemas.microsoft.com/office/drawing/2014/main" id="{CE87E5BA-3CB4-4EB6-3304-693D1DEC83CB}"/>
               </a:ext>
             </a:extLst>
           </p:cNvPr>
@@ -2212,7 +2212,7 @@
           <p:cNvPr id="3" name="Content Placeholder 2">
             <a:extLst>
               <a:ext uri="{FF2B5EF4-FFF2-40B4-BE49-F238E27FC236}">
-                <a16:creationId xmlns:a16="http://schemas.microsoft.com/office/drawing/2014/main" id="{69549AE5-18F9-0D99-1261-7ACC0EAECF64}"/>
+                <a16:creationId xmlns:a16="http://schemas.microsoft.com/office/drawing/2014/main" id="{8C0856EC-E2CA-5C19-8DF2-86DB10C56B6A}"/>
               </a:ext>
             </a:extLst>
           </p:cNvPr>
@@ -2229,7 +2229,7 @@
           <a:lstStyle/>
           <a:p>
             <a:r>
-              <a:rPr lang="en-US" sz="1000" dirty="0"/>
+              <a:rPr lang="en-US" sz="900" dirty="0"/>
               <a:t>Bullets</a:t>
             </a:r>
           </a:p>
@@ -2240,7 +2240,7 @@
           <p:cNvPr id="4" name="Text Placeholder 3">
             <a:extLst>
               <a:ext uri="{FF2B5EF4-FFF2-40B4-BE49-F238E27FC236}">
-                <a16:creationId xmlns:a16="http://schemas.microsoft.com/office/drawing/2014/main" id="{3AA0169C-C7D3-7C28-8521-E5E20043CDE3}"/>
+                <a16:creationId xmlns:a16="http://schemas.microsoft.com/office/drawing/2014/main" id="{C2C2CEE6-C63B-4427-801C-D9D09B576AD1}"/>
               </a:ext>
             </a:extLst>
           </p:cNvPr>
@@ -2266,7 +2266,7 @@
     </p:spTree>
     <p:extLst>
       <p:ext uri="{BB962C8B-B14F-4D97-AF65-F5344CB8AC3E}">
-        <p14:creationId xmlns:p14="http://schemas.microsoft.com/office/powerpoint/2010/main" val="2259719990"/>
+        <p14:creationId xmlns:p14="http://schemas.microsoft.com/office/powerpoint/2010/main" val="3707704025"/>
       </p:ext>
     </p:extLst>
   </p:cSld>
@@ -2284,7 +2284,7 @@
         <p:cNvPr id="1" name="">
           <a:extLst>
             <a:ext uri="{FF2B5EF4-FFF2-40B4-BE49-F238E27FC236}">
-              <a16:creationId xmlns:a16="http://schemas.microsoft.com/office/drawing/2014/main" id="{79FC85E6-61C8-38A7-CE8A-EDC736B37FF5}"/>
+              <a16:creationId xmlns:a16="http://schemas.microsoft.com/office/drawing/2014/main" id="{5BEBA9DD-D6E7-219C-CAB5-82E62B344F1A}"/>
             </a:ext>
           </a:extLst>
         </p:cNvPr>
@@ -2304,7 +2304,7 @@
           <p:cNvPr id="2" name="Title 1">
             <a:extLst>
               <a:ext uri="{FF2B5EF4-FFF2-40B4-BE49-F238E27FC236}">
-                <a16:creationId xmlns:a16="http://schemas.microsoft.com/office/drawing/2014/main" id="{1AF8C3CC-A791-F5D2-03C9-82C36BB9E5F6}"/>
+                <a16:creationId xmlns:a16="http://schemas.microsoft.com/office/drawing/2014/main" id="{370D1EB7-E30A-451E-B114-D0E155490E0A}"/>
               </a:ext>
             </a:extLst>
           </p:cNvPr>
@@ -2332,7 +2332,7 @@
           <p:cNvPr id="3" name="Content Placeholder 2">
             <a:extLst>
               <a:ext uri="{FF2B5EF4-FFF2-40B4-BE49-F238E27FC236}">
-                <a16:creationId xmlns:a16="http://schemas.microsoft.com/office/drawing/2014/main" id="{4C0F307E-6CE2-D500-27DE-0C3642E4ABF7}"/>
+                <a16:creationId xmlns:a16="http://schemas.microsoft.com/office/drawing/2014/main" id="{7D15A557-42D7-FC54-DAD1-BCA87CF8A43D}"/>
               </a:ext>
             </a:extLst>
           </p:cNvPr>
@@ -2349,7 +2349,7 @@
           <a:lstStyle/>
           <a:p>
             <a:r>
-              <a:rPr lang="en-US" sz="1000" dirty="0"/>
+              <a:rPr lang="en-US" sz="900" dirty="0"/>
               <a:t>Bullets</a:t>
             </a:r>
           </a:p>
@@ -2360,7 +2360,7 @@
           <p:cNvPr id="4" name="Text Placeholder 3">
             <a:extLst>
               <a:ext uri="{FF2B5EF4-FFF2-40B4-BE49-F238E27FC236}">
-                <a16:creationId xmlns:a16="http://schemas.microsoft.com/office/drawing/2014/main" id="{02C99479-A93A-ED18-1237-1F097C81D1BE}"/>
+                <a16:creationId xmlns:a16="http://schemas.microsoft.com/office/drawing/2014/main" id="{F5605A24-3BB2-E617-AE6C-289EC4B2361C}"/>
               </a:ext>
             </a:extLst>
           </p:cNvPr>
@@ -2386,7 +2386,7 @@
     </p:spTree>
     <p:extLst>
       <p:ext uri="{BB962C8B-B14F-4D97-AF65-F5344CB8AC3E}">
-        <p14:creationId xmlns:p14="http://schemas.microsoft.com/office/powerpoint/2010/main" val="4108992144"/>
+        <p14:creationId xmlns:p14="http://schemas.microsoft.com/office/powerpoint/2010/main" val="1840251556"/>
       </p:ext>
     </p:extLst>
   </p:cSld>
@@ -2404,7 +2404,7 @@
         <p:cNvPr id="1" name="">
           <a:extLst>
             <a:ext uri="{FF2B5EF4-FFF2-40B4-BE49-F238E27FC236}">
-              <a16:creationId xmlns:a16="http://schemas.microsoft.com/office/drawing/2014/main" id="{567D8BAD-7B19-5520-D0E6-0BBB293D68D6}"/>
+              <a16:creationId xmlns:a16="http://schemas.microsoft.com/office/drawing/2014/main" id="{4B503AAE-8349-1100-45B5-053F58A6CCF5}"/>
             </a:ext>
           </a:extLst>
         </p:cNvPr>
@@ -2424,7 +2424,7 @@
           <p:cNvPr id="2" name="Title 1">
             <a:extLst>
               <a:ext uri="{FF2B5EF4-FFF2-40B4-BE49-F238E27FC236}">
-                <a16:creationId xmlns:a16="http://schemas.microsoft.com/office/drawing/2014/main" id="{6B2D02BB-1406-ADB8-241B-CABE72F255DF}"/>
+                <a16:creationId xmlns:a16="http://schemas.microsoft.com/office/drawing/2014/main" id="{BBE7FFCF-CE54-692A-81B4-BD90978DA6A6}"/>
               </a:ext>
             </a:extLst>
           </p:cNvPr>
@@ -2452,7 +2452,7 @@
           <p:cNvPr id="3" name="Content Placeholder 2">
             <a:extLst>
               <a:ext uri="{FF2B5EF4-FFF2-40B4-BE49-F238E27FC236}">
-                <a16:creationId xmlns:a16="http://schemas.microsoft.com/office/drawing/2014/main" id="{6FCA4E49-AFF1-29E4-1027-2FFF55CE6A31}"/>
+                <a16:creationId xmlns:a16="http://schemas.microsoft.com/office/drawing/2014/main" id="{FDC640BA-FA0C-33E2-18B1-D1E3DC6F90EE}"/>
               </a:ext>
             </a:extLst>
           </p:cNvPr>
@@ -2469,7 +2469,7 @@
           <a:lstStyle/>
           <a:p>
             <a:r>
-              <a:rPr lang="en-US" sz="1000" dirty="0"/>
+              <a:rPr lang="en-US" sz="900" dirty="0"/>
               <a:t>Bullets</a:t>
             </a:r>
           </a:p>
@@ -2480,7 +2480,7 @@
           <p:cNvPr id="4" name="Text Placeholder 3">
             <a:extLst>
               <a:ext uri="{FF2B5EF4-FFF2-40B4-BE49-F238E27FC236}">
-                <a16:creationId xmlns:a16="http://schemas.microsoft.com/office/drawing/2014/main" id="{2B59466F-745D-B36D-6194-337B3AE8F807}"/>
+                <a16:creationId xmlns:a16="http://schemas.microsoft.com/office/drawing/2014/main" id="{875CD6AB-2F21-B49F-0BB5-C88B48D20809}"/>
               </a:ext>
             </a:extLst>
           </p:cNvPr>
@@ -2506,7 +2506,7 @@
     </p:spTree>
     <p:extLst>
       <p:ext uri="{BB962C8B-B14F-4D97-AF65-F5344CB8AC3E}">
-        <p14:creationId xmlns:p14="http://schemas.microsoft.com/office/powerpoint/2010/main" val="3113380086"/>
+        <p14:creationId xmlns:p14="http://schemas.microsoft.com/office/powerpoint/2010/main" val="4044126625"/>
       </p:ext>
     </p:extLst>
   </p:cSld>
@@ -2524,7 +2524,7 @@
         <p:cNvPr id="1" name="">
           <a:extLst>
             <a:ext uri="{FF2B5EF4-FFF2-40B4-BE49-F238E27FC236}">
-              <a16:creationId xmlns:a16="http://schemas.microsoft.com/office/drawing/2014/main" id="{C2E9A0DD-9727-E87C-A4A9-8293A04EAFF5}"/>
+              <a16:creationId xmlns:a16="http://schemas.microsoft.com/office/drawing/2014/main" id="{E52D9D6C-5392-6AF2-0063-D933945751E1}"/>
             </a:ext>
           </a:extLst>
         </p:cNvPr>
@@ -2544,7 +2544,7 @@
           <p:cNvPr id="2" name="Title 1">
             <a:extLst>
               <a:ext uri="{FF2B5EF4-FFF2-40B4-BE49-F238E27FC236}">
-                <a16:creationId xmlns:a16="http://schemas.microsoft.com/office/drawing/2014/main" id="{1F0183DF-0AC8-A368-9599-85458C462550}"/>
+                <a16:creationId xmlns:a16="http://schemas.microsoft.com/office/drawing/2014/main" id="{997E051F-174C-5A40-6607-FEC0D564BAB1}"/>
               </a:ext>
             </a:extLst>
           </p:cNvPr>
@@ -2572,7 +2572,7 @@
           <p:cNvPr id="3" name="Content Placeholder 2">
             <a:extLst>
               <a:ext uri="{FF2B5EF4-FFF2-40B4-BE49-F238E27FC236}">
-                <a16:creationId xmlns:a16="http://schemas.microsoft.com/office/drawing/2014/main" id="{C961F6F0-82F4-381A-143A-C94EE2D65092}"/>
+                <a16:creationId xmlns:a16="http://schemas.microsoft.com/office/drawing/2014/main" id="{E8F4D993-746B-8626-08C0-A93B0F189445}"/>
               </a:ext>
             </a:extLst>
           </p:cNvPr>
@@ -2589,7 +2589,7 @@
           <a:lstStyle/>
           <a:p>
             <a:r>
-              <a:rPr lang="en-US" sz="1000" dirty="0"/>
+              <a:rPr lang="en-US" sz="900" dirty="0"/>
               <a:t>Bullets</a:t>
             </a:r>
           </a:p>
@@ -2600,7 +2600,7 @@
           <p:cNvPr id="4" name="Text Placeholder 3">
             <a:extLst>
               <a:ext uri="{FF2B5EF4-FFF2-40B4-BE49-F238E27FC236}">
-                <a16:creationId xmlns:a16="http://schemas.microsoft.com/office/drawing/2014/main" id="{52A63353-96A3-077B-1AB5-95646560805A}"/>
+                <a16:creationId xmlns:a16="http://schemas.microsoft.com/office/drawing/2014/main" id="{A0AFA2AF-5AF7-5DB9-6E76-62F0C309813F}"/>
               </a:ext>
             </a:extLst>
           </p:cNvPr>
@@ -2626,7 +2626,7 @@
     </p:spTree>
     <p:extLst>
       <p:ext uri="{BB962C8B-B14F-4D97-AF65-F5344CB8AC3E}">
-        <p14:creationId xmlns:p14="http://schemas.microsoft.com/office/powerpoint/2010/main" val="608651512"/>
+        <p14:creationId xmlns:p14="http://schemas.microsoft.com/office/powerpoint/2010/main" val="1101574089"/>
       </p:ext>
     </p:extLst>
   </p:cSld>
@@ -2644,7 +2644,7 @@
         <p:cNvPr id="1" name="">
           <a:extLst>
             <a:ext uri="{FF2B5EF4-FFF2-40B4-BE49-F238E27FC236}">
-              <a16:creationId xmlns:a16="http://schemas.microsoft.com/office/drawing/2014/main" id="{2D37C43C-7E17-9513-F0F2-161F75897148}"/>
+              <a16:creationId xmlns:a16="http://schemas.microsoft.com/office/drawing/2014/main" id="{3A009493-44B8-37DF-EC66-7D6A92BEA7F6}"/>
             </a:ext>
           </a:extLst>
         </p:cNvPr>
@@ -2664,7 +2664,7 @@
           <p:cNvPr id="2" name="Title 1">
             <a:extLst>
               <a:ext uri="{FF2B5EF4-FFF2-40B4-BE49-F238E27FC236}">
-                <a16:creationId xmlns:a16="http://schemas.microsoft.com/office/drawing/2014/main" id="{8858A3DC-5F31-51C2-FF83-1C235F699280}"/>
+                <a16:creationId xmlns:a16="http://schemas.microsoft.com/office/drawing/2014/main" id="{5D63D1A8-47B8-334E-304B-2322AAC50EED}"/>
               </a:ext>
             </a:extLst>
           </p:cNvPr>
@@ -2692,7 +2692,7 @@
           <p:cNvPr id="3" name="Content Placeholder 2">
             <a:extLst>
               <a:ext uri="{FF2B5EF4-FFF2-40B4-BE49-F238E27FC236}">
-                <a16:creationId xmlns:a16="http://schemas.microsoft.com/office/drawing/2014/main" id="{216825A2-2D6B-1F5A-D037-4A3A1A74EDA3}"/>
+                <a16:creationId xmlns:a16="http://schemas.microsoft.com/office/drawing/2014/main" id="{0E0C13F6-73CD-19C2-09E5-FE5C2D9AF978}"/>
               </a:ext>
             </a:extLst>
           </p:cNvPr>
@@ -2709,7 +2709,7 @@
           <a:lstStyle/>
           <a:p>
             <a:r>
-              <a:rPr lang="en-US" sz="1000" dirty="0"/>
+              <a:rPr lang="en-US" sz="900" dirty="0"/>
               <a:t>Bullets</a:t>
             </a:r>
           </a:p>
@@ -2720,7 +2720,7 @@
           <p:cNvPr id="4" name="Text Placeholder 3">
             <a:extLst>
               <a:ext uri="{FF2B5EF4-FFF2-40B4-BE49-F238E27FC236}">
-                <a16:creationId xmlns:a16="http://schemas.microsoft.com/office/drawing/2014/main" id="{0E026F51-CC45-ED9F-B5D6-F3DBCD2F67D8}"/>
+                <a16:creationId xmlns:a16="http://schemas.microsoft.com/office/drawing/2014/main" id="{86128C90-6A90-66C7-4D9C-64A8DC721E0B}"/>
               </a:ext>
             </a:extLst>
           </p:cNvPr>
@@ -2746,7 +2746,7 @@
     </p:spTree>
     <p:extLst>
       <p:ext uri="{BB962C8B-B14F-4D97-AF65-F5344CB8AC3E}">
-        <p14:creationId xmlns:p14="http://schemas.microsoft.com/office/powerpoint/2010/main" val="2804393850"/>
+        <p14:creationId xmlns:p14="http://schemas.microsoft.com/office/powerpoint/2010/main" val="1891363033"/>
       </p:ext>
     </p:extLst>
   </p:cSld>
@@ -2764,7 +2764,7 @@
         <p:cNvPr id="1" name="">
           <a:extLst>
             <a:ext uri="{FF2B5EF4-FFF2-40B4-BE49-F238E27FC236}">
-              <a16:creationId xmlns:a16="http://schemas.microsoft.com/office/drawing/2014/main" id="{9E0FD8A5-86C8-F59A-10F3-47DDCC6B775F}"/>
+              <a16:creationId xmlns:a16="http://schemas.microsoft.com/office/drawing/2014/main" id="{6A60B4B2-3784-3DAE-2930-00349DAAC5CD}"/>
             </a:ext>
           </a:extLst>
         </p:cNvPr>
@@ -2784,7 +2784,7 @@
           <p:cNvPr id="2" name="Title 1">
             <a:extLst>
               <a:ext uri="{FF2B5EF4-FFF2-40B4-BE49-F238E27FC236}">
-                <a16:creationId xmlns:a16="http://schemas.microsoft.com/office/drawing/2014/main" id="{344F7514-F7F5-001D-F915-F8AFB909BFF6}"/>
+                <a16:creationId xmlns:a16="http://schemas.microsoft.com/office/drawing/2014/main" id="{6B99798D-69DA-1982-D685-0FB857FC4050}"/>
               </a:ext>
             </a:extLst>
           </p:cNvPr>
@@ -2812,7 +2812,7 @@
           <p:cNvPr id="3" name="Content Placeholder 2">
             <a:extLst>
               <a:ext uri="{FF2B5EF4-FFF2-40B4-BE49-F238E27FC236}">
-                <a16:creationId xmlns:a16="http://schemas.microsoft.com/office/drawing/2014/main" id="{C7AAAB27-C72D-EDD3-78EB-D28DEC033B58}"/>
+                <a16:creationId xmlns:a16="http://schemas.microsoft.com/office/drawing/2014/main" id="{BEE4716A-69D9-49AE-642C-D89B66534F39}"/>
               </a:ext>
             </a:extLst>
           </p:cNvPr>
@@ -2829,7 +2829,7 @@
           <a:lstStyle/>
           <a:p>
             <a:r>
-              <a:rPr lang="en-US" sz="1000" dirty="0"/>
+              <a:rPr lang="en-US" sz="900" dirty="0"/>
               <a:t>Bullets</a:t>
             </a:r>
           </a:p>
@@ -2840,7 +2840,7 @@
           <p:cNvPr id="4" name="Text Placeholder 3">
             <a:extLst>
               <a:ext uri="{FF2B5EF4-FFF2-40B4-BE49-F238E27FC236}">
-                <a16:creationId xmlns:a16="http://schemas.microsoft.com/office/drawing/2014/main" id="{826A7EDA-4B3D-52F6-008A-BFE0F42EA505}"/>
+                <a16:creationId xmlns:a16="http://schemas.microsoft.com/office/drawing/2014/main" id="{170C2068-0D63-5595-A068-64B720FADE96}"/>
               </a:ext>
             </a:extLst>
           </p:cNvPr>
@@ -2866,7 +2866,7 @@
     </p:spTree>
     <p:extLst>
       <p:ext uri="{BB962C8B-B14F-4D97-AF65-F5344CB8AC3E}">
-        <p14:creationId xmlns:p14="http://schemas.microsoft.com/office/powerpoint/2010/main" val="4123954860"/>
+        <p14:creationId xmlns:p14="http://schemas.microsoft.com/office/powerpoint/2010/main" val="2148689090"/>
       </p:ext>
     </p:extLst>
   </p:cSld>
@@ -2884,7 +2884,7 @@
         <p:cNvPr id="1" name="">
           <a:extLst>
             <a:ext uri="{FF2B5EF4-FFF2-40B4-BE49-F238E27FC236}">
-              <a16:creationId xmlns:a16="http://schemas.microsoft.com/office/drawing/2014/main" id="{1BB57183-F50B-3BAF-BA5A-FAC4AE446DE8}"/>
+              <a16:creationId xmlns:a16="http://schemas.microsoft.com/office/drawing/2014/main" id="{9F2853D7-5126-E38A-01ED-FB6C03D92847}"/>
             </a:ext>
           </a:extLst>
         </p:cNvPr>
@@ -2904,7 +2904,7 @@
           <p:cNvPr id="2" name="Title 1">
             <a:extLst>
               <a:ext uri="{FF2B5EF4-FFF2-40B4-BE49-F238E27FC236}">
-                <a16:creationId xmlns:a16="http://schemas.microsoft.com/office/drawing/2014/main" id="{0D4880EF-CB31-BA39-38D9-8A56230F0DC0}"/>
+                <a16:creationId xmlns:a16="http://schemas.microsoft.com/office/drawing/2014/main" id="{9A1AF6B7-9B89-C733-B275-A63F69244A8C}"/>
               </a:ext>
             </a:extLst>
           </p:cNvPr>
@@ -2932,7 +2932,7 @@
           <p:cNvPr id="3" name="Content Placeholder 2">
             <a:extLst>
               <a:ext uri="{FF2B5EF4-FFF2-40B4-BE49-F238E27FC236}">
-                <a16:creationId xmlns:a16="http://schemas.microsoft.com/office/drawing/2014/main" id="{1F3BBC81-6C1A-2BEA-5668-FAF1D0CF12A0}"/>
+                <a16:creationId xmlns:a16="http://schemas.microsoft.com/office/drawing/2014/main" id="{705082BA-01C6-BF34-B8E5-6EA863161860}"/>
               </a:ext>
             </a:extLst>
           </p:cNvPr>
@@ -2949,7 +2949,7 @@
           <a:lstStyle/>
           <a:p>
             <a:r>
-              <a:rPr lang="en-US" sz="1000" dirty="0"/>
+              <a:rPr lang="en-US" sz="900" dirty="0"/>
               <a:t>Bullets</a:t>
             </a:r>
           </a:p>
@@ -2960,7 +2960,7 @@
           <p:cNvPr id="4" name="Text Placeholder 3">
             <a:extLst>
               <a:ext uri="{FF2B5EF4-FFF2-40B4-BE49-F238E27FC236}">
-                <a16:creationId xmlns:a16="http://schemas.microsoft.com/office/drawing/2014/main" id="{1573A6F7-D5F4-6D3F-2E70-088115E609F2}"/>
+                <a16:creationId xmlns:a16="http://schemas.microsoft.com/office/drawing/2014/main" id="{27F83765-30C4-6E76-B7F9-7F50B11FB7F6}"/>
               </a:ext>
             </a:extLst>
           </p:cNvPr>
@@ -2986,7 +2986,7 @@
     </p:spTree>
     <p:extLst>
       <p:ext uri="{BB962C8B-B14F-4D97-AF65-F5344CB8AC3E}">
-        <p14:creationId xmlns:p14="http://schemas.microsoft.com/office/powerpoint/2010/main" val="1211407029"/>
+        <p14:creationId xmlns:p14="http://schemas.microsoft.com/office/powerpoint/2010/main" val="2490780401"/>
       </p:ext>
     </p:extLst>
   </p:cSld>
@@ -3004,7 +3004,7 @@
         <p:cNvPr id="1" name="">
           <a:extLst>
             <a:ext uri="{FF2B5EF4-FFF2-40B4-BE49-F238E27FC236}">
-              <a16:creationId xmlns:a16="http://schemas.microsoft.com/office/drawing/2014/main" id="{5D9F81F7-7E20-49F2-9504-5EC1076068D3}"/>
+              <a16:creationId xmlns:a16="http://schemas.microsoft.com/office/drawing/2014/main" id="{DE2B2334-4C09-D2A8-F2CC-97AB1E4D2717}"/>
             </a:ext>
           </a:extLst>
         </p:cNvPr>
@@ -3024,7 +3024,7 @@
           <p:cNvPr id="2" name="Title 1">
             <a:extLst>
               <a:ext uri="{FF2B5EF4-FFF2-40B4-BE49-F238E27FC236}">
-                <a16:creationId xmlns:a16="http://schemas.microsoft.com/office/drawing/2014/main" id="{E078A9A5-A81C-7BF3-648A-95F6DB33151D}"/>
+                <a16:creationId xmlns:a16="http://schemas.microsoft.com/office/drawing/2014/main" id="{1EC44067-9C6A-CD85-5EF7-B33E572D7288}"/>
               </a:ext>
             </a:extLst>
           </p:cNvPr>
@@ -3052,7 +3052,7 @@
           <p:cNvPr id="3" name="Content Placeholder 2">
             <a:extLst>
               <a:ext uri="{FF2B5EF4-FFF2-40B4-BE49-F238E27FC236}">
-                <a16:creationId xmlns:a16="http://schemas.microsoft.com/office/drawing/2014/main" id="{75EEDED9-DE94-869A-3858-D322052CF129}"/>
+                <a16:creationId xmlns:a16="http://schemas.microsoft.com/office/drawing/2014/main" id="{FE3A165F-2D02-6951-D42B-AFFFF2311774}"/>
               </a:ext>
             </a:extLst>
           </p:cNvPr>
@@ -3069,7 +3069,7 @@
           <a:lstStyle/>
           <a:p>
             <a:r>
-              <a:rPr lang="en-US" sz="1000" dirty="0"/>
+              <a:rPr lang="en-US" sz="900" dirty="0"/>
               <a:t>Bullets</a:t>
             </a:r>
           </a:p>
@@ -3080,7 +3080,7 @@
           <p:cNvPr id="4" name="Text Placeholder 3">
             <a:extLst>
               <a:ext uri="{FF2B5EF4-FFF2-40B4-BE49-F238E27FC236}">
-                <a16:creationId xmlns:a16="http://schemas.microsoft.com/office/drawing/2014/main" id="{4A9B8E26-8ABD-029C-D582-F37F4064A949}"/>
+                <a16:creationId xmlns:a16="http://schemas.microsoft.com/office/drawing/2014/main" id="{3CAF12D2-5E57-46A6-D3F3-9CF74319FC25}"/>
               </a:ext>
             </a:extLst>
           </p:cNvPr>
@@ -3106,7 +3106,7 @@
     </p:spTree>
     <p:extLst>
       <p:ext uri="{BB962C8B-B14F-4D97-AF65-F5344CB8AC3E}">
-        <p14:creationId xmlns:p14="http://schemas.microsoft.com/office/powerpoint/2010/main" val="1061600919"/>
+        <p14:creationId xmlns:p14="http://schemas.microsoft.com/office/powerpoint/2010/main" val="469488645"/>
       </p:ext>
     </p:extLst>
   </p:cSld>
@@ -3124,7 +3124,7 @@
         <p:cNvPr id="1" name="">
           <a:extLst>
             <a:ext uri="{FF2B5EF4-FFF2-40B4-BE49-F238E27FC236}">
-              <a16:creationId xmlns:a16="http://schemas.microsoft.com/office/drawing/2014/main" id="{BCFC41E0-6FA9-6D0C-A3D4-92AA874A6237}"/>
+              <a16:creationId xmlns:a16="http://schemas.microsoft.com/office/drawing/2014/main" id="{8692BB58-3815-E103-48FB-A9EADBB2E289}"/>
             </a:ext>
           </a:extLst>
         </p:cNvPr>
@@ -3144,7 +3144,7 @@
           <p:cNvPr id="2" name="Title 1">
             <a:extLst>
               <a:ext uri="{FF2B5EF4-FFF2-40B4-BE49-F238E27FC236}">
-                <a16:creationId xmlns:a16="http://schemas.microsoft.com/office/drawing/2014/main" id="{4BDCE1B3-0E7A-CF0C-C843-D1DF91A942B7}"/>
+                <a16:creationId xmlns:a16="http://schemas.microsoft.com/office/drawing/2014/main" id="{C1C77458-4A2F-D565-87F2-F1FFC526E91E}"/>
               </a:ext>
             </a:extLst>
           </p:cNvPr>
@@ -3172,7 +3172,7 @@
           <p:cNvPr id="3" name="Content Placeholder 2">
             <a:extLst>
               <a:ext uri="{FF2B5EF4-FFF2-40B4-BE49-F238E27FC236}">
-                <a16:creationId xmlns:a16="http://schemas.microsoft.com/office/drawing/2014/main" id="{6C11BA13-E5BF-CB4B-261A-3261C092C1B6}"/>
+                <a16:creationId xmlns:a16="http://schemas.microsoft.com/office/drawing/2014/main" id="{D876D3EE-C091-9929-72CA-0474E14B32A7}"/>
               </a:ext>
             </a:extLst>
           </p:cNvPr>
@@ -3189,7 +3189,7 @@
           <a:lstStyle/>
           <a:p>
             <a:r>
-              <a:rPr lang="en-US" sz="1000" dirty="0"/>
+              <a:rPr lang="en-US" sz="900" dirty="0"/>
               <a:t>Bullets</a:t>
             </a:r>
           </a:p>
@@ -3200,7 +3200,7 @@
           <p:cNvPr id="4" name="Text Placeholder 3">
             <a:extLst>
               <a:ext uri="{FF2B5EF4-FFF2-40B4-BE49-F238E27FC236}">
-                <a16:creationId xmlns:a16="http://schemas.microsoft.com/office/drawing/2014/main" id="{4896E5F9-C9E4-A39D-4B61-A8899969AF6B}"/>
+                <a16:creationId xmlns:a16="http://schemas.microsoft.com/office/drawing/2014/main" id="{7A09E707-97FB-420B-C317-74514B9D0A35}"/>
               </a:ext>
             </a:extLst>
           </p:cNvPr>
@@ -3226,7 +3226,7 @@
     </p:spTree>
     <p:extLst>
       <p:ext uri="{BB962C8B-B14F-4D97-AF65-F5344CB8AC3E}">
-        <p14:creationId xmlns:p14="http://schemas.microsoft.com/office/powerpoint/2010/main" val="1436587443"/>
+        <p14:creationId xmlns:p14="http://schemas.microsoft.com/office/powerpoint/2010/main" val="2767756790"/>
       </p:ext>
     </p:extLst>
   </p:cSld>
@@ -3244,7 +3244,7 @@
         <p:cNvPr id="1" name="">
           <a:extLst>
             <a:ext uri="{FF2B5EF4-FFF2-40B4-BE49-F238E27FC236}">
-              <a16:creationId xmlns:a16="http://schemas.microsoft.com/office/drawing/2014/main" id="{75AE3353-9A34-592C-C668-F4358D7F9914}"/>
+              <a16:creationId xmlns:a16="http://schemas.microsoft.com/office/drawing/2014/main" id="{986D6F2B-A769-704C-9C97-785C4018E687}"/>
             </a:ext>
           </a:extLst>
         </p:cNvPr>
@@ -3264,7 +3264,7 @@
           <p:cNvPr id="2" name="Title 1">
             <a:extLst>
               <a:ext uri="{FF2B5EF4-FFF2-40B4-BE49-F238E27FC236}">
-                <a16:creationId xmlns:a16="http://schemas.microsoft.com/office/drawing/2014/main" id="{3048A1B2-66E9-7DC4-E188-01BB39E5FF77}"/>
+                <a16:creationId xmlns:a16="http://schemas.microsoft.com/office/drawing/2014/main" id="{BCB39A2D-F6DB-4E9B-C5BE-000BA88AF2F9}"/>
               </a:ext>
             </a:extLst>
           </p:cNvPr>
@@ -3292,7 +3292,7 @@
           <p:cNvPr id="3" name="Content Placeholder 2">
             <a:extLst>
               <a:ext uri="{FF2B5EF4-FFF2-40B4-BE49-F238E27FC236}">
-                <a16:creationId xmlns:a16="http://schemas.microsoft.com/office/drawing/2014/main" id="{FA5FF7FF-B3DC-8F27-4DF3-7F72D4FF0AA8}"/>
+                <a16:creationId xmlns:a16="http://schemas.microsoft.com/office/drawing/2014/main" id="{7F32D1B8-213D-0D68-02DC-2080A723F6F3}"/>
               </a:ext>
             </a:extLst>
           </p:cNvPr>
@@ -3309,7 +3309,7 @@
           <a:lstStyle/>
           <a:p>
             <a:r>
-              <a:rPr lang="en-US" sz="1000" dirty="0"/>
+              <a:rPr lang="en-US" sz="900" dirty="0"/>
               <a:t>Bullets</a:t>
             </a:r>
           </a:p>
@@ -3320,7 +3320,7 @@
           <p:cNvPr id="4" name="Text Placeholder 3">
             <a:extLst>
               <a:ext uri="{FF2B5EF4-FFF2-40B4-BE49-F238E27FC236}">
-                <a16:creationId xmlns:a16="http://schemas.microsoft.com/office/drawing/2014/main" id="{FE9DBD8F-3AE8-6159-1508-C8DB540E8B28}"/>
+                <a16:creationId xmlns:a16="http://schemas.microsoft.com/office/drawing/2014/main" id="{A2BD67D0-92A4-E73B-4DA1-3BC8193B54F9}"/>
               </a:ext>
             </a:extLst>
           </p:cNvPr>
@@ -3346,7 +3346,7 @@
     </p:spTree>
     <p:extLst>
       <p:ext uri="{BB962C8B-B14F-4D97-AF65-F5344CB8AC3E}">
-        <p14:creationId xmlns:p14="http://schemas.microsoft.com/office/powerpoint/2010/main" val="3800781928"/>
+        <p14:creationId xmlns:p14="http://schemas.microsoft.com/office/powerpoint/2010/main" val="3130282946"/>
       </p:ext>
     </p:extLst>
   </p:cSld>
@@ -3364,7 +3364,7 @@
         <p:cNvPr id="1" name="">
           <a:extLst>
             <a:ext uri="{FF2B5EF4-FFF2-40B4-BE49-F238E27FC236}">
-              <a16:creationId xmlns:a16="http://schemas.microsoft.com/office/drawing/2014/main" id="{54E18117-34EE-0E0B-7598-752705E6335A}"/>
+              <a16:creationId xmlns:a16="http://schemas.microsoft.com/office/drawing/2014/main" id="{7452CBA2-647F-91E4-3F1B-C3C1840CBEF9}"/>
             </a:ext>
           </a:extLst>
         </p:cNvPr>
@@ -3384,7 +3384,7 @@
           <p:cNvPr id="2" name="Title 1">
             <a:extLst>
               <a:ext uri="{FF2B5EF4-FFF2-40B4-BE49-F238E27FC236}">
-                <a16:creationId xmlns:a16="http://schemas.microsoft.com/office/drawing/2014/main" id="{2B243760-E1FD-112D-3B60-5FBFEC7CF3B6}"/>
+                <a16:creationId xmlns:a16="http://schemas.microsoft.com/office/drawing/2014/main" id="{F9281F5A-FDBC-F292-F422-4CCD0F52D3F3}"/>
               </a:ext>
             </a:extLst>
           </p:cNvPr>
@@ -3412,7 +3412,7 @@
           <p:cNvPr id="3" name="Content Placeholder 2">
             <a:extLst>
               <a:ext uri="{FF2B5EF4-FFF2-40B4-BE49-F238E27FC236}">
-                <a16:creationId xmlns:a16="http://schemas.microsoft.com/office/drawing/2014/main" id="{96C49808-CF6D-4210-88CD-731BC697C730}"/>
+                <a16:creationId xmlns:a16="http://schemas.microsoft.com/office/drawing/2014/main" id="{A628DC61-4CCF-F0A8-F75B-7E3E8B035A80}"/>
               </a:ext>
             </a:extLst>
           </p:cNvPr>
@@ -3429,7 +3429,7 @@
           <a:lstStyle/>
           <a:p>
             <a:r>
-              <a:rPr lang="en-US" sz="1000" dirty="0"/>
+              <a:rPr lang="en-US" sz="900" dirty="0"/>
               <a:t>Bullets</a:t>
             </a:r>
           </a:p>
@@ -3440,7 +3440,7 @@
           <p:cNvPr id="4" name="Text Placeholder 3">
             <a:extLst>
               <a:ext uri="{FF2B5EF4-FFF2-40B4-BE49-F238E27FC236}">
-                <a16:creationId xmlns:a16="http://schemas.microsoft.com/office/drawing/2014/main" id="{807CF2A5-E223-196B-B2B4-30CE388EC511}"/>
+                <a16:creationId xmlns:a16="http://schemas.microsoft.com/office/drawing/2014/main" id="{86ACAEEB-A093-06AA-9ED8-D105B0254CCC}"/>
               </a:ext>
             </a:extLst>
           </p:cNvPr>
@@ -3466,7 +3466,7 @@
     </p:spTree>
     <p:extLst>
       <p:ext uri="{BB962C8B-B14F-4D97-AF65-F5344CB8AC3E}">
-        <p14:creationId xmlns:p14="http://schemas.microsoft.com/office/powerpoint/2010/main" val="1417791082"/>
+        <p14:creationId xmlns:p14="http://schemas.microsoft.com/office/powerpoint/2010/main" val="604326428"/>
       </p:ext>
     </p:extLst>
   </p:cSld>
@@ -3484,7 +3484,7 @@
         <p:cNvPr id="1" name="">
           <a:extLst>
             <a:ext uri="{FF2B5EF4-FFF2-40B4-BE49-F238E27FC236}">
-              <a16:creationId xmlns:a16="http://schemas.microsoft.com/office/drawing/2014/main" id="{777BEEF8-A25A-567C-B216-16082E1C9710}"/>
+              <a16:creationId xmlns:a16="http://schemas.microsoft.com/office/drawing/2014/main" id="{C87A115B-601C-1569-6ADA-3476F6F3C8A0}"/>
             </a:ext>
           </a:extLst>
         </p:cNvPr>
@@ -3504,7 +3504,7 @@
           <p:cNvPr id="2" name="Title 1">
             <a:extLst>
               <a:ext uri="{FF2B5EF4-FFF2-40B4-BE49-F238E27FC236}">
-                <a16:creationId xmlns:a16="http://schemas.microsoft.com/office/drawing/2014/main" id="{2297F09C-801E-8074-1FB9-3346EDFBB088}"/>
+                <a16:creationId xmlns:a16="http://schemas.microsoft.com/office/drawing/2014/main" id="{5038A691-A58A-0054-2BD8-8A4C856AF18D}"/>
               </a:ext>
             </a:extLst>
           </p:cNvPr>
@@ -3532,7 +3532,7 @@
           <p:cNvPr id="3" name="Content Placeholder 2">
             <a:extLst>
               <a:ext uri="{FF2B5EF4-FFF2-40B4-BE49-F238E27FC236}">
-                <a16:creationId xmlns:a16="http://schemas.microsoft.com/office/drawing/2014/main" id="{CB97C0FB-4AFD-8034-55CA-E31E3CEE68FC}"/>
+                <a16:creationId xmlns:a16="http://schemas.microsoft.com/office/drawing/2014/main" id="{A463D73C-56EE-D193-7B6B-48A08763600B}"/>
               </a:ext>
             </a:extLst>
           </p:cNvPr>
@@ -3549,7 +3549,7 @@
           <a:lstStyle/>
           <a:p>
             <a:r>
-              <a:rPr lang="en-US" sz="1000" dirty="0"/>
+              <a:rPr lang="en-US" sz="900" dirty="0"/>
               <a:t>Bullets</a:t>
             </a:r>
           </a:p>
@@ -3560,7 +3560,7 @@
           <p:cNvPr id="4" name="Text Placeholder 3">
             <a:extLst>
               <a:ext uri="{FF2B5EF4-FFF2-40B4-BE49-F238E27FC236}">
-                <a16:creationId xmlns:a16="http://schemas.microsoft.com/office/drawing/2014/main" id="{7D4DD6C8-C6C6-7D11-E28F-8BFB1F819C54}"/>
+                <a16:creationId xmlns:a16="http://schemas.microsoft.com/office/drawing/2014/main" id="{EBF710F8-6E0D-02C4-D90D-A81093FB36E6}"/>
               </a:ext>
             </a:extLst>
           </p:cNvPr>
@@ -3586,7 +3586,7 @@
     </p:spTree>
     <p:extLst>
       <p:ext uri="{BB962C8B-B14F-4D97-AF65-F5344CB8AC3E}">
-        <p14:creationId xmlns:p14="http://schemas.microsoft.com/office/powerpoint/2010/main" val="957398769"/>
+        <p14:creationId xmlns:p14="http://schemas.microsoft.com/office/powerpoint/2010/main" val="3940948974"/>
       </p:ext>
     </p:extLst>
   </p:cSld>
@@ -3604,7 +3604,7 @@
         <p:cNvPr id="1" name="">
           <a:extLst>
             <a:ext uri="{FF2B5EF4-FFF2-40B4-BE49-F238E27FC236}">
-              <a16:creationId xmlns:a16="http://schemas.microsoft.com/office/drawing/2014/main" id="{CAB5DF13-0107-3ADE-C196-84414908EC8D}"/>
+              <a16:creationId xmlns:a16="http://schemas.microsoft.com/office/drawing/2014/main" id="{29840D59-34E8-B72B-607E-AA805D0670A4}"/>
             </a:ext>
           </a:extLst>
         </p:cNvPr>
@@ -3624,7 +3624,7 @@
           <p:cNvPr id="2" name="Title 1">
             <a:extLst>
               <a:ext uri="{FF2B5EF4-FFF2-40B4-BE49-F238E27FC236}">
-                <a16:creationId xmlns:a16="http://schemas.microsoft.com/office/drawing/2014/main" id="{89F5762F-EF7F-F6AD-1F63-5322DDDDA05E}"/>
+                <a16:creationId xmlns:a16="http://schemas.microsoft.com/office/drawing/2014/main" id="{33469542-7B4E-5565-3343-895519AFE818}"/>
               </a:ext>
             </a:extLst>
           </p:cNvPr>
@@ -3652,7 +3652,7 @@
           <p:cNvPr id="3" name="Content Placeholder 2">
             <a:extLst>
               <a:ext uri="{FF2B5EF4-FFF2-40B4-BE49-F238E27FC236}">
-                <a16:creationId xmlns:a16="http://schemas.microsoft.com/office/drawing/2014/main" id="{7220A696-A539-CDC1-1527-AEE4E87969C3}"/>
+                <a16:creationId xmlns:a16="http://schemas.microsoft.com/office/drawing/2014/main" id="{9F53014E-097A-BA10-647E-AF4B00EAD318}"/>
               </a:ext>
             </a:extLst>
           </p:cNvPr>
@@ -3669,7 +3669,7 @@
           <a:lstStyle/>
           <a:p>
             <a:r>
-              <a:rPr lang="en-US" sz="1000" dirty="0"/>
+              <a:rPr lang="en-US" sz="900" dirty="0"/>
               <a:t>Bullets</a:t>
             </a:r>
           </a:p>
@@ -3680,7 +3680,7 @@
           <p:cNvPr id="4" name="Text Placeholder 3">
             <a:extLst>
               <a:ext uri="{FF2B5EF4-FFF2-40B4-BE49-F238E27FC236}">
-                <a16:creationId xmlns:a16="http://schemas.microsoft.com/office/drawing/2014/main" id="{B8F4BE1B-6465-41B2-19CF-520598C339C4}"/>
+                <a16:creationId xmlns:a16="http://schemas.microsoft.com/office/drawing/2014/main" id="{04D22B14-4260-4699-43D5-B6A828B32C04}"/>
               </a:ext>
             </a:extLst>
           </p:cNvPr>
@@ -3706,7 +3706,7 @@
     </p:spTree>
     <p:extLst>
       <p:ext uri="{BB962C8B-B14F-4D97-AF65-F5344CB8AC3E}">
-        <p14:creationId xmlns:p14="http://schemas.microsoft.com/office/powerpoint/2010/main" val="2015424335"/>
+        <p14:creationId xmlns:p14="http://schemas.microsoft.com/office/powerpoint/2010/main" val="98408953"/>
       </p:ext>
     </p:extLst>
   </p:cSld>
@@ -3724,7 +3724,7 @@
         <p:cNvPr id="1" name="">
           <a:extLst>
             <a:ext uri="{FF2B5EF4-FFF2-40B4-BE49-F238E27FC236}">
-              <a16:creationId xmlns:a16="http://schemas.microsoft.com/office/drawing/2014/main" id="{60B15A51-956F-291F-79C8-D1D381A3C73A}"/>
+              <a16:creationId xmlns:a16="http://schemas.microsoft.com/office/drawing/2014/main" id="{DD7319E4-7E73-C9AE-7077-DC6EC5935306}"/>
             </a:ext>
           </a:extLst>
         </p:cNvPr>
@@ -3744,7 +3744,7 @@
           <p:cNvPr id="2" name="Title 1">
             <a:extLst>
               <a:ext uri="{FF2B5EF4-FFF2-40B4-BE49-F238E27FC236}">
-                <a16:creationId xmlns:a16="http://schemas.microsoft.com/office/drawing/2014/main" id="{1E8F1699-989D-BDF1-A714-C7B1587E6452}"/>
+                <a16:creationId xmlns:a16="http://schemas.microsoft.com/office/drawing/2014/main" id="{BFBDD55B-4CEB-58F2-5E73-68ABEF218D2E}"/>
               </a:ext>
             </a:extLst>
           </p:cNvPr>
@@ -3772,7 +3772,7 @@
           <p:cNvPr id="3" name="Content Placeholder 2">
             <a:extLst>
               <a:ext uri="{FF2B5EF4-FFF2-40B4-BE49-F238E27FC236}">
-                <a16:creationId xmlns:a16="http://schemas.microsoft.com/office/drawing/2014/main" id="{8D00338B-1F1D-42DD-9A67-7C48FF8AFF85}"/>
+                <a16:creationId xmlns:a16="http://schemas.microsoft.com/office/drawing/2014/main" id="{5183F787-3580-2885-E9C2-264955BE3B3D}"/>
               </a:ext>
             </a:extLst>
           </p:cNvPr>
@@ -3789,7 +3789,7 @@
           <a:lstStyle/>
           <a:p>
             <a:r>
-              <a:rPr lang="en-US" sz="1000" dirty="0"/>
+              <a:rPr lang="en-US" sz="900" dirty="0"/>
               <a:t>Bullets</a:t>
             </a:r>
           </a:p>
@@ -3800,7 +3800,7 @@
           <p:cNvPr id="4" name="Text Placeholder 3">
             <a:extLst>
               <a:ext uri="{FF2B5EF4-FFF2-40B4-BE49-F238E27FC236}">
-                <a16:creationId xmlns:a16="http://schemas.microsoft.com/office/drawing/2014/main" id="{E0106E50-1661-C41F-4315-CCBFB4572042}"/>
+                <a16:creationId xmlns:a16="http://schemas.microsoft.com/office/drawing/2014/main" id="{638EEB86-8F39-5D06-ED10-B9B84A4D21C3}"/>
               </a:ext>
             </a:extLst>
           </p:cNvPr>
@@ -3826,7 +3826,7 @@
     </p:spTree>
     <p:extLst>
       <p:ext uri="{BB962C8B-B14F-4D97-AF65-F5344CB8AC3E}">
-        <p14:creationId xmlns:p14="http://schemas.microsoft.com/office/powerpoint/2010/main" val="1714326721"/>
+        <p14:creationId xmlns:p14="http://schemas.microsoft.com/office/powerpoint/2010/main" val="2135245545"/>
       </p:ext>
     </p:extLst>
   </p:cSld>
@@ -3844,7 +3844,7 @@
         <p:cNvPr id="1" name="">
           <a:extLst>
             <a:ext uri="{FF2B5EF4-FFF2-40B4-BE49-F238E27FC236}">
-              <a16:creationId xmlns:a16="http://schemas.microsoft.com/office/drawing/2014/main" id="{438F71A6-0CE2-B4D9-9053-920E3B067A69}"/>
+              <a16:creationId xmlns:a16="http://schemas.microsoft.com/office/drawing/2014/main" id="{45A452FC-3F5D-0D92-4310-AA313B571C36}"/>
             </a:ext>
           </a:extLst>
         </p:cNvPr>
@@ -3864,7 +3864,7 @@
           <p:cNvPr id="2" name="Title 1">
             <a:extLst>
               <a:ext uri="{FF2B5EF4-FFF2-40B4-BE49-F238E27FC236}">
-                <a16:creationId xmlns:a16="http://schemas.microsoft.com/office/drawing/2014/main" id="{99EDC279-93BE-4BC1-60EF-486226A0B058}"/>
+                <a16:creationId xmlns:a16="http://schemas.microsoft.com/office/drawing/2014/main" id="{87A52397-C364-F65E-4938-9F50F18B72E8}"/>
               </a:ext>
             </a:extLst>
           </p:cNvPr>
@@ -3892,7 +3892,7 @@
           <p:cNvPr id="3" name="Content Placeholder 2">
             <a:extLst>
               <a:ext uri="{FF2B5EF4-FFF2-40B4-BE49-F238E27FC236}">
-                <a16:creationId xmlns:a16="http://schemas.microsoft.com/office/drawing/2014/main" id="{D3D6949F-C3AD-E1A2-61F9-2F4B9DD0A4F9}"/>
+                <a16:creationId xmlns:a16="http://schemas.microsoft.com/office/drawing/2014/main" id="{AEF16AA2-5992-FDC3-4DB7-CE47AC990312}"/>
               </a:ext>
             </a:extLst>
           </p:cNvPr>
@@ -3909,7 +3909,7 @@
           <a:lstStyle/>
           <a:p>
             <a:r>
-              <a:rPr lang="en-US" sz="1000" dirty="0"/>
+              <a:rPr lang="en-US" sz="900" dirty="0"/>
               <a:t>Bullets</a:t>
             </a:r>
           </a:p>
@@ -3920,7 +3920,7 @@
           <p:cNvPr id="4" name="Text Placeholder 3">
             <a:extLst>
               <a:ext uri="{FF2B5EF4-FFF2-40B4-BE49-F238E27FC236}">
-                <a16:creationId xmlns:a16="http://schemas.microsoft.com/office/drawing/2014/main" id="{B1A6E203-2B40-04A9-417B-9785EC9021CF}"/>
+                <a16:creationId xmlns:a16="http://schemas.microsoft.com/office/drawing/2014/main" id="{9B2A10BA-693B-1D0D-6D0E-85F305B2DB94}"/>
               </a:ext>
             </a:extLst>
           </p:cNvPr>
@@ -3946,7 +3946,7 @@
     </p:spTree>
     <p:extLst>
       <p:ext uri="{BB962C8B-B14F-4D97-AF65-F5344CB8AC3E}">
-        <p14:creationId xmlns:p14="http://schemas.microsoft.com/office/powerpoint/2010/main" val="1821352820"/>
+        <p14:creationId xmlns:p14="http://schemas.microsoft.com/office/powerpoint/2010/main" val="602623709"/>
       </p:ext>
     </p:extLst>
   </p:cSld>
@@ -3964,7 +3964,7 @@
         <p:cNvPr id="1" name="">
           <a:extLst>
             <a:ext uri="{FF2B5EF4-FFF2-40B4-BE49-F238E27FC236}">
-              <a16:creationId xmlns:a16="http://schemas.microsoft.com/office/drawing/2014/main" id="{0FBE3221-22BF-47C6-116B-8D1ED14987AA}"/>
+              <a16:creationId xmlns:a16="http://schemas.microsoft.com/office/drawing/2014/main" id="{F6136C19-EF5F-7A16-3D20-CE07E17715E3}"/>
             </a:ext>
           </a:extLst>
         </p:cNvPr>
@@ -3984,7 +3984,7 @@
           <p:cNvPr id="2" name="Title 1">
             <a:extLst>
               <a:ext uri="{FF2B5EF4-FFF2-40B4-BE49-F238E27FC236}">
-                <a16:creationId xmlns:a16="http://schemas.microsoft.com/office/drawing/2014/main" id="{EA0F019A-C62E-A7AC-5704-2B3412830CDD}"/>
+                <a16:creationId xmlns:a16="http://schemas.microsoft.com/office/drawing/2014/main" id="{8C8C2687-E7C2-28AF-E907-04858421786A}"/>
               </a:ext>
             </a:extLst>
           </p:cNvPr>
@@ -4012,7 +4012,7 @@
           <p:cNvPr id="3" name="Content Placeholder 2">
             <a:extLst>
               <a:ext uri="{FF2B5EF4-FFF2-40B4-BE49-F238E27FC236}">
-                <a16:creationId xmlns:a16="http://schemas.microsoft.com/office/drawing/2014/main" id="{B11A4BB0-7B17-8355-BC4F-A60408ADA213}"/>
+                <a16:creationId xmlns:a16="http://schemas.microsoft.com/office/drawing/2014/main" id="{D5B678CA-4ADC-5E9A-FD80-8021CE855EBB}"/>
               </a:ext>
             </a:extLst>
           </p:cNvPr>
@@ -4029,7 +4029,7 @@
           <a:lstStyle/>
           <a:p>
             <a:r>
-              <a:rPr lang="en-US" sz="1000" dirty="0"/>
+              <a:rPr lang="en-US" sz="900" dirty="0"/>
               <a:t>Bullets</a:t>
             </a:r>
           </a:p>
@@ -4040,7 +4040,7 @@
           <p:cNvPr id="4" name="Text Placeholder 3">
             <a:extLst>
               <a:ext uri="{FF2B5EF4-FFF2-40B4-BE49-F238E27FC236}">
-                <a16:creationId xmlns:a16="http://schemas.microsoft.com/office/drawing/2014/main" id="{747E7333-30FC-66EC-58F6-1A06D8170957}"/>
+                <a16:creationId xmlns:a16="http://schemas.microsoft.com/office/drawing/2014/main" id="{803D27E2-1CC8-394A-08D3-E4619B62C07E}"/>
               </a:ext>
             </a:extLst>
           </p:cNvPr>
@@ -4066,7 +4066,7 @@
     </p:spTree>
     <p:extLst>
       <p:ext uri="{BB962C8B-B14F-4D97-AF65-F5344CB8AC3E}">
-        <p14:creationId xmlns:p14="http://schemas.microsoft.com/office/powerpoint/2010/main" val="3847950072"/>
+        <p14:creationId xmlns:p14="http://schemas.microsoft.com/office/powerpoint/2010/main" val="1359983326"/>
       </p:ext>
     </p:extLst>
   </p:cSld>
@@ -4084,7 +4084,7 @@
         <p:cNvPr id="1" name="">
           <a:extLst>
             <a:ext uri="{FF2B5EF4-FFF2-40B4-BE49-F238E27FC236}">
-              <a16:creationId xmlns:a16="http://schemas.microsoft.com/office/drawing/2014/main" id="{448D7501-AC21-CFEC-AC10-F48A64440B72}"/>
+              <a16:creationId xmlns:a16="http://schemas.microsoft.com/office/drawing/2014/main" id="{E5B96CE3-6405-906C-4501-21A800E8C94B}"/>
             </a:ext>
           </a:extLst>
         </p:cNvPr>
@@ -4104,7 +4104,7 @@
           <p:cNvPr id="2" name="Title 1">
             <a:extLst>
               <a:ext uri="{FF2B5EF4-FFF2-40B4-BE49-F238E27FC236}">
-                <a16:creationId xmlns:a16="http://schemas.microsoft.com/office/drawing/2014/main" id="{994CB43C-4313-561E-E133-63F15A3BB096}"/>
+                <a16:creationId xmlns:a16="http://schemas.microsoft.com/office/drawing/2014/main" id="{383F12A9-D0BB-E61A-67FB-141214F39967}"/>
               </a:ext>
             </a:extLst>
           </p:cNvPr>
@@ -4132,7 +4132,7 @@
           <p:cNvPr id="3" name="Content Placeholder 2">
             <a:extLst>
               <a:ext uri="{FF2B5EF4-FFF2-40B4-BE49-F238E27FC236}">
-                <a16:creationId xmlns:a16="http://schemas.microsoft.com/office/drawing/2014/main" id="{E3E5D5FE-A105-13A7-BDCC-A3A8EDAD38FA}"/>
+                <a16:creationId xmlns:a16="http://schemas.microsoft.com/office/drawing/2014/main" id="{8702E356-4A80-8BC5-D4F9-B260BC4BFCC6}"/>
               </a:ext>
             </a:extLst>
           </p:cNvPr>
@@ -4149,7 +4149,7 @@
           <a:lstStyle/>
           <a:p>
             <a:r>
-              <a:rPr lang="en-US" sz="1000" dirty="0"/>
+              <a:rPr lang="en-US" sz="900" dirty="0"/>
               <a:t>Bullets</a:t>
             </a:r>
           </a:p>
@@ -4160,7 +4160,7 @@
           <p:cNvPr id="4" name="Text Placeholder 3">
             <a:extLst>
               <a:ext uri="{FF2B5EF4-FFF2-40B4-BE49-F238E27FC236}">
-                <a16:creationId xmlns:a16="http://schemas.microsoft.com/office/drawing/2014/main" id="{8083D854-4A31-128D-9FE0-7225B50C5F69}"/>
+                <a16:creationId xmlns:a16="http://schemas.microsoft.com/office/drawing/2014/main" id="{BF354482-E1DF-B1BC-1090-0BE5562CB971}"/>
               </a:ext>
             </a:extLst>
           </p:cNvPr>
@@ -4186,7 +4186,7 @@
     </p:spTree>
     <p:extLst>
       <p:ext uri="{BB962C8B-B14F-4D97-AF65-F5344CB8AC3E}">
-        <p14:creationId xmlns:p14="http://schemas.microsoft.com/office/powerpoint/2010/main" val="1189973374"/>
+        <p14:creationId xmlns:p14="http://schemas.microsoft.com/office/powerpoint/2010/main" val="2869557938"/>
       </p:ext>
     </p:extLst>
   </p:cSld>
@@ -4204,7 +4204,7 @@
         <p:cNvPr id="1" name="">
           <a:extLst>
             <a:ext uri="{FF2B5EF4-FFF2-40B4-BE49-F238E27FC236}">
-              <a16:creationId xmlns:a16="http://schemas.microsoft.com/office/drawing/2014/main" id="{7977320A-05B5-4C98-CE42-3133A3EFD44D}"/>
+              <a16:creationId xmlns:a16="http://schemas.microsoft.com/office/drawing/2014/main" id="{FE7D4246-8F42-89FD-D129-1780A179DAB0}"/>
             </a:ext>
           </a:extLst>
         </p:cNvPr>
@@ -4224,7 +4224,7 @@
           <p:cNvPr id="2" name="Title 1">
             <a:extLst>
               <a:ext uri="{FF2B5EF4-FFF2-40B4-BE49-F238E27FC236}">
-                <a16:creationId xmlns:a16="http://schemas.microsoft.com/office/drawing/2014/main" id="{5FEB408C-89D4-AC0A-32FE-001783A09593}"/>
+                <a16:creationId xmlns:a16="http://schemas.microsoft.com/office/drawing/2014/main" id="{675ECD87-ADFC-A693-58F7-02274C5CEB18}"/>
               </a:ext>
             </a:extLst>
           </p:cNvPr>
@@ -4252,7 +4252,7 @@
           <p:cNvPr id="3" name="Content Placeholder 2">
             <a:extLst>
               <a:ext uri="{FF2B5EF4-FFF2-40B4-BE49-F238E27FC236}">
-                <a16:creationId xmlns:a16="http://schemas.microsoft.com/office/drawing/2014/main" id="{75B60082-3D8C-FB11-8E65-14C8109A24FC}"/>
+                <a16:creationId xmlns:a16="http://schemas.microsoft.com/office/drawing/2014/main" id="{15316CD6-0C1C-9B2C-83AD-1B55ED9A6262}"/>
               </a:ext>
             </a:extLst>
           </p:cNvPr>
@@ -4269,7 +4269,7 @@
           <a:lstStyle/>
           <a:p>
             <a:r>
-              <a:rPr lang="en-US" sz="1000" dirty="0"/>
+              <a:rPr lang="en-US" sz="900" dirty="0"/>
               <a:t>Bullets</a:t>
             </a:r>
           </a:p>
@@ -4280,7 +4280,7 @@
           <p:cNvPr id="4" name="Text Placeholder 3">
             <a:extLst>
               <a:ext uri="{FF2B5EF4-FFF2-40B4-BE49-F238E27FC236}">
-                <a16:creationId xmlns:a16="http://schemas.microsoft.com/office/drawing/2014/main" id="{1C40EB30-135E-EAE1-6375-4B6699DABCAB}"/>
+                <a16:creationId xmlns:a16="http://schemas.microsoft.com/office/drawing/2014/main" id="{869643E0-7E52-A262-244B-39F97C820283}"/>
               </a:ext>
             </a:extLst>
           </p:cNvPr>
@@ -4306,7 +4306,7 @@
     </p:spTree>
     <p:extLst>
       <p:ext uri="{BB962C8B-B14F-4D97-AF65-F5344CB8AC3E}">
-        <p14:creationId xmlns:p14="http://schemas.microsoft.com/office/powerpoint/2010/main" val="835620297"/>
+        <p14:creationId xmlns:p14="http://schemas.microsoft.com/office/powerpoint/2010/main" val="779231079"/>
       </p:ext>
     </p:extLst>
   </p:cSld>
@@ -4324,7 +4324,7 @@
         <p:cNvPr id="1" name="">
           <a:extLst>
             <a:ext uri="{FF2B5EF4-FFF2-40B4-BE49-F238E27FC236}">
-              <a16:creationId xmlns:a16="http://schemas.microsoft.com/office/drawing/2014/main" id="{00C1443E-59FC-8F30-E5C8-128E9EC3E0EF}"/>
+              <a16:creationId xmlns:a16="http://schemas.microsoft.com/office/drawing/2014/main" id="{4315FAD0-645B-9675-4D01-E975CB7474F9}"/>
             </a:ext>
           </a:extLst>
         </p:cNvPr>
@@ -4344,7 +4344,7 @@
           <p:cNvPr id="2" name="Title 1">
             <a:extLst>
               <a:ext uri="{FF2B5EF4-FFF2-40B4-BE49-F238E27FC236}">
-                <a16:creationId xmlns:a16="http://schemas.microsoft.com/office/drawing/2014/main" id="{D2AA71C0-7888-6382-4512-6701B04B14CA}"/>
+                <a16:creationId xmlns:a16="http://schemas.microsoft.com/office/drawing/2014/main" id="{AEF4A783-8ECA-3B16-1565-CBD5972E22F1}"/>
               </a:ext>
             </a:extLst>
           </p:cNvPr>
@@ -4372,7 +4372,7 @@
           <p:cNvPr id="3" name="Content Placeholder 2">
             <a:extLst>
               <a:ext uri="{FF2B5EF4-FFF2-40B4-BE49-F238E27FC236}">
-                <a16:creationId xmlns:a16="http://schemas.microsoft.com/office/drawing/2014/main" id="{B105A048-1FAD-8ADA-35C9-C683B6AC389E}"/>
+                <a16:creationId xmlns:a16="http://schemas.microsoft.com/office/drawing/2014/main" id="{842B032A-F8C6-D9D4-4278-5339FB729BAF}"/>
               </a:ext>
             </a:extLst>
           </p:cNvPr>
@@ -4389,7 +4389,7 @@
           <a:lstStyle/>
           <a:p>
             <a:r>
-              <a:rPr lang="en-US" sz="1000" dirty="0"/>
+              <a:rPr lang="en-US" sz="900" dirty="0"/>
               <a:t>Bullets</a:t>
             </a:r>
           </a:p>
@@ -4400,7 +4400,7 @@
           <p:cNvPr id="4" name="Text Placeholder 3">
             <a:extLst>
               <a:ext uri="{FF2B5EF4-FFF2-40B4-BE49-F238E27FC236}">
-                <a16:creationId xmlns:a16="http://schemas.microsoft.com/office/drawing/2014/main" id="{DEF93D28-1A43-5D3C-D744-2C0E2F80ADAC}"/>
+                <a16:creationId xmlns:a16="http://schemas.microsoft.com/office/drawing/2014/main" id="{18B28641-034C-CEB8-20AC-EAF0C6E39CCB}"/>
               </a:ext>
             </a:extLst>
           </p:cNvPr>
@@ -4426,7 +4426,7 @@
     </p:spTree>
     <p:extLst>
       <p:ext uri="{BB962C8B-B14F-4D97-AF65-F5344CB8AC3E}">
-        <p14:creationId xmlns:p14="http://schemas.microsoft.com/office/powerpoint/2010/main" val="2412896933"/>
+        <p14:creationId xmlns:p14="http://schemas.microsoft.com/office/powerpoint/2010/main" val="663837926"/>
       </p:ext>
     </p:extLst>
   </p:cSld>
@@ -4444,7 +4444,7 @@
         <p:cNvPr id="1" name="">
           <a:extLst>
             <a:ext uri="{FF2B5EF4-FFF2-40B4-BE49-F238E27FC236}">
-              <a16:creationId xmlns:a16="http://schemas.microsoft.com/office/drawing/2014/main" id="{EB8B01E8-876A-DC1D-EBE5-71E5B5A39A9F}"/>
+              <a16:creationId xmlns:a16="http://schemas.microsoft.com/office/drawing/2014/main" id="{E191A22F-D5EF-828A-61E1-6C4C7140B5D7}"/>
             </a:ext>
           </a:extLst>
         </p:cNvPr>
@@ -4464,7 +4464,7 @@
           <p:cNvPr id="2" name="Title 1">
             <a:extLst>
               <a:ext uri="{FF2B5EF4-FFF2-40B4-BE49-F238E27FC236}">
-                <a16:creationId xmlns:a16="http://schemas.microsoft.com/office/drawing/2014/main" id="{04CFA2AC-12F4-3FB7-98B5-56735E1A1A86}"/>
+                <a16:creationId xmlns:a16="http://schemas.microsoft.com/office/drawing/2014/main" id="{3AAC51F6-088F-896F-A667-673ED9936488}"/>
               </a:ext>
             </a:extLst>
           </p:cNvPr>
@@ -4492,7 +4492,7 @@
           <p:cNvPr id="3" name="Content Placeholder 2">
             <a:extLst>
               <a:ext uri="{FF2B5EF4-FFF2-40B4-BE49-F238E27FC236}">
-                <a16:creationId xmlns:a16="http://schemas.microsoft.com/office/drawing/2014/main" id="{B7D117DB-2C1B-996E-17AF-7F0124DA98A1}"/>
+                <a16:creationId xmlns:a16="http://schemas.microsoft.com/office/drawing/2014/main" id="{17186E4A-8F93-F388-4F80-B27CA6464A86}"/>
               </a:ext>
             </a:extLst>
           </p:cNvPr>
@@ -4509,7 +4509,7 @@
           <a:lstStyle/>
           <a:p>
             <a:r>
-              <a:rPr lang="en-US" sz="1000" dirty="0"/>
+              <a:rPr lang="en-US" sz="900" dirty="0"/>
               <a:t>Bullets</a:t>
             </a:r>
           </a:p>
@@ -4520,7 +4520,7 @@
           <p:cNvPr id="4" name="Text Placeholder 3">
             <a:extLst>
               <a:ext uri="{FF2B5EF4-FFF2-40B4-BE49-F238E27FC236}">
-                <a16:creationId xmlns:a16="http://schemas.microsoft.com/office/drawing/2014/main" id="{47B55540-F59E-5FB3-3637-5225563461D7}"/>
+                <a16:creationId xmlns:a16="http://schemas.microsoft.com/office/drawing/2014/main" id="{99BF97C8-2F1D-607B-14BF-EE48D2F6C799}"/>
               </a:ext>
             </a:extLst>
           </p:cNvPr>
@@ -4546,7 +4546,7 @@
     </p:spTree>
     <p:extLst>
       <p:ext uri="{BB962C8B-B14F-4D97-AF65-F5344CB8AC3E}">
-        <p14:creationId xmlns:p14="http://schemas.microsoft.com/office/powerpoint/2010/main" val="3114906504"/>
+        <p14:creationId xmlns:p14="http://schemas.microsoft.com/office/powerpoint/2010/main" val="3201042628"/>
       </p:ext>
     </p:extLst>
   </p:cSld>
@@ -4564,7 +4564,7 @@
         <p:cNvPr id="1" name="">
           <a:extLst>
             <a:ext uri="{FF2B5EF4-FFF2-40B4-BE49-F238E27FC236}">
-              <a16:creationId xmlns:a16="http://schemas.microsoft.com/office/drawing/2014/main" id="{1337ECAF-B942-716B-C924-4E1069D8956C}"/>
+              <a16:creationId xmlns:a16="http://schemas.microsoft.com/office/drawing/2014/main" id="{15E58855-60C5-7E4B-373E-EC9B5C904666}"/>
             </a:ext>
           </a:extLst>
         </p:cNvPr>
@@ -4584,7 +4584,7 @@
           <p:cNvPr id="2" name="Title 1">
             <a:extLst>
               <a:ext uri="{FF2B5EF4-FFF2-40B4-BE49-F238E27FC236}">
-                <a16:creationId xmlns:a16="http://schemas.microsoft.com/office/drawing/2014/main" id="{E2257D32-D82B-BAE3-0A0F-284BD23564ED}"/>
+                <a16:creationId xmlns:a16="http://schemas.microsoft.com/office/drawing/2014/main" id="{21B00657-F46D-BFE4-76E0-480D1706F6BB}"/>
               </a:ext>
             </a:extLst>
           </p:cNvPr>
@@ -4612,7 +4612,7 @@
           <p:cNvPr id="3" name="Content Placeholder 2">
             <a:extLst>
               <a:ext uri="{FF2B5EF4-FFF2-40B4-BE49-F238E27FC236}">
-                <a16:creationId xmlns:a16="http://schemas.microsoft.com/office/drawing/2014/main" id="{94DABF1E-A8E9-7E8D-EC51-025057CF1006}"/>
+                <a16:creationId xmlns:a16="http://schemas.microsoft.com/office/drawing/2014/main" id="{A7F60A26-F7EA-46C4-64D7-D9913B659A77}"/>
               </a:ext>
             </a:extLst>
           </p:cNvPr>
@@ -4629,7 +4629,7 @@
           <a:lstStyle/>
           <a:p>
             <a:r>
-              <a:rPr lang="en-US" sz="1000" dirty="0"/>
+              <a:rPr lang="en-US" sz="900" dirty="0"/>
               <a:t>Bullets</a:t>
             </a:r>
           </a:p>
@@ -4640,7 +4640,7 @@
           <p:cNvPr id="4" name="Text Placeholder 3">
             <a:extLst>
               <a:ext uri="{FF2B5EF4-FFF2-40B4-BE49-F238E27FC236}">
-                <a16:creationId xmlns:a16="http://schemas.microsoft.com/office/drawing/2014/main" id="{B04EBFEE-5F6E-2F3C-B5CB-39896EA9538E}"/>
+                <a16:creationId xmlns:a16="http://schemas.microsoft.com/office/drawing/2014/main" id="{0E1DD85C-3270-9938-FD59-D5DCC4C9D4CD}"/>
               </a:ext>
             </a:extLst>
           </p:cNvPr>
@@ -4666,7 +4666,7 @@
     </p:spTree>
     <p:extLst>
       <p:ext uri="{BB962C8B-B14F-4D97-AF65-F5344CB8AC3E}">
-        <p14:creationId xmlns:p14="http://schemas.microsoft.com/office/powerpoint/2010/main" val="3038220612"/>
+        <p14:creationId xmlns:p14="http://schemas.microsoft.com/office/powerpoint/2010/main" val="3933910464"/>
       </p:ext>
     </p:extLst>
   </p:cSld>
@@ -4684,7 +4684,7 @@
         <p:cNvPr id="1" name="">
           <a:extLst>
             <a:ext uri="{FF2B5EF4-FFF2-40B4-BE49-F238E27FC236}">
-              <a16:creationId xmlns:a16="http://schemas.microsoft.com/office/drawing/2014/main" id="{67DB2A34-1B68-5436-2625-D3E6D0D17BAB}"/>
+              <a16:creationId xmlns:a16="http://schemas.microsoft.com/office/drawing/2014/main" id="{A79AD0A7-0405-CF3B-5719-8A49EC9AFAB6}"/>
             </a:ext>
           </a:extLst>
         </p:cNvPr>
@@ -4704,7 +4704,7 @@
           <p:cNvPr id="2" name="Title 1">
             <a:extLst>
               <a:ext uri="{FF2B5EF4-FFF2-40B4-BE49-F238E27FC236}">
-                <a16:creationId xmlns:a16="http://schemas.microsoft.com/office/drawing/2014/main" id="{57C1B17A-6832-35DC-1734-12FD3B62B596}"/>
+                <a16:creationId xmlns:a16="http://schemas.microsoft.com/office/drawing/2014/main" id="{13CD9040-2EED-9034-50DD-5CA4AE1D13CB}"/>
               </a:ext>
             </a:extLst>
           </p:cNvPr>
@@ -4732,7 +4732,7 @@
           <p:cNvPr id="3" name="Content Placeholder 2">
             <a:extLst>
               <a:ext uri="{FF2B5EF4-FFF2-40B4-BE49-F238E27FC236}">
-                <a16:creationId xmlns:a16="http://schemas.microsoft.com/office/drawing/2014/main" id="{7348AE94-2120-0B8E-A86F-79A8700BF1D1}"/>
+                <a16:creationId xmlns:a16="http://schemas.microsoft.com/office/drawing/2014/main" id="{24074E6A-3ADE-EA32-2B75-7BBA5B805309}"/>
               </a:ext>
             </a:extLst>
           </p:cNvPr>
@@ -4749,7 +4749,7 @@
           <a:lstStyle/>
           <a:p>
             <a:r>
-              <a:rPr lang="en-US" sz="1000" dirty="0"/>
+              <a:rPr lang="en-US" sz="900" dirty="0"/>
               <a:t>Bullets</a:t>
             </a:r>
           </a:p>
@@ -4760,7 +4760,7 @@
           <p:cNvPr id="4" name="Text Placeholder 3">
             <a:extLst>
               <a:ext uri="{FF2B5EF4-FFF2-40B4-BE49-F238E27FC236}">
-                <a16:creationId xmlns:a16="http://schemas.microsoft.com/office/drawing/2014/main" id="{8CD8C263-000E-F6B0-3FEE-1A6985031165}"/>
+                <a16:creationId xmlns:a16="http://schemas.microsoft.com/office/drawing/2014/main" id="{D687E45E-7B6D-3515-7F8F-272DC904EE5B}"/>
               </a:ext>
             </a:extLst>
           </p:cNvPr>
@@ -4786,7 +4786,7 @@
     </p:spTree>
     <p:extLst>
       <p:ext uri="{BB962C8B-B14F-4D97-AF65-F5344CB8AC3E}">
-        <p14:creationId xmlns:p14="http://schemas.microsoft.com/office/powerpoint/2010/main" val="1055048221"/>
+        <p14:creationId xmlns:p14="http://schemas.microsoft.com/office/powerpoint/2010/main" val="4236228821"/>
       </p:ext>
     </p:extLst>
   </p:cSld>
@@ -5391,15 +5391,6 @@
 </file>
 
 <file path=customXml/item1.xml><?xml version="1.0" encoding="utf-8"?>
-<?mso-contentType ?>
-<FormTemplates xmlns="http://schemas.microsoft.com/sharepoint/v3/contenttype/forms">
-  <Display>DocumentLibraryForm</Display>
-  <Edit>DocumentLibraryForm</Edit>
-  <New>DocumentLibraryForm</New>
-</FormTemplates>
-</file>
-
-<file path=customXml/item2.xml><?xml version="1.0" encoding="utf-8"?>
 <ct:contentTypeSchema xmlns:ct="http://schemas.microsoft.com/office/2006/metadata/contentType" xmlns:ma="http://schemas.microsoft.com/office/2006/metadata/properties/metaAttributes" ct:_="" ma:_="" ma:contentTypeName="Document" ma:contentTypeID="0x010100ECD0995CF359FA49AA6FBDB4084AB626" ma:contentTypeVersion="16" ma:contentTypeDescription="Create a new document." ma:contentTypeScope="" ma:versionID="7c19f8e3323dfc30743dfe9313bae7c8">
   <xsd:schema xmlns:xsd="http://www.w3.org/2001/XMLSchema" xmlns:xs="http://www.w3.org/2001/XMLSchema" xmlns:p="http://schemas.microsoft.com/office/2006/metadata/properties" xmlns:ns2="0603a36f-7446-49ce-a8d2-2fa38b6f1b11" xmlns:ns3="657d9a73-68e9-4aab-9d0a-be5a396e3039" targetNamespace="http://schemas.microsoft.com/office/2006/metadata/properties" ma:root="true" ma:fieldsID="4c9c6e1697ab0be60127b6a09693838a" ns2:_="" ns3:_="">
     <xsd:import namespace="0603a36f-7446-49ce-a8d2-2fa38b6f1b11"/>
@@ -5640,6 +5631,15 @@
 </ct:contentTypeSchema>
 </file>
 
+<file path=customXml/item2.xml><?xml version="1.0" encoding="utf-8"?>
+<?mso-contentType ?>
+<FormTemplates xmlns="http://schemas.microsoft.com/sharepoint/v3/contenttype/forms">
+  <Display>DocumentLibraryForm</Display>
+  <Edit>DocumentLibraryForm</Edit>
+  <New>DocumentLibraryForm</New>
+</FormTemplates>
+</file>
+
 <file path=customXml/item3.xml><?xml version="1.0" encoding="utf-8"?>
 <p:properties xmlns:p="http://schemas.microsoft.com/office/2006/metadata/properties" xmlns:xsi="http://www.w3.org/2001/XMLSchema-instance" xmlns:pc="http://schemas.microsoft.com/office/infopath/2007/PartnerControls">
   <documentManagement>
@@ -5652,14 +5652,6 @@
 </file>
 
 <file path=customXml/itemProps1.xml><?xml version="1.0" encoding="utf-8"?>
-<ds:datastoreItem xmlns:ds="http://schemas.openxmlformats.org/officeDocument/2006/customXml" ds:itemID="{DB598892-6A61-4453-9248-6D011796BDCC}">
-  <ds:schemaRefs>
-    <ds:schemaRef ds:uri="http://schemas.microsoft.com/sharepoint/v3/contenttype/forms"/>
-  </ds:schemaRefs>
-</ds:datastoreItem>
-</file>
-
-<file path=customXml/itemProps2.xml><?xml version="1.0" encoding="utf-8"?>
 <ds:datastoreItem xmlns:ds="http://schemas.openxmlformats.org/officeDocument/2006/customXml" ds:itemID="{B01E52E4-C0AA-43CE-8182-9D3BD7971CCE}">
   <ds:schemaRefs>
     <ds:schemaRef ds:uri="0603a36f-7446-49ce-a8d2-2fa38b6f1b11"/>
@@ -5674,6 +5666,14 @@
     <ds:schemaRef ds:uri="http://schemas.microsoft.com/office/infopath/2007/PartnerControls"/>
     <ds:schemaRef ds:uri="http://schemas.openxmlformats.org/package/2006/metadata/core-properties"/>
     <ds:schemaRef ds:uri="http://www.w3.org/2001/XMLSchema"/>
+  </ds:schemaRefs>
+</ds:datastoreItem>
+</file>
+
+<file path=customXml/itemProps2.xml><?xml version="1.0" encoding="utf-8"?>
+<ds:datastoreItem xmlns:ds="http://schemas.openxmlformats.org/officeDocument/2006/customXml" ds:itemID="{DB598892-6A61-4453-9248-6D011796BDCC}">
+  <ds:schemaRefs>
+    <ds:schemaRef ds:uri="http://schemas.microsoft.com/sharepoint/v3/contenttype/forms"/>
   </ds:schemaRefs>
 </ds:datastoreItem>
 </file>
